--- a/Theory CLass Notes/Unit-2.pptx
+++ b/Theory CLass Notes/Unit-2.pptx
@@ -5,7 +5,7 @@
     <p:sldMasterId id="2147483710" r:id="rId1"/>
   </p:sldMasterIdLst>
   <p:notesMasterIdLst>
-    <p:notesMasterId r:id="rId22"/>
+    <p:notesMasterId r:id="rId31"/>
   </p:notesMasterIdLst>
   <p:sldIdLst>
     <p:sldId id="282" r:id="rId2"/>
@@ -24,10 +24,19 @@
     <p:sldId id="295" r:id="rId15"/>
     <p:sldId id="296" r:id="rId16"/>
     <p:sldId id="297" r:id="rId17"/>
-    <p:sldId id="301" r:id="rId18"/>
-    <p:sldId id="298" r:id="rId19"/>
-    <p:sldId id="299" r:id="rId20"/>
-    <p:sldId id="300" r:id="rId21"/>
+    <p:sldId id="298" r:id="rId18"/>
+    <p:sldId id="299" r:id="rId19"/>
+    <p:sldId id="300" r:id="rId20"/>
+    <p:sldId id="302" r:id="rId21"/>
+    <p:sldId id="303" r:id="rId22"/>
+    <p:sldId id="304" r:id="rId23"/>
+    <p:sldId id="301" r:id="rId24"/>
+    <p:sldId id="305" r:id="rId25"/>
+    <p:sldId id="306" r:id="rId26"/>
+    <p:sldId id="307" r:id="rId27"/>
+    <p:sldId id="308" r:id="rId28"/>
+    <p:sldId id="309" r:id="rId29"/>
+    <p:sldId id="310" r:id="rId30"/>
   </p:sldIdLst>
   <p:sldSz cx="12192000" cy="6858000"/>
   <p:notesSz cx="6858000" cy="9144000"/>
@@ -216,7 +225,7 @@
           <a:p>
             <a:fld id="{61532AF1-4615-4667-912A-829B12F8C4D2}" type="datetimeFigureOut">
               <a:rPr lang="en-IN" smtClean="0"/>
-              <a:t>29-12-2024</a:t>
+              <a:t>30-12-2024</a:t>
             </a:fld>
             <a:endParaRPr lang="en-IN"/>
           </a:p>
@@ -633,7 +642,7 @@
           <a:p>
             <a:fld id="{C43A76A3-ADC8-4477-8FC1-B9DD55D84908}" type="datetime1">
               <a:rPr lang="en-US" smtClean="0"/>
-              <a:t>12/29/2024</a:t>
+              <a:t>12/30/2024</a:t>
             </a:fld>
             <a:endParaRPr lang="en-US" dirty="0"/>
           </a:p>
@@ -831,7 +840,7 @@
           <a:p>
             <a:fld id="{D6762538-DC4D-4667-96E5-B3278DDF8B12}" type="datetime1">
               <a:rPr lang="en-US" smtClean="0"/>
-              <a:t>12/29/2024</a:t>
+              <a:t>12/30/2024</a:t>
             </a:fld>
             <a:endParaRPr lang="en-US"/>
           </a:p>
@@ -1039,7 +1048,7 @@
           <a:p>
             <a:fld id="{05880548-5C08-4BE3-B63E-F2BB63B0B00C}" type="datetime1">
               <a:rPr lang="en-US" smtClean="0"/>
-              <a:t>12/29/2024</a:t>
+              <a:t>12/30/2024</a:t>
             </a:fld>
             <a:endParaRPr lang="en-US"/>
           </a:p>
@@ -1237,7 +1246,7 @@
           <a:p>
             <a:fld id="{DE7F49BE-398D-479A-8A7E-5DDBCA61EDCB}" type="datetime1">
               <a:rPr lang="en-US" smtClean="0"/>
-              <a:t>12/29/2024</a:t>
+              <a:t>12/30/2024</a:t>
             </a:fld>
             <a:endParaRPr lang="en-US" dirty="0"/>
           </a:p>
@@ -1513,7 +1522,7 @@
           <a:p>
             <a:fld id="{CCD0C193-4974-4A1F-9C63-07D595E30D66}" type="datetime1">
               <a:rPr lang="en-US" smtClean="0"/>
-              <a:t>12/29/2024</a:t>
+              <a:t>12/30/2024</a:t>
             </a:fld>
             <a:endParaRPr lang="en-US"/>
           </a:p>
@@ -1780,7 +1789,7 @@
           <a:p>
             <a:fld id="{701AA87F-28D4-4BF0-B81F-877A89DFD5AC}" type="datetime1">
               <a:rPr lang="en-US" smtClean="0"/>
-              <a:t>12/29/2024</a:t>
+              <a:t>12/30/2024</a:t>
             </a:fld>
             <a:endParaRPr lang="en-US"/>
           </a:p>
@@ -2194,7 +2203,7 @@
           <a:p>
             <a:fld id="{A8A9F1F3-208B-49A3-B337-9C8ACEB3E0E1}" type="datetime1">
               <a:rPr lang="en-US" smtClean="0"/>
-              <a:t>12/29/2024</a:t>
+              <a:t>12/30/2024</a:t>
             </a:fld>
             <a:endParaRPr lang="en-US"/>
           </a:p>
@@ -2341,7 +2350,7 @@
           <a:p>
             <a:fld id="{27AF6CA6-7293-4AA2-A0E0-A3BF4416E786}" type="datetime1">
               <a:rPr lang="en-US" smtClean="0"/>
-              <a:t>12/29/2024</a:t>
+              <a:t>12/30/2024</a:t>
             </a:fld>
             <a:endParaRPr lang="en-US"/>
           </a:p>
@@ -2454,7 +2463,7 @@
           <a:p>
             <a:fld id="{98D87016-7BCD-46FB-8EE3-AB6C369108B4}" type="datetime1">
               <a:rPr lang="en-US" smtClean="0"/>
-              <a:t>12/29/2024</a:t>
+              <a:t>12/30/2024</a:t>
             </a:fld>
             <a:endParaRPr lang="en-US"/>
           </a:p>
@@ -2773,7 +2782,7 @@
           <a:p>
             <a:fld id="{A1547011-1FFC-4EF8-9A2E-53B4AD2ADBD4}" type="datetime1">
               <a:rPr lang="en-US" smtClean="0"/>
-              <a:t>12/29/2024</a:t>
+              <a:t>12/30/2024</a:t>
             </a:fld>
             <a:endParaRPr lang="en-US"/>
           </a:p>
@@ -3068,7 +3077,7 @@
           <a:p>
             <a:fld id="{9562EB47-45B4-4EF5-A743-B4885DD2F060}" type="datetime1">
               <a:rPr lang="en-US" smtClean="0"/>
-              <a:t>12/29/2024</a:t>
+              <a:t>12/30/2024</a:t>
             </a:fld>
             <a:endParaRPr lang="en-US"/>
           </a:p>
@@ -4453,7 +4462,7 @@
           <a:p>
             <a:fld id="{4A8D24A4-5FEC-4062-8995-EB21925B3B40}" type="datetime1">
               <a:rPr lang="en-US" smtClean="0"/>
-              <a:t>12/29/2024</a:t>
+              <a:t>12/30/2024</a:t>
             </a:fld>
             <a:endParaRPr lang="en-US" sz="1000" dirty="0"/>
           </a:p>
@@ -6778,155 +6787,6 @@
         <p:cNvPr id="1" name="">
           <a:extLst>
             <a:ext uri="{FF2B5EF4-FFF2-40B4-BE49-F238E27FC236}">
-              <a16:creationId xmlns:a16="http://schemas.microsoft.com/office/drawing/2014/main" id="{2DB2F3A6-D7FC-2AE3-DE01-A82EA2371310}"/>
-            </a:ext>
-          </a:extLst>
-        </p:cNvPr>
-        <p:cNvGrpSpPr/>
-        <p:nvPr/>
-      </p:nvGrpSpPr>
-      <p:grpSpPr>
-        <a:xfrm>
-          <a:off x="0" y="0"/>
-          <a:ext cx="0" cy="0"/>
-          <a:chOff x="0" y="0"/>
-          <a:chExt cx="0" cy="0"/>
-        </a:xfrm>
-      </p:grpSpPr>
-      <p:sp>
-        <p:nvSpPr>
-          <p:cNvPr id="3" name="Content Placeholder 2">
-            <a:extLst>
-              <a:ext uri="{FF2B5EF4-FFF2-40B4-BE49-F238E27FC236}">
-                <a16:creationId xmlns:a16="http://schemas.microsoft.com/office/drawing/2014/main" id="{2AAD4EDA-98AC-2D1E-A2B9-32BBDDDB6008}"/>
-              </a:ext>
-            </a:extLst>
-          </p:cNvPr>
-          <p:cNvSpPr>
-            <a:spLocks noGrp="1"/>
-          </p:cNvSpPr>
-          <p:nvPr>
-            <p:ph idx="1"/>
-          </p:nvPr>
-        </p:nvSpPr>
-        <p:spPr>
-          <a:xfrm>
-            <a:off x="702853" y="719137"/>
-            <a:ext cx="10900568" cy="5313801"/>
-          </a:xfrm>
-        </p:spPr>
-        <p:txBody>
-          <a:bodyPr>
-            <a:normAutofit/>
-          </a:bodyPr>
-          <a:lstStyle/>
-          <a:p>
-            <a:pPr marL="0" indent="0">
-              <a:buNone/>
-            </a:pPr>
-            <a:r>
-              <a:rPr lang="en-US" sz="3200" b="1" dirty="0">
-                <a:solidFill>
-                  <a:srgbClr val="C00000"/>
-                </a:solidFill>
-              </a:rPr>
-              <a:t>UNIT-II</a:t>
-            </a:r>
-            <a:r>
-              <a:rPr lang="en-IN" sz="3200" b="1" dirty="0">
-                <a:solidFill>
-                  <a:srgbClr val="C00000"/>
-                </a:solidFill>
-              </a:rPr>
-              <a:t>:</a:t>
-            </a:r>
-          </a:p>
-          <a:p>
-            <a:pPr marL="0" indent="0">
-              <a:buNone/>
-            </a:pPr>
-            <a:r>
-              <a:rPr lang="en-IN" sz="3200" b="1" dirty="0"/>
-              <a:t>Node.JS Basics:</a:t>
-            </a:r>
-            <a:r>
-              <a:rPr lang="en-IN" sz="3200" dirty="0"/>
-              <a:t> </a:t>
-            </a:r>
-            <a:r>
-              <a:rPr lang="en-IN" sz="3200" b="1" dirty="0"/>
-              <a:t>Primitive Types</a:t>
-            </a:r>
-            <a:r>
-              <a:rPr lang="en-IN" sz="3200" dirty="0"/>
-              <a:t>, </a:t>
-            </a:r>
-            <a:r>
-              <a:rPr lang="en-IN" sz="3200" b="1" dirty="0"/>
-              <a:t>Object Literal, Functions</a:t>
-            </a:r>
-            <a:r>
-              <a:rPr lang="en-IN" sz="3200" dirty="0"/>
-              <a:t>, Buffer, Access Global Scope. </a:t>
-            </a:r>
-          </a:p>
-          <a:p>
-            <a:pPr marL="0" indent="0">
-              <a:buNone/>
-            </a:pPr>
-            <a:r>
-              <a:rPr lang="en-IN" sz="3200" b="1" dirty="0"/>
-              <a:t>Node.JS Modules: </a:t>
-            </a:r>
-            <a:r>
-              <a:rPr lang="en-IN" sz="3200" dirty="0"/>
-              <a:t>Module, Module Types: Core Modules, Local Modules, Third Party Modules, Module Exports. Using Modules in a Node.js File, Using the Built in HTTP, URL, Query String Module, Creating a Custom Module.</a:t>
-            </a:r>
-          </a:p>
-          <a:p>
-            <a:pPr marL="0" indent="0">
-              <a:buNone/>
-            </a:pPr>
-            <a:r>
-              <a:rPr lang="en-IN" sz="3200" b="1" dirty="0"/>
-              <a:t>Node Package Manager:</a:t>
-            </a:r>
-            <a:r>
-              <a:rPr lang="en-IN" sz="3200" dirty="0"/>
-              <a:t> NPM, Installing Packages Locally, Adding dependency in </a:t>
-            </a:r>
-            <a:r>
-              <a:rPr lang="en-IN" sz="3200" dirty="0" err="1"/>
-              <a:t>package.json</a:t>
-            </a:r>
-            <a:r>
-              <a:rPr lang="en-IN" sz="3200" dirty="0"/>
-              <a:t>, Installing packages globally, Updating packages. </a:t>
-            </a:r>
-          </a:p>
-        </p:txBody>
-      </p:sp>
-    </p:spTree>
-    <p:extLst>
-      <p:ext uri="{BB962C8B-B14F-4D97-AF65-F5344CB8AC3E}">
-        <p14:creationId xmlns:p14="http://schemas.microsoft.com/office/powerpoint/2010/main" val="160778972"/>
-      </p:ext>
-    </p:extLst>
-  </p:cSld>
-  <p:clrMapOvr>
-    <a:masterClrMapping/>
-  </p:clrMapOvr>
-</p:sld>
-</file>
-
-<file path=ppt/slides/slide18.xml><?xml version="1.0" encoding="utf-8"?>
-<p:sld xmlns:a="http://schemas.openxmlformats.org/drawingml/2006/main" xmlns:r="http://schemas.openxmlformats.org/officeDocument/2006/relationships" xmlns:p="http://schemas.openxmlformats.org/presentationml/2006/main">
-  <p:cSld>
-    <p:spTree>
-      <p:nvGrpSpPr>
-        <p:cNvPr id="1" name="">
-          <a:extLst>
-            <a:ext uri="{FF2B5EF4-FFF2-40B4-BE49-F238E27FC236}">
               <a16:creationId xmlns:a16="http://schemas.microsoft.com/office/drawing/2014/main" id="{BA3CE4E6-2274-5A4A-0DB5-EF9AE8ADEE48}"/>
             </a:ext>
           </a:extLst>
@@ -6960,18 +6820,118 @@
         </p:nvSpPr>
         <p:spPr>
           <a:xfrm>
-            <a:off x="777240" y="674914"/>
-            <a:ext cx="10659110" cy="5502049"/>
+            <a:off x="766445" y="1015156"/>
+            <a:ext cx="10659110" cy="3673802"/>
           </a:xfrm>
         </p:spPr>
         <p:txBody>
-          <a:bodyPr/>
+          <a:bodyPr>
+            <a:normAutofit/>
+          </a:bodyPr>
           <a:lstStyle/>
           <a:p>
             <a:pPr marL="0" indent="0">
               <a:buNone/>
             </a:pPr>
-            <a:endParaRPr lang="en-IN" dirty="0"/>
+            <a:r>
+              <a:rPr lang="en-IN" sz="2400" b="1" dirty="0"/>
+              <a:t>Buffer:</a:t>
+            </a:r>
+          </a:p>
+          <a:p>
+            <a:pPr marL="0" indent="0">
+              <a:buNone/>
+            </a:pPr>
+            <a:r>
+              <a:rPr lang="en-US" sz="2400" dirty="0"/>
+              <a:t>In Node.js, a Buffer is a </a:t>
+            </a:r>
+            <a:r>
+              <a:rPr lang="en-US" sz="2400" b="1" dirty="0">
+                <a:solidFill>
+                  <a:srgbClr val="C00000"/>
+                </a:solidFill>
+              </a:rPr>
+              <a:t>global class </a:t>
+            </a:r>
+            <a:r>
+              <a:rPr lang="en-US" sz="2400" dirty="0"/>
+              <a:t>that is specifically designed for handling </a:t>
+            </a:r>
+            <a:r>
+              <a:rPr lang="en-US" sz="2400" b="1" dirty="0">
+                <a:solidFill>
+                  <a:srgbClr val="C00000"/>
+                </a:solidFill>
+              </a:rPr>
+              <a:t>binary data</a:t>
+            </a:r>
+            <a:r>
+              <a:rPr lang="en-US" sz="2400" dirty="0"/>
+              <a:t>. It provides a way to work with raw binary data directly, which is not possible with JavaScript strings because strings are meant for textual data and use Unicode encoding.</a:t>
+            </a:r>
+          </a:p>
+          <a:p>
+            <a:pPr marL="0" indent="0">
+              <a:buNone/>
+            </a:pPr>
+            <a:r>
+              <a:rPr lang="en-US" sz="2400" dirty="0"/>
+              <a:t>Buffers are particularly important in Node.js because it is used for server-side operations that often involve dealing with </a:t>
+            </a:r>
+            <a:r>
+              <a:rPr lang="en-US" sz="2400" b="1" dirty="0">
+                <a:solidFill>
+                  <a:srgbClr val="C00000"/>
+                </a:solidFill>
+              </a:rPr>
+              <a:t>streams of binary data</a:t>
+            </a:r>
+            <a:r>
+              <a:rPr lang="en-US" sz="2400" dirty="0"/>
+              <a:t>, such as </a:t>
+            </a:r>
+            <a:r>
+              <a:rPr lang="en-US" sz="2400" b="1" dirty="0"/>
+              <a:t>file reading</a:t>
+            </a:r>
+            <a:r>
+              <a:rPr lang="en-US" sz="2400" dirty="0"/>
+              <a:t>, </a:t>
+            </a:r>
+            <a:r>
+              <a:rPr lang="en-US" sz="2400" b="1" dirty="0"/>
+              <a:t>HTTP</a:t>
+            </a:r>
+            <a:r>
+              <a:rPr lang="en-US" sz="2400" dirty="0"/>
+              <a:t> </a:t>
+            </a:r>
+            <a:r>
+              <a:rPr lang="en-US" sz="2400" b="1" dirty="0"/>
+              <a:t>requests</a:t>
+            </a:r>
+            <a:r>
+              <a:rPr lang="en-US" sz="2400" dirty="0"/>
+              <a:t> and </a:t>
+            </a:r>
+            <a:r>
+              <a:rPr lang="en-US" sz="2400" b="1" dirty="0"/>
+              <a:t>responses</a:t>
+            </a:r>
+            <a:r>
+              <a:rPr lang="en-US" sz="2400" dirty="0"/>
+              <a:t>, and </a:t>
+            </a:r>
+            <a:r>
+              <a:rPr lang="en-US" sz="2400" b="1" dirty="0"/>
+              <a:t>TCP streams</a:t>
+            </a:r>
+            <a:r>
+              <a:rPr lang="en-US" sz="2400" dirty="0"/>
+              <a:t>.</a:t>
+            </a:r>
+            <a:endParaRPr lang="en-IN" sz="2400" dirty="0"/>
           </a:p>
         </p:txBody>
       </p:sp>
@@ -6988,7 +6948,7 @@
 </p:sld>
 </file>
 
-<file path=ppt/slides/slide19.xml><?xml version="1.0" encoding="utf-8"?>
+<file path=ppt/slides/slide18.xml><?xml version="1.0" encoding="utf-8"?>
 <p:sld xmlns:a="http://schemas.openxmlformats.org/drawingml/2006/main" xmlns:r="http://schemas.openxmlformats.org/officeDocument/2006/relationships" xmlns:p="http://schemas.openxmlformats.org/presentationml/2006/main">
   <p:cSld>
     <p:spTree>
@@ -7029,18 +6989,176 @@
         </p:nvSpPr>
         <p:spPr>
           <a:xfrm>
-            <a:off x="777240" y="674914"/>
+            <a:off x="766445" y="377203"/>
             <a:ext cx="10659110" cy="5502049"/>
           </a:xfrm>
         </p:spPr>
         <p:txBody>
-          <a:bodyPr/>
+          <a:bodyPr>
+            <a:noAutofit/>
+          </a:bodyPr>
           <a:lstStyle/>
           <a:p>
             <a:pPr marL="0" indent="0">
               <a:buNone/>
             </a:pPr>
-            <a:endParaRPr lang="en-IN" dirty="0"/>
+            <a:r>
+              <a:rPr lang="en-US" sz="2400" b="1" dirty="0"/>
+              <a:t>Key Characteristics of Buffers:</a:t>
+            </a:r>
+          </a:p>
+          <a:p>
+            <a:pPr marL="457200" indent="-457200">
+              <a:buFont typeface="+mj-lt"/>
+              <a:buAutoNum type="arabicPeriod"/>
+            </a:pPr>
+            <a:r>
+              <a:rPr lang="en-US" sz="2400" b="1" dirty="0"/>
+              <a:t>Raw Binary Data:</a:t>
+            </a:r>
+            <a:endParaRPr lang="en-US" sz="2400" dirty="0"/>
+          </a:p>
+          <a:p>
+            <a:pPr marL="0" indent="0">
+              <a:buNone/>
+            </a:pPr>
+            <a:r>
+              <a:rPr lang="en-US" sz="2400" dirty="0"/>
+              <a:t>A buffer is a </a:t>
+            </a:r>
+            <a:r>
+              <a:rPr lang="en-US" sz="2400" b="1" dirty="0">
+                <a:solidFill>
+                  <a:srgbClr val="C00000"/>
+                </a:solidFill>
+              </a:rPr>
+              <a:t>sequence of bytes</a:t>
+            </a:r>
+            <a:r>
+              <a:rPr lang="en-US" sz="2400" dirty="0"/>
+              <a:t>, and each byte represents a value between </a:t>
+            </a:r>
+            <a:r>
+              <a:rPr lang="en-US" sz="2400" b="1" dirty="0">
+                <a:solidFill>
+                  <a:srgbClr val="C00000"/>
+                </a:solidFill>
+              </a:rPr>
+              <a:t>0</a:t>
+            </a:r>
+            <a:r>
+              <a:rPr lang="en-US" sz="2400" dirty="0"/>
+              <a:t> and </a:t>
+            </a:r>
+            <a:r>
+              <a:rPr lang="en-US" sz="2400" b="1" dirty="0">
+                <a:solidFill>
+                  <a:srgbClr val="C00000"/>
+                </a:solidFill>
+              </a:rPr>
+              <a:t>255</a:t>
+            </a:r>
+            <a:r>
+              <a:rPr lang="en-US" sz="2400" dirty="0"/>
+              <a:t>.</a:t>
+            </a:r>
+          </a:p>
+          <a:p>
+            <a:pPr marL="0" indent="0">
+              <a:buNone/>
+            </a:pPr>
+            <a:endParaRPr lang="en-US" sz="800" dirty="0"/>
+          </a:p>
+          <a:p>
+            <a:pPr marL="0" indent="0">
+              <a:buNone/>
+            </a:pPr>
+            <a:r>
+              <a:rPr lang="en-US" sz="2400" b="1" dirty="0"/>
+              <a:t>2. Fixed Size:</a:t>
+            </a:r>
+          </a:p>
+          <a:p>
+            <a:pPr marL="0" indent="0">
+              <a:buNone/>
+            </a:pPr>
+            <a:r>
+              <a:rPr lang="en-US" sz="2400" dirty="0"/>
+              <a:t>Once a buffer is created, </a:t>
+            </a:r>
+            <a:r>
+              <a:rPr lang="en-US" sz="2400" b="1" dirty="0"/>
+              <a:t>its size cannot be changed</a:t>
+            </a:r>
+            <a:r>
+              <a:rPr lang="en-US" sz="2400" dirty="0"/>
+              <a:t>.</a:t>
+            </a:r>
+          </a:p>
+          <a:p>
+            <a:pPr marL="0" indent="0">
+              <a:buNone/>
+            </a:pPr>
+            <a:endParaRPr lang="en-US" sz="900" dirty="0"/>
+          </a:p>
+          <a:p>
+            <a:pPr marL="0" indent="0">
+              <a:buNone/>
+            </a:pPr>
+            <a:r>
+              <a:rPr lang="en-US" sz="2400" b="1" dirty="0"/>
+              <a:t>3. Global in Node.js:</a:t>
+            </a:r>
+          </a:p>
+          <a:p>
+            <a:pPr marL="0" indent="0">
+              <a:buNone/>
+            </a:pPr>
+            <a:r>
+              <a:rPr lang="en-US" sz="2400" dirty="0"/>
+              <a:t>The Buffer class is available </a:t>
+            </a:r>
+            <a:r>
+              <a:rPr lang="en-US" sz="2400" b="1" dirty="0"/>
+              <a:t>globally</a:t>
+            </a:r>
+            <a:r>
+              <a:rPr lang="en-US" sz="2400" dirty="0"/>
+              <a:t> in Node.js and does not need to be imported.</a:t>
+            </a:r>
+          </a:p>
+          <a:p>
+            <a:pPr marL="0" indent="0">
+              <a:buNone/>
+            </a:pPr>
+            <a:endParaRPr lang="en-US" sz="800" dirty="0"/>
+          </a:p>
+          <a:p>
+            <a:pPr marL="0" indent="0">
+              <a:buNone/>
+            </a:pPr>
+            <a:r>
+              <a:rPr lang="en-US" sz="2400" b="1" dirty="0"/>
+              <a:t>4. Efficient Memory Usage:</a:t>
+            </a:r>
+          </a:p>
+          <a:p>
+            <a:pPr marL="0" indent="0">
+              <a:buNone/>
+            </a:pPr>
+            <a:r>
+              <a:rPr lang="en-US" sz="2400" dirty="0"/>
+              <a:t>Buffers allow </a:t>
+            </a:r>
+            <a:r>
+              <a:rPr lang="en-US" sz="2400" b="1" dirty="0"/>
+              <a:t>efficient handling of binary data </a:t>
+            </a:r>
+            <a:r>
+              <a:rPr lang="en-US" sz="2400" dirty="0"/>
+              <a:t>without the need to convert it to string or other data types.</a:t>
+            </a:r>
+            <a:endParaRPr lang="en-IN" sz="2400" dirty="0"/>
           </a:p>
         </p:txBody>
       </p:sp>
@@ -7048,6 +7166,189 @@
     <p:extLst>
       <p:ext uri="{BB962C8B-B14F-4D97-AF65-F5344CB8AC3E}">
         <p14:creationId xmlns:p14="http://schemas.microsoft.com/office/powerpoint/2010/main" val="4106624688"/>
+      </p:ext>
+    </p:extLst>
+  </p:cSld>
+  <p:clrMapOvr>
+    <a:masterClrMapping/>
+  </p:clrMapOvr>
+</p:sld>
+</file>
+
+<file path=ppt/slides/slide19.xml><?xml version="1.0" encoding="utf-8"?>
+<p:sld xmlns:a="http://schemas.openxmlformats.org/drawingml/2006/main" xmlns:r="http://schemas.openxmlformats.org/officeDocument/2006/relationships" xmlns:p="http://schemas.openxmlformats.org/presentationml/2006/main">
+  <p:cSld>
+    <p:spTree>
+      <p:nvGrpSpPr>
+        <p:cNvPr id="1" name="">
+          <a:extLst>
+            <a:ext uri="{FF2B5EF4-FFF2-40B4-BE49-F238E27FC236}">
+              <a16:creationId xmlns:a16="http://schemas.microsoft.com/office/drawing/2014/main" id="{1AB1434C-D616-286D-193C-0E690E03D220}"/>
+            </a:ext>
+          </a:extLst>
+        </p:cNvPr>
+        <p:cNvGrpSpPr/>
+        <p:nvPr/>
+      </p:nvGrpSpPr>
+      <p:grpSpPr>
+        <a:xfrm>
+          <a:off x="0" y="0"/>
+          <a:ext cx="0" cy="0"/>
+          <a:chOff x="0" y="0"/>
+          <a:chExt cx="0" cy="0"/>
+        </a:xfrm>
+      </p:grpSpPr>
+      <p:sp>
+        <p:nvSpPr>
+          <p:cNvPr id="3" name="Content Placeholder 2">
+            <a:extLst>
+              <a:ext uri="{FF2B5EF4-FFF2-40B4-BE49-F238E27FC236}">
+                <a16:creationId xmlns:a16="http://schemas.microsoft.com/office/drawing/2014/main" id="{78089D8A-885A-247C-0F69-70BF2E8B7D3C}"/>
+              </a:ext>
+            </a:extLst>
+          </p:cNvPr>
+          <p:cNvSpPr>
+            <a:spLocks noGrp="1"/>
+          </p:cNvSpPr>
+          <p:nvPr>
+            <p:ph idx="1"/>
+          </p:nvPr>
+        </p:nvSpPr>
+        <p:spPr>
+          <a:xfrm>
+            <a:off x="777240" y="674914"/>
+            <a:ext cx="10659110" cy="5502049"/>
+          </a:xfrm>
+        </p:spPr>
+        <p:txBody>
+          <a:bodyPr>
+            <a:normAutofit/>
+          </a:bodyPr>
+          <a:lstStyle/>
+          <a:p>
+            <a:pPr marL="0" indent="0">
+              <a:buNone/>
+            </a:pPr>
+            <a:r>
+              <a:rPr lang="en-US" sz="2400" b="1" dirty="0"/>
+              <a:t>Creating a Buffer:</a:t>
+            </a:r>
+          </a:p>
+          <a:p>
+            <a:pPr marL="0" indent="0">
+              <a:buNone/>
+            </a:pPr>
+            <a:r>
+              <a:rPr lang="en-US" sz="2400" b="1" dirty="0"/>
+              <a:t>1. Allocating a Buffer:</a:t>
+            </a:r>
+          </a:p>
+          <a:p>
+            <a:r>
+              <a:rPr lang="en-US" sz="2400" dirty="0"/>
+              <a:t>Create a buffer of a specified size.</a:t>
+            </a:r>
+          </a:p>
+          <a:p>
+            <a:pPr marL="0" indent="0">
+              <a:buNone/>
+            </a:pPr>
+            <a:endParaRPr lang="en-IN" sz="2400" dirty="0"/>
+          </a:p>
+          <a:p>
+            <a:pPr marL="0" indent="0">
+              <a:buNone/>
+            </a:pPr>
+            <a:endParaRPr lang="en-IN" sz="2400" dirty="0"/>
+          </a:p>
+          <a:p>
+            <a:pPr marL="0" indent="0">
+              <a:buNone/>
+            </a:pPr>
+            <a:endParaRPr lang="en-IN" sz="2400" dirty="0"/>
+          </a:p>
+          <a:p>
+            <a:pPr marL="0" indent="0">
+              <a:buNone/>
+            </a:pPr>
+            <a:r>
+              <a:rPr lang="en-US" sz="2400" b="1" dirty="0"/>
+              <a:t>2. From a String:</a:t>
+            </a:r>
+          </a:p>
+          <a:p>
+            <a:r>
+              <a:rPr lang="en-US" sz="2400" dirty="0"/>
+              <a:t>Buffers are used to handle binary data, and in this case, the string is converted into its binary representation (a sequence of bytes).</a:t>
+            </a:r>
+            <a:endParaRPr lang="en-IN" sz="2400" dirty="0"/>
+          </a:p>
+        </p:txBody>
+      </p:sp>
+      <p:pic>
+        <p:nvPicPr>
+          <p:cNvPr id="4" name="Picture 3">
+            <a:extLst>
+              <a:ext uri="{FF2B5EF4-FFF2-40B4-BE49-F238E27FC236}">
+                <a16:creationId xmlns:a16="http://schemas.microsoft.com/office/drawing/2014/main" id="{97DE5377-C354-3584-532F-4C03428A1AEA}"/>
+              </a:ext>
+            </a:extLst>
+          </p:cNvPr>
+          <p:cNvPicPr>
+            <a:picLocks noChangeAspect="1"/>
+          </p:cNvPicPr>
+          <p:nvPr/>
+        </p:nvPicPr>
+        <p:blipFill>
+          <a:blip r:embed="rId2"/>
+          <a:stretch>
+            <a:fillRect/>
+          </a:stretch>
+        </p:blipFill>
+        <p:spPr>
+          <a:xfrm>
+            <a:off x="1136825" y="2066000"/>
+            <a:ext cx="9056043" cy="943013"/>
+          </a:xfrm>
+          <a:prstGeom prst="rect">
+            <a:avLst/>
+          </a:prstGeom>
+        </p:spPr>
+      </p:pic>
+      <p:pic>
+        <p:nvPicPr>
+          <p:cNvPr id="6" name="Picture 5">
+            <a:extLst>
+              <a:ext uri="{FF2B5EF4-FFF2-40B4-BE49-F238E27FC236}">
+                <a16:creationId xmlns:a16="http://schemas.microsoft.com/office/drawing/2014/main" id="{98EE8B67-4715-0B2F-EBAA-9D668E4B4DD6}"/>
+              </a:ext>
+            </a:extLst>
+          </p:cNvPr>
+          <p:cNvPicPr>
+            <a:picLocks noChangeAspect="1"/>
+          </p:cNvPicPr>
+          <p:nvPr/>
+        </p:nvPicPr>
+        <p:blipFill>
+          <a:blip r:embed="rId3"/>
+          <a:stretch>
+            <a:fillRect/>
+          </a:stretch>
+        </p:blipFill>
+        <p:spPr>
+          <a:xfrm>
+            <a:off x="1136825" y="4672996"/>
+            <a:ext cx="9793445" cy="1356272"/>
+          </a:xfrm>
+          <a:prstGeom prst="rect">
+            <a:avLst/>
+          </a:prstGeom>
+        </p:spPr>
+      </p:pic>
+    </p:spTree>
+    <p:extLst>
+      <p:ext uri="{BB962C8B-B14F-4D97-AF65-F5344CB8AC3E}">
+        <p14:creationId xmlns:p14="http://schemas.microsoft.com/office/powerpoint/2010/main" val="467423054"/>
       </p:ext>
     </p:extLst>
   </p:cSld>
@@ -7265,7 +7566,7 @@
         <p:cNvPr id="1" name="">
           <a:extLst>
             <a:ext uri="{FF2B5EF4-FFF2-40B4-BE49-F238E27FC236}">
-              <a16:creationId xmlns:a16="http://schemas.microsoft.com/office/drawing/2014/main" id="{1AB1434C-D616-286D-193C-0E690E03D220}"/>
+              <a16:creationId xmlns:a16="http://schemas.microsoft.com/office/drawing/2014/main" id="{E38B77BB-B049-D925-9B4A-89C520182663}"/>
             </a:ext>
           </a:extLst>
         </p:cNvPr>
@@ -7285,7 +7586,7 @@
           <p:cNvPr id="3" name="Content Placeholder 2">
             <a:extLst>
               <a:ext uri="{FF2B5EF4-FFF2-40B4-BE49-F238E27FC236}">
-                <a16:creationId xmlns:a16="http://schemas.microsoft.com/office/drawing/2014/main" id="{78089D8A-885A-247C-0F69-70BF2E8B7D3C}"/>
+                <a16:creationId xmlns:a16="http://schemas.microsoft.com/office/drawing/2014/main" id="{2173C120-501D-5B35-EED4-765C9B5DF6CA}"/>
               </a:ext>
             </a:extLst>
           </p:cNvPr>
@@ -7309,6 +7610,332 @@
             <a:pPr marL="0" indent="0">
               <a:buNone/>
             </a:pPr>
+            <a:r>
+              <a:rPr lang="en-US" b="1" dirty="0"/>
+              <a:t>3. From an Array:</a:t>
+            </a:r>
+          </a:p>
+          <a:p>
+            <a:r>
+              <a:rPr lang="en-US" dirty="0"/>
+              <a:t>Create a buffer from an array of bytes.</a:t>
+            </a:r>
+          </a:p>
+          <a:p>
+            <a:pPr marL="0" indent="0">
+              <a:buNone/>
+            </a:pPr>
+            <a:endParaRPr lang="en-IN" dirty="0"/>
+          </a:p>
+          <a:p>
+            <a:pPr marL="0" indent="0">
+              <a:buNone/>
+            </a:pPr>
+            <a:endParaRPr lang="en-IN" dirty="0"/>
+          </a:p>
+          <a:p>
+            <a:pPr marL="0" indent="0">
+              <a:buNone/>
+            </a:pPr>
+            <a:endParaRPr lang="en-IN" dirty="0"/>
+          </a:p>
+          <a:p>
+            <a:pPr marL="0" indent="0">
+              <a:buNone/>
+            </a:pPr>
+            <a:endParaRPr lang="en-IN" dirty="0"/>
+          </a:p>
+          <a:p>
+            <a:pPr marL="0" indent="0">
+              <a:buNone/>
+            </a:pPr>
+            <a:endParaRPr lang="en-IN" dirty="0"/>
+          </a:p>
+          <a:p>
+            <a:pPr marL="0" indent="0">
+              <a:buNone/>
+            </a:pPr>
+            <a:endParaRPr lang="en-IN" dirty="0"/>
+          </a:p>
+          <a:p>
+            <a:pPr marL="0" indent="0">
+              <a:buNone/>
+            </a:pPr>
+            <a:r>
+              <a:rPr lang="en-IN" b="1" dirty="0"/>
+              <a:t>Note:</a:t>
+            </a:r>
+          </a:p>
+          <a:p>
+            <a:pPr marL="0" indent="0">
+              <a:buNone/>
+            </a:pPr>
+            <a:r>
+              <a:rPr lang="en-US" dirty="0"/>
+              <a:t>Buffers are commonly used in Node.js to </a:t>
+            </a:r>
+            <a:r>
+              <a:rPr lang="en-US" b="1" dirty="0"/>
+              <a:t>work with binary data</a:t>
+            </a:r>
+            <a:r>
+              <a:rPr lang="en-US" dirty="0"/>
+              <a:t>, such as </a:t>
+            </a:r>
+            <a:r>
+              <a:rPr lang="en-US" b="1" dirty="0">
+                <a:solidFill>
+                  <a:srgbClr val="C00000"/>
+                </a:solidFill>
+              </a:rPr>
+              <a:t>reading from</a:t>
+            </a:r>
+            <a:r>
+              <a:rPr lang="en-US" dirty="0">
+                <a:solidFill>
+                  <a:srgbClr val="C00000"/>
+                </a:solidFill>
+              </a:rPr>
+              <a:t> </a:t>
+            </a:r>
+            <a:r>
+              <a:rPr lang="en-US" dirty="0"/>
+              <a:t>or </a:t>
+            </a:r>
+            <a:r>
+              <a:rPr lang="en-US" b="1" dirty="0">
+                <a:solidFill>
+                  <a:srgbClr val="C00000"/>
+                </a:solidFill>
+              </a:rPr>
+              <a:t>writing</a:t>
+            </a:r>
+            <a:r>
+              <a:rPr lang="en-US" dirty="0"/>
+              <a:t> </a:t>
+            </a:r>
+            <a:r>
+              <a:rPr lang="en-US" b="1" dirty="0">
+                <a:solidFill>
+                  <a:srgbClr val="C00000"/>
+                </a:solidFill>
+              </a:rPr>
+              <a:t>to</a:t>
+            </a:r>
+            <a:r>
+              <a:rPr lang="en-US" dirty="0"/>
+              <a:t> </a:t>
+            </a:r>
+            <a:r>
+              <a:rPr lang="en-US" b="1" dirty="0">
+                <a:solidFill>
+                  <a:srgbClr val="C00000"/>
+                </a:solidFill>
+              </a:rPr>
+              <a:t>files</a:t>
+            </a:r>
+            <a:r>
+              <a:rPr lang="en-US" dirty="0"/>
+              <a:t>, or </a:t>
+            </a:r>
+            <a:r>
+              <a:rPr lang="en-US" b="1" dirty="0">
+                <a:solidFill>
+                  <a:srgbClr val="C00000"/>
+                </a:solidFill>
+              </a:rPr>
+              <a:t>working</a:t>
+            </a:r>
+            <a:r>
+              <a:rPr lang="en-US" dirty="0"/>
+              <a:t> </a:t>
+            </a:r>
+            <a:r>
+              <a:rPr lang="en-US" b="1" dirty="0">
+                <a:solidFill>
+                  <a:srgbClr val="C00000"/>
+                </a:solidFill>
+              </a:rPr>
+              <a:t>with</a:t>
+            </a:r>
+            <a:r>
+              <a:rPr lang="en-US" dirty="0"/>
+              <a:t> </a:t>
+            </a:r>
+            <a:r>
+              <a:rPr lang="en-US" b="1" dirty="0">
+                <a:solidFill>
+                  <a:srgbClr val="C00000"/>
+                </a:solidFill>
+              </a:rPr>
+              <a:t>network</a:t>
+            </a:r>
+            <a:r>
+              <a:rPr lang="en-US" dirty="0"/>
+              <a:t> </a:t>
+            </a:r>
+            <a:r>
+              <a:rPr lang="en-US" b="1" dirty="0">
+                <a:solidFill>
+                  <a:srgbClr val="C00000"/>
+                </a:solidFill>
+              </a:rPr>
+              <a:t>protocols</a:t>
+            </a:r>
+            <a:r>
+              <a:rPr lang="en-US" dirty="0"/>
+              <a:t>.</a:t>
+            </a:r>
+            <a:endParaRPr lang="en-IN" dirty="0"/>
+          </a:p>
+        </p:txBody>
+      </p:sp>
+      <p:pic>
+        <p:nvPicPr>
+          <p:cNvPr id="4" name="Picture 3">
+            <a:extLst>
+              <a:ext uri="{FF2B5EF4-FFF2-40B4-BE49-F238E27FC236}">
+                <a16:creationId xmlns:a16="http://schemas.microsoft.com/office/drawing/2014/main" id="{A1B4AF3E-9CEA-D2F8-AE8B-783F66B6E5F3}"/>
+              </a:ext>
+            </a:extLst>
+          </p:cNvPr>
+          <p:cNvPicPr>
+            <a:picLocks noChangeAspect="1"/>
+          </p:cNvPicPr>
+          <p:nvPr/>
+        </p:nvPicPr>
+        <p:blipFill>
+          <a:blip r:embed="rId2"/>
+          <a:stretch>
+            <a:fillRect/>
+          </a:stretch>
+        </p:blipFill>
+        <p:spPr>
+          <a:xfrm>
+            <a:off x="1146703" y="1811927"/>
+            <a:ext cx="7857143" cy="1171429"/>
+          </a:xfrm>
+          <a:prstGeom prst="rect">
+            <a:avLst/>
+          </a:prstGeom>
+        </p:spPr>
+      </p:pic>
+    </p:spTree>
+    <p:extLst>
+      <p:ext uri="{BB962C8B-B14F-4D97-AF65-F5344CB8AC3E}">
+        <p14:creationId xmlns:p14="http://schemas.microsoft.com/office/powerpoint/2010/main" val="1712368472"/>
+      </p:ext>
+    </p:extLst>
+  </p:cSld>
+  <p:clrMapOvr>
+    <a:masterClrMapping/>
+  </p:clrMapOvr>
+</p:sld>
+</file>
+
+<file path=ppt/slides/slide21.xml><?xml version="1.0" encoding="utf-8"?>
+<p:sld xmlns:a="http://schemas.openxmlformats.org/drawingml/2006/main" xmlns:r="http://schemas.openxmlformats.org/officeDocument/2006/relationships" xmlns:p="http://schemas.openxmlformats.org/presentationml/2006/main">
+  <p:cSld>
+    <p:spTree>
+      <p:nvGrpSpPr>
+        <p:cNvPr id="1" name="">
+          <a:extLst>
+            <a:ext uri="{FF2B5EF4-FFF2-40B4-BE49-F238E27FC236}">
+              <a16:creationId xmlns:a16="http://schemas.microsoft.com/office/drawing/2014/main" id="{3907C8D1-A13A-919E-9871-91939E89B44C}"/>
+            </a:ext>
+          </a:extLst>
+        </p:cNvPr>
+        <p:cNvGrpSpPr/>
+        <p:nvPr/>
+      </p:nvGrpSpPr>
+      <p:grpSpPr>
+        <a:xfrm>
+          <a:off x="0" y="0"/>
+          <a:ext cx="0" cy="0"/>
+          <a:chOff x="0" y="0"/>
+          <a:chExt cx="0" cy="0"/>
+        </a:xfrm>
+      </p:grpSpPr>
+      <p:sp>
+        <p:nvSpPr>
+          <p:cNvPr id="3" name="Content Placeholder 2">
+            <a:extLst>
+              <a:ext uri="{FF2B5EF4-FFF2-40B4-BE49-F238E27FC236}">
+                <a16:creationId xmlns:a16="http://schemas.microsoft.com/office/drawing/2014/main" id="{D5491377-C2E0-5ED8-2230-9D92303B6A72}"/>
+              </a:ext>
+            </a:extLst>
+          </p:cNvPr>
+          <p:cNvSpPr>
+            <a:spLocks noGrp="1"/>
+          </p:cNvSpPr>
+          <p:nvPr>
+            <p:ph idx="1"/>
+          </p:nvPr>
+        </p:nvSpPr>
+        <p:spPr>
+          <a:xfrm>
+            <a:off x="777240" y="674914"/>
+            <a:ext cx="10659110" cy="5502049"/>
+          </a:xfrm>
+        </p:spPr>
+        <p:txBody>
+          <a:bodyPr/>
+          <a:lstStyle/>
+          <a:p>
+            <a:pPr marL="0" indent="0">
+              <a:buNone/>
+            </a:pPr>
+            <a:r>
+              <a:rPr lang="en-US" b="1" dirty="0"/>
+              <a:t>Access Global Scope:</a:t>
+            </a:r>
+          </a:p>
+          <a:p>
+            <a:pPr marL="0" indent="0">
+              <a:buNone/>
+            </a:pPr>
+            <a:r>
+              <a:rPr lang="en-US" dirty="0"/>
+              <a:t>In JavaScript, variables declared outside of any function or block have global scope.</a:t>
+            </a:r>
+          </a:p>
+          <a:p>
+            <a:pPr marL="0" indent="0">
+              <a:buNone/>
+            </a:pPr>
+            <a:r>
+              <a:rPr lang="en-US" dirty="0"/>
+              <a:t>The </a:t>
+            </a:r>
+            <a:r>
+              <a:rPr lang="en-US" b="1" dirty="0"/>
+              <a:t>global scope</a:t>
+            </a:r>
+            <a:r>
+              <a:rPr lang="en-US" dirty="0"/>
+              <a:t> is the outermost scope in any JavaScript environment. It contains variables, functions, and objects that are accessible throughout the entire application without explicitly importing or defining them in every module.</a:t>
+            </a:r>
+          </a:p>
+          <a:p>
+            <a:pPr marL="0" indent="0">
+              <a:buNone/>
+            </a:pPr>
+            <a:r>
+              <a:rPr lang="en-US" dirty="0"/>
+              <a:t>In Node.js, the global scope is represented by the </a:t>
+            </a:r>
+            <a:r>
+              <a:rPr lang="en-US" b="1" dirty="0">
+                <a:solidFill>
+                  <a:srgbClr val="C00000"/>
+                </a:solidFill>
+              </a:rPr>
+              <a:t>global object. </a:t>
+            </a:r>
+            <a:r>
+              <a:rPr lang="en-US" dirty="0"/>
+              <a:t>However, variables declared in Node.js modules do not automatically become global properties.</a:t>
+            </a:r>
             <a:endParaRPr lang="en-IN" dirty="0"/>
           </a:p>
         </p:txBody>
@@ -7316,7 +7943,777 @@
     </p:spTree>
     <p:extLst>
       <p:ext uri="{BB962C8B-B14F-4D97-AF65-F5344CB8AC3E}">
-        <p14:creationId xmlns:p14="http://schemas.microsoft.com/office/powerpoint/2010/main" val="467423054"/>
+        <p14:creationId xmlns:p14="http://schemas.microsoft.com/office/powerpoint/2010/main" val="2967646395"/>
+      </p:ext>
+    </p:extLst>
+  </p:cSld>
+  <p:clrMapOvr>
+    <a:masterClrMapping/>
+  </p:clrMapOvr>
+</p:sld>
+</file>
+
+<file path=ppt/slides/slide22.xml><?xml version="1.0" encoding="utf-8"?>
+<p:sld xmlns:a="http://schemas.openxmlformats.org/drawingml/2006/main" xmlns:r="http://schemas.openxmlformats.org/officeDocument/2006/relationships" xmlns:p="http://schemas.openxmlformats.org/presentationml/2006/main">
+  <p:cSld>
+    <p:spTree>
+      <p:nvGrpSpPr>
+        <p:cNvPr id="1" name="">
+          <a:extLst>
+            <a:ext uri="{FF2B5EF4-FFF2-40B4-BE49-F238E27FC236}">
+              <a16:creationId xmlns:a16="http://schemas.microsoft.com/office/drawing/2014/main" id="{36C934E9-4BEC-8F5F-D8C8-792A8EADA738}"/>
+            </a:ext>
+          </a:extLst>
+        </p:cNvPr>
+        <p:cNvGrpSpPr/>
+        <p:nvPr/>
+      </p:nvGrpSpPr>
+      <p:grpSpPr>
+        <a:xfrm>
+          <a:off x="0" y="0"/>
+          <a:ext cx="0" cy="0"/>
+          <a:chOff x="0" y="0"/>
+          <a:chExt cx="0" cy="0"/>
+        </a:xfrm>
+      </p:grpSpPr>
+      <p:sp>
+        <p:nvSpPr>
+          <p:cNvPr id="3" name="Content Placeholder 2">
+            <a:extLst>
+              <a:ext uri="{FF2B5EF4-FFF2-40B4-BE49-F238E27FC236}">
+                <a16:creationId xmlns:a16="http://schemas.microsoft.com/office/drawing/2014/main" id="{DD231FA3-895A-E352-B603-E99AB74429D1}"/>
+              </a:ext>
+            </a:extLst>
+          </p:cNvPr>
+          <p:cNvSpPr>
+            <a:spLocks noGrp="1"/>
+          </p:cNvSpPr>
+          <p:nvPr>
+            <p:ph idx="1"/>
+          </p:nvPr>
+        </p:nvSpPr>
+        <p:spPr>
+          <a:xfrm>
+            <a:off x="766445" y="494161"/>
+            <a:ext cx="10659110" cy="5502049"/>
+          </a:xfrm>
+        </p:spPr>
+        <p:txBody>
+          <a:bodyPr/>
+          <a:lstStyle/>
+          <a:p>
+            <a:pPr marL="0" indent="0">
+              <a:buNone/>
+            </a:pPr>
+            <a:r>
+              <a:rPr lang="en-US" b="1" dirty="0"/>
+              <a:t>Example: Global Variable</a:t>
+            </a:r>
+          </a:p>
+          <a:p>
+            <a:pPr marL="0" indent="0">
+              <a:buNone/>
+            </a:pPr>
+            <a:endParaRPr lang="en-US" b="1" dirty="0"/>
+          </a:p>
+          <a:p>
+            <a:pPr marL="0" indent="0">
+              <a:buNone/>
+            </a:pPr>
+            <a:endParaRPr lang="en-US" b="1" dirty="0"/>
+          </a:p>
+          <a:p>
+            <a:pPr marL="0" indent="0">
+              <a:buNone/>
+            </a:pPr>
+            <a:endParaRPr lang="en-US" b="1" dirty="0"/>
+          </a:p>
+          <a:p>
+            <a:pPr marL="0" indent="0">
+              <a:buNone/>
+            </a:pPr>
+            <a:endParaRPr lang="en-US" b="1" dirty="0"/>
+          </a:p>
+          <a:p>
+            <a:pPr marL="0" indent="0">
+              <a:buNone/>
+            </a:pPr>
+            <a:endParaRPr lang="en-US" b="1" dirty="0"/>
+          </a:p>
+          <a:p>
+            <a:pPr marL="0" indent="0">
+              <a:buNone/>
+            </a:pPr>
+            <a:endParaRPr lang="en-US" b="1" dirty="0"/>
+          </a:p>
+          <a:p>
+            <a:pPr marL="0" indent="0">
+              <a:buNone/>
+            </a:pPr>
+            <a:endParaRPr lang="en-US" b="1" dirty="0"/>
+          </a:p>
+          <a:p>
+            <a:pPr marL="0" indent="0">
+              <a:buNone/>
+            </a:pPr>
+            <a:endParaRPr lang="en-US" b="1" dirty="0"/>
+          </a:p>
+          <a:p>
+            <a:pPr marL="0" indent="0">
+              <a:buNone/>
+            </a:pPr>
+            <a:r>
+              <a:rPr lang="en-US" b="1" dirty="0"/>
+              <a:t>Global Function:</a:t>
+            </a:r>
+          </a:p>
+          <a:p>
+            <a:pPr marL="0" indent="0">
+              <a:buNone/>
+            </a:pPr>
+            <a:endParaRPr lang="en-IN" b="1" dirty="0"/>
+          </a:p>
+        </p:txBody>
+      </p:sp>
+      <p:pic>
+        <p:nvPicPr>
+          <p:cNvPr id="4" name="Picture 3">
+            <a:extLst>
+              <a:ext uri="{FF2B5EF4-FFF2-40B4-BE49-F238E27FC236}">
+                <a16:creationId xmlns:a16="http://schemas.microsoft.com/office/drawing/2014/main" id="{574EBB99-D1C8-AD7C-B724-8BEB79ABD138}"/>
+              </a:ext>
+            </a:extLst>
+          </p:cNvPr>
+          <p:cNvPicPr>
+            <a:picLocks noChangeAspect="1"/>
+          </p:cNvPicPr>
+          <p:nvPr/>
+        </p:nvPicPr>
+        <p:blipFill>
+          <a:blip r:embed="rId2"/>
+          <a:stretch>
+            <a:fillRect/>
+          </a:stretch>
+        </p:blipFill>
+        <p:spPr>
+          <a:xfrm>
+            <a:off x="2097621" y="998282"/>
+            <a:ext cx="6599812" cy="3024340"/>
+          </a:xfrm>
+          <a:prstGeom prst="rect">
+            <a:avLst/>
+          </a:prstGeom>
+        </p:spPr>
+      </p:pic>
+      <p:pic>
+        <p:nvPicPr>
+          <p:cNvPr id="6" name="Picture 5">
+            <a:extLst>
+              <a:ext uri="{FF2B5EF4-FFF2-40B4-BE49-F238E27FC236}">
+                <a16:creationId xmlns:a16="http://schemas.microsoft.com/office/drawing/2014/main" id="{BBBA195C-F6F6-87FB-A29E-DEBA90E113C2}"/>
+              </a:ext>
+            </a:extLst>
+          </p:cNvPr>
+          <p:cNvPicPr>
+            <a:picLocks noChangeAspect="1"/>
+          </p:cNvPicPr>
+          <p:nvPr/>
+        </p:nvPicPr>
+        <p:blipFill>
+          <a:blip r:embed="rId3"/>
+          <a:stretch>
+            <a:fillRect/>
+          </a:stretch>
+        </p:blipFill>
+        <p:spPr>
+          <a:xfrm>
+            <a:off x="2116319" y="4633056"/>
+            <a:ext cx="6825662" cy="1466133"/>
+          </a:xfrm>
+          <a:prstGeom prst="rect">
+            <a:avLst/>
+          </a:prstGeom>
+        </p:spPr>
+      </p:pic>
+    </p:spTree>
+    <p:extLst>
+      <p:ext uri="{BB962C8B-B14F-4D97-AF65-F5344CB8AC3E}">
+        <p14:creationId xmlns:p14="http://schemas.microsoft.com/office/powerpoint/2010/main" val="4026222220"/>
+      </p:ext>
+    </p:extLst>
+  </p:cSld>
+  <p:clrMapOvr>
+    <a:masterClrMapping/>
+  </p:clrMapOvr>
+</p:sld>
+</file>
+
+<file path=ppt/slides/slide23.xml><?xml version="1.0" encoding="utf-8"?>
+<p:sld xmlns:a="http://schemas.openxmlformats.org/drawingml/2006/main" xmlns:r="http://schemas.openxmlformats.org/officeDocument/2006/relationships" xmlns:p="http://schemas.openxmlformats.org/presentationml/2006/main">
+  <p:cSld>
+    <p:spTree>
+      <p:nvGrpSpPr>
+        <p:cNvPr id="1" name="">
+          <a:extLst>
+            <a:ext uri="{FF2B5EF4-FFF2-40B4-BE49-F238E27FC236}">
+              <a16:creationId xmlns:a16="http://schemas.microsoft.com/office/drawing/2014/main" id="{2DB2F3A6-D7FC-2AE3-DE01-A82EA2371310}"/>
+            </a:ext>
+          </a:extLst>
+        </p:cNvPr>
+        <p:cNvGrpSpPr/>
+        <p:nvPr/>
+      </p:nvGrpSpPr>
+      <p:grpSpPr>
+        <a:xfrm>
+          <a:off x="0" y="0"/>
+          <a:ext cx="0" cy="0"/>
+          <a:chOff x="0" y="0"/>
+          <a:chExt cx="0" cy="0"/>
+        </a:xfrm>
+      </p:grpSpPr>
+      <p:sp>
+        <p:nvSpPr>
+          <p:cNvPr id="3" name="Content Placeholder 2">
+            <a:extLst>
+              <a:ext uri="{FF2B5EF4-FFF2-40B4-BE49-F238E27FC236}">
+                <a16:creationId xmlns:a16="http://schemas.microsoft.com/office/drawing/2014/main" id="{2AAD4EDA-98AC-2D1E-A2B9-32BBDDDB6008}"/>
+              </a:ext>
+            </a:extLst>
+          </p:cNvPr>
+          <p:cNvSpPr>
+            <a:spLocks noGrp="1"/>
+          </p:cNvSpPr>
+          <p:nvPr>
+            <p:ph idx="1"/>
+          </p:nvPr>
+        </p:nvSpPr>
+        <p:spPr>
+          <a:xfrm>
+            <a:off x="702853" y="719137"/>
+            <a:ext cx="10900568" cy="5313801"/>
+          </a:xfrm>
+        </p:spPr>
+        <p:txBody>
+          <a:bodyPr>
+            <a:normAutofit/>
+          </a:bodyPr>
+          <a:lstStyle/>
+          <a:p>
+            <a:pPr marL="0" indent="0">
+              <a:buNone/>
+            </a:pPr>
+            <a:r>
+              <a:rPr lang="en-US" sz="3200" b="1" dirty="0">
+                <a:solidFill>
+                  <a:srgbClr val="C00000"/>
+                </a:solidFill>
+              </a:rPr>
+              <a:t>UNIT-II</a:t>
+            </a:r>
+            <a:r>
+              <a:rPr lang="en-IN" sz="3200" b="1" dirty="0">
+                <a:solidFill>
+                  <a:srgbClr val="C00000"/>
+                </a:solidFill>
+              </a:rPr>
+              <a:t>:</a:t>
+            </a:r>
+          </a:p>
+          <a:p>
+            <a:pPr marL="0" indent="0">
+              <a:buNone/>
+            </a:pPr>
+            <a:r>
+              <a:rPr lang="en-IN" sz="3200" b="1" dirty="0"/>
+              <a:t>Node.JS Basics:</a:t>
+            </a:r>
+            <a:r>
+              <a:rPr lang="en-IN" sz="3200" dirty="0"/>
+              <a:t> </a:t>
+            </a:r>
+            <a:r>
+              <a:rPr lang="en-IN" sz="3200" b="1" dirty="0"/>
+              <a:t>Primitive Types</a:t>
+            </a:r>
+            <a:r>
+              <a:rPr lang="en-IN" sz="3200" dirty="0"/>
+              <a:t>, </a:t>
+            </a:r>
+            <a:r>
+              <a:rPr lang="en-IN" sz="3200" b="1" dirty="0"/>
+              <a:t>Object Literal, Functions</a:t>
+            </a:r>
+            <a:r>
+              <a:rPr lang="en-IN" sz="3200" dirty="0"/>
+              <a:t>, </a:t>
+            </a:r>
+            <a:r>
+              <a:rPr lang="en-IN" sz="3200" b="1" dirty="0"/>
+              <a:t>Buffer</a:t>
+            </a:r>
+            <a:r>
+              <a:rPr lang="en-IN" sz="3200" dirty="0"/>
+              <a:t>, </a:t>
+            </a:r>
+            <a:r>
+              <a:rPr lang="en-IN" sz="3200" b="1" dirty="0"/>
+              <a:t>Access Global Scope. </a:t>
+            </a:r>
+          </a:p>
+          <a:p>
+            <a:pPr marL="0" indent="0">
+              <a:buNone/>
+            </a:pPr>
+            <a:r>
+              <a:rPr lang="en-IN" sz="3200" b="1" dirty="0"/>
+              <a:t>Node.JS Modules: </a:t>
+            </a:r>
+            <a:r>
+              <a:rPr lang="en-IN" sz="3200" dirty="0"/>
+              <a:t>Module, Module Types: Core Modules, Local Modules, Third Party Modules, Module Exports. Using Modules in a Node.js File, Using the Built in HTTP, URL, Query String Module, Creating a Custom Module.</a:t>
+            </a:r>
+          </a:p>
+          <a:p>
+            <a:pPr marL="0" indent="0">
+              <a:buNone/>
+            </a:pPr>
+            <a:r>
+              <a:rPr lang="en-IN" sz="3200" b="1" dirty="0"/>
+              <a:t>Node Package Manager:</a:t>
+            </a:r>
+            <a:r>
+              <a:rPr lang="en-IN" sz="3200" dirty="0"/>
+              <a:t> NPM, Installing Packages Locally, Adding dependency in </a:t>
+            </a:r>
+            <a:r>
+              <a:rPr lang="en-IN" sz="3200" dirty="0" err="1"/>
+              <a:t>package.json</a:t>
+            </a:r>
+            <a:r>
+              <a:rPr lang="en-IN" sz="3200" dirty="0"/>
+              <a:t>, Installing packages globally, Updating packages. </a:t>
+            </a:r>
+          </a:p>
+        </p:txBody>
+      </p:sp>
+    </p:spTree>
+    <p:extLst>
+      <p:ext uri="{BB962C8B-B14F-4D97-AF65-F5344CB8AC3E}">
+        <p14:creationId xmlns:p14="http://schemas.microsoft.com/office/powerpoint/2010/main" val="160778972"/>
+      </p:ext>
+    </p:extLst>
+  </p:cSld>
+  <p:clrMapOvr>
+    <a:masterClrMapping/>
+  </p:clrMapOvr>
+</p:sld>
+</file>
+
+<file path=ppt/slides/slide24.xml><?xml version="1.0" encoding="utf-8"?>
+<p:sld xmlns:a="http://schemas.openxmlformats.org/drawingml/2006/main" xmlns:r="http://schemas.openxmlformats.org/officeDocument/2006/relationships" xmlns:p="http://schemas.openxmlformats.org/presentationml/2006/main">
+  <p:cSld>
+    <p:spTree>
+      <p:nvGrpSpPr>
+        <p:cNvPr id="1" name="">
+          <a:extLst>
+            <a:ext uri="{FF2B5EF4-FFF2-40B4-BE49-F238E27FC236}">
+              <a16:creationId xmlns:a16="http://schemas.microsoft.com/office/drawing/2014/main" id="{7F28BC62-331A-FB15-7F18-C40930764E6C}"/>
+            </a:ext>
+          </a:extLst>
+        </p:cNvPr>
+        <p:cNvGrpSpPr/>
+        <p:nvPr/>
+      </p:nvGrpSpPr>
+      <p:grpSpPr>
+        <a:xfrm>
+          <a:off x="0" y="0"/>
+          <a:ext cx="0" cy="0"/>
+          <a:chOff x="0" y="0"/>
+          <a:chExt cx="0" cy="0"/>
+        </a:xfrm>
+      </p:grpSpPr>
+      <p:sp>
+        <p:nvSpPr>
+          <p:cNvPr id="3" name="Content Placeholder 2">
+            <a:extLst>
+              <a:ext uri="{FF2B5EF4-FFF2-40B4-BE49-F238E27FC236}">
+                <a16:creationId xmlns:a16="http://schemas.microsoft.com/office/drawing/2014/main" id="{A1E639F5-0312-7890-75E1-2601F78906D8}"/>
+              </a:ext>
+            </a:extLst>
+          </p:cNvPr>
+          <p:cNvSpPr>
+            <a:spLocks noGrp="1"/>
+          </p:cNvSpPr>
+          <p:nvPr>
+            <p:ph idx="1"/>
+          </p:nvPr>
+        </p:nvSpPr>
+        <p:spPr>
+          <a:xfrm>
+            <a:off x="777240" y="674914"/>
+            <a:ext cx="10659110" cy="5502049"/>
+          </a:xfrm>
+        </p:spPr>
+        <p:txBody>
+          <a:bodyPr/>
+          <a:lstStyle/>
+          <a:p>
+            <a:pPr marL="0" indent="0">
+              <a:buNone/>
+            </a:pPr>
+            <a:endParaRPr lang="en-IN" dirty="0"/>
+          </a:p>
+        </p:txBody>
+      </p:sp>
+    </p:spTree>
+    <p:extLst>
+      <p:ext uri="{BB962C8B-B14F-4D97-AF65-F5344CB8AC3E}">
+        <p14:creationId xmlns:p14="http://schemas.microsoft.com/office/powerpoint/2010/main" val="2706642426"/>
+      </p:ext>
+    </p:extLst>
+  </p:cSld>
+  <p:clrMapOvr>
+    <a:masterClrMapping/>
+  </p:clrMapOvr>
+</p:sld>
+</file>
+
+<file path=ppt/slides/slide25.xml><?xml version="1.0" encoding="utf-8"?>
+<p:sld xmlns:a="http://schemas.openxmlformats.org/drawingml/2006/main" xmlns:r="http://schemas.openxmlformats.org/officeDocument/2006/relationships" xmlns:p="http://schemas.openxmlformats.org/presentationml/2006/main">
+  <p:cSld>
+    <p:spTree>
+      <p:nvGrpSpPr>
+        <p:cNvPr id="1" name="">
+          <a:extLst>
+            <a:ext uri="{FF2B5EF4-FFF2-40B4-BE49-F238E27FC236}">
+              <a16:creationId xmlns:a16="http://schemas.microsoft.com/office/drawing/2014/main" id="{30A4FD42-C5AA-188E-045F-B73CB14439A9}"/>
+            </a:ext>
+          </a:extLst>
+        </p:cNvPr>
+        <p:cNvGrpSpPr/>
+        <p:nvPr/>
+      </p:nvGrpSpPr>
+      <p:grpSpPr>
+        <a:xfrm>
+          <a:off x="0" y="0"/>
+          <a:ext cx="0" cy="0"/>
+          <a:chOff x="0" y="0"/>
+          <a:chExt cx="0" cy="0"/>
+        </a:xfrm>
+      </p:grpSpPr>
+      <p:sp>
+        <p:nvSpPr>
+          <p:cNvPr id="3" name="Content Placeholder 2">
+            <a:extLst>
+              <a:ext uri="{FF2B5EF4-FFF2-40B4-BE49-F238E27FC236}">
+                <a16:creationId xmlns:a16="http://schemas.microsoft.com/office/drawing/2014/main" id="{6A33E1D5-CA5D-7393-4CE8-623A831841B0}"/>
+              </a:ext>
+            </a:extLst>
+          </p:cNvPr>
+          <p:cNvSpPr>
+            <a:spLocks noGrp="1"/>
+          </p:cNvSpPr>
+          <p:nvPr>
+            <p:ph idx="1"/>
+          </p:nvPr>
+        </p:nvSpPr>
+        <p:spPr>
+          <a:xfrm>
+            <a:off x="777240" y="674914"/>
+            <a:ext cx="10659110" cy="5502049"/>
+          </a:xfrm>
+        </p:spPr>
+        <p:txBody>
+          <a:bodyPr/>
+          <a:lstStyle/>
+          <a:p>
+            <a:pPr marL="0" indent="0">
+              <a:buNone/>
+            </a:pPr>
+            <a:endParaRPr lang="en-IN" dirty="0"/>
+          </a:p>
+        </p:txBody>
+      </p:sp>
+    </p:spTree>
+    <p:extLst>
+      <p:ext uri="{BB962C8B-B14F-4D97-AF65-F5344CB8AC3E}">
+        <p14:creationId xmlns:p14="http://schemas.microsoft.com/office/powerpoint/2010/main" val="3332929625"/>
+      </p:ext>
+    </p:extLst>
+  </p:cSld>
+  <p:clrMapOvr>
+    <a:masterClrMapping/>
+  </p:clrMapOvr>
+</p:sld>
+</file>
+
+<file path=ppt/slides/slide26.xml><?xml version="1.0" encoding="utf-8"?>
+<p:sld xmlns:a="http://schemas.openxmlformats.org/drawingml/2006/main" xmlns:r="http://schemas.openxmlformats.org/officeDocument/2006/relationships" xmlns:p="http://schemas.openxmlformats.org/presentationml/2006/main">
+  <p:cSld>
+    <p:spTree>
+      <p:nvGrpSpPr>
+        <p:cNvPr id="1" name="">
+          <a:extLst>
+            <a:ext uri="{FF2B5EF4-FFF2-40B4-BE49-F238E27FC236}">
+              <a16:creationId xmlns:a16="http://schemas.microsoft.com/office/drawing/2014/main" id="{4F6237EC-61EF-F94D-9383-8E039C654DDA}"/>
+            </a:ext>
+          </a:extLst>
+        </p:cNvPr>
+        <p:cNvGrpSpPr/>
+        <p:nvPr/>
+      </p:nvGrpSpPr>
+      <p:grpSpPr>
+        <a:xfrm>
+          <a:off x="0" y="0"/>
+          <a:ext cx="0" cy="0"/>
+          <a:chOff x="0" y="0"/>
+          <a:chExt cx="0" cy="0"/>
+        </a:xfrm>
+      </p:grpSpPr>
+      <p:sp>
+        <p:nvSpPr>
+          <p:cNvPr id="3" name="Content Placeholder 2">
+            <a:extLst>
+              <a:ext uri="{FF2B5EF4-FFF2-40B4-BE49-F238E27FC236}">
+                <a16:creationId xmlns:a16="http://schemas.microsoft.com/office/drawing/2014/main" id="{350139E5-BA94-CDD4-738A-D9DFC30BB39E}"/>
+              </a:ext>
+            </a:extLst>
+          </p:cNvPr>
+          <p:cNvSpPr>
+            <a:spLocks noGrp="1"/>
+          </p:cNvSpPr>
+          <p:nvPr>
+            <p:ph idx="1"/>
+          </p:nvPr>
+        </p:nvSpPr>
+        <p:spPr>
+          <a:xfrm>
+            <a:off x="777240" y="674914"/>
+            <a:ext cx="10659110" cy="5502049"/>
+          </a:xfrm>
+        </p:spPr>
+        <p:txBody>
+          <a:bodyPr/>
+          <a:lstStyle/>
+          <a:p>
+            <a:pPr marL="0" indent="0">
+              <a:buNone/>
+            </a:pPr>
+            <a:endParaRPr lang="en-IN" dirty="0"/>
+          </a:p>
+        </p:txBody>
+      </p:sp>
+    </p:spTree>
+    <p:extLst>
+      <p:ext uri="{BB962C8B-B14F-4D97-AF65-F5344CB8AC3E}">
+        <p14:creationId xmlns:p14="http://schemas.microsoft.com/office/powerpoint/2010/main" val="73976908"/>
+      </p:ext>
+    </p:extLst>
+  </p:cSld>
+  <p:clrMapOvr>
+    <a:masterClrMapping/>
+  </p:clrMapOvr>
+</p:sld>
+</file>
+
+<file path=ppt/slides/slide27.xml><?xml version="1.0" encoding="utf-8"?>
+<p:sld xmlns:a="http://schemas.openxmlformats.org/drawingml/2006/main" xmlns:r="http://schemas.openxmlformats.org/officeDocument/2006/relationships" xmlns:p="http://schemas.openxmlformats.org/presentationml/2006/main">
+  <p:cSld>
+    <p:spTree>
+      <p:nvGrpSpPr>
+        <p:cNvPr id="1" name="">
+          <a:extLst>
+            <a:ext uri="{FF2B5EF4-FFF2-40B4-BE49-F238E27FC236}">
+              <a16:creationId xmlns:a16="http://schemas.microsoft.com/office/drawing/2014/main" id="{411A23EA-5BE3-4325-FB45-407037B6636A}"/>
+            </a:ext>
+          </a:extLst>
+        </p:cNvPr>
+        <p:cNvGrpSpPr/>
+        <p:nvPr/>
+      </p:nvGrpSpPr>
+      <p:grpSpPr>
+        <a:xfrm>
+          <a:off x="0" y="0"/>
+          <a:ext cx="0" cy="0"/>
+          <a:chOff x="0" y="0"/>
+          <a:chExt cx="0" cy="0"/>
+        </a:xfrm>
+      </p:grpSpPr>
+      <p:sp>
+        <p:nvSpPr>
+          <p:cNvPr id="3" name="Content Placeholder 2">
+            <a:extLst>
+              <a:ext uri="{FF2B5EF4-FFF2-40B4-BE49-F238E27FC236}">
+                <a16:creationId xmlns:a16="http://schemas.microsoft.com/office/drawing/2014/main" id="{3930EFCE-A9DF-CA23-1C35-577CE8BC4303}"/>
+              </a:ext>
+            </a:extLst>
+          </p:cNvPr>
+          <p:cNvSpPr>
+            <a:spLocks noGrp="1"/>
+          </p:cNvSpPr>
+          <p:nvPr>
+            <p:ph idx="1"/>
+          </p:nvPr>
+        </p:nvSpPr>
+        <p:spPr>
+          <a:xfrm>
+            <a:off x="777240" y="674914"/>
+            <a:ext cx="10659110" cy="5502049"/>
+          </a:xfrm>
+        </p:spPr>
+        <p:txBody>
+          <a:bodyPr/>
+          <a:lstStyle/>
+          <a:p>
+            <a:pPr marL="0" indent="0">
+              <a:buNone/>
+            </a:pPr>
+            <a:endParaRPr lang="en-IN" dirty="0"/>
+          </a:p>
+        </p:txBody>
+      </p:sp>
+    </p:spTree>
+    <p:extLst>
+      <p:ext uri="{BB962C8B-B14F-4D97-AF65-F5344CB8AC3E}">
+        <p14:creationId xmlns:p14="http://schemas.microsoft.com/office/powerpoint/2010/main" val="2788973060"/>
+      </p:ext>
+    </p:extLst>
+  </p:cSld>
+  <p:clrMapOvr>
+    <a:masterClrMapping/>
+  </p:clrMapOvr>
+</p:sld>
+</file>
+
+<file path=ppt/slides/slide28.xml><?xml version="1.0" encoding="utf-8"?>
+<p:sld xmlns:a="http://schemas.openxmlformats.org/drawingml/2006/main" xmlns:r="http://schemas.openxmlformats.org/officeDocument/2006/relationships" xmlns:p="http://schemas.openxmlformats.org/presentationml/2006/main">
+  <p:cSld>
+    <p:spTree>
+      <p:nvGrpSpPr>
+        <p:cNvPr id="1" name="">
+          <a:extLst>
+            <a:ext uri="{FF2B5EF4-FFF2-40B4-BE49-F238E27FC236}">
+              <a16:creationId xmlns:a16="http://schemas.microsoft.com/office/drawing/2014/main" id="{F90520F2-CA84-17AF-6B6B-587BC8BCEB12}"/>
+            </a:ext>
+          </a:extLst>
+        </p:cNvPr>
+        <p:cNvGrpSpPr/>
+        <p:nvPr/>
+      </p:nvGrpSpPr>
+      <p:grpSpPr>
+        <a:xfrm>
+          <a:off x="0" y="0"/>
+          <a:ext cx="0" cy="0"/>
+          <a:chOff x="0" y="0"/>
+          <a:chExt cx="0" cy="0"/>
+        </a:xfrm>
+      </p:grpSpPr>
+      <p:sp>
+        <p:nvSpPr>
+          <p:cNvPr id="3" name="Content Placeholder 2">
+            <a:extLst>
+              <a:ext uri="{FF2B5EF4-FFF2-40B4-BE49-F238E27FC236}">
+                <a16:creationId xmlns:a16="http://schemas.microsoft.com/office/drawing/2014/main" id="{B3E740B7-3016-3ABF-8912-284FC640E81B}"/>
+              </a:ext>
+            </a:extLst>
+          </p:cNvPr>
+          <p:cNvSpPr>
+            <a:spLocks noGrp="1"/>
+          </p:cNvSpPr>
+          <p:nvPr>
+            <p:ph idx="1"/>
+          </p:nvPr>
+        </p:nvSpPr>
+        <p:spPr>
+          <a:xfrm>
+            <a:off x="777240" y="674914"/>
+            <a:ext cx="10659110" cy="5502049"/>
+          </a:xfrm>
+        </p:spPr>
+        <p:txBody>
+          <a:bodyPr/>
+          <a:lstStyle/>
+          <a:p>
+            <a:pPr marL="0" indent="0">
+              <a:buNone/>
+            </a:pPr>
+            <a:endParaRPr lang="en-IN" dirty="0"/>
+          </a:p>
+        </p:txBody>
+      </p:sp>
+    </p:spTree>
+    <p:extLst>
+      <p:ext uri="{BB962C8B-B14F-4D97-AF65-F5344CB8AC3E}">
+        <p14:creationId xmlns:p14="http://schemas.microsoft.com/office/powerpoint/2010/main" val="2300769400"/>
+      </p:ext>
+    </p:extLst>
+  </p:cSld>
+  <p:clrMapOvr>
+    <a:masterClrMapping/>
+  </p:clrMapOvr>
+</p:sld>
+</file>
+
+<file path=ppt/slides/slide29.xml><?xml version="1.0" encoding="utf-8"?>
+<p:sld xmlns:a="http://schemas.openxmlformats.org/drawingml/2006/main" xmlns:r="http://schemas.openxmlformats.org/officeDocument/2006/relationships" xmlns:p="http://schemas.openxmlformats.org/presentationml/2006/main">
+  <p:cSld>
+    <p:spTree>
+      <p:nvGrpSpPr>
+        <p:cNvPr id="1" name="">
+          <a:extLst>
+            <a:ext uri="{FF2B5EF4-FFF2-40B4-BE49-F238E27FC236}">
+              <a16:creationId xmlns:a16="http://schemas.microsoft.com/office/drawing/2014/main" id="{53EC6DE7-7FC9-1236-DA94-8D4B4BE08AC6}"/>
+            </a:ext>
+          </a:extLst>
+        </p:cNvPr>
+        <p:cNvGrpSpPr/>
+        <p:nvPr/>
+      </p:nvGrpSpPr>
+      <p:grpSpPr>
+        <a:xfrm>
+          <a:off x="0" y="0"/>
+          <a:ext cx="0" cy="0"/>
+          <a:chOff x="0" y="0"/>
+          <a:chExt cx="0" cy="0"/>
+        </a:xfrm>
+      </p:grpSpPr>
+      <p:sp>
+        <p:nvSpPr>
+          <p:cNvPr id="3" name="Content Placeholder 2">
+            <a:extLst>
+              <a:ext uri="{FF2B5EF4-FFF2-40B4-BE49-F238E27FC236}">
+                <a16:creationId xmlns:a16="http://schemas.microsoft.com/office/drawing/2014/main" id="{0A2E6B69-87AA-BAD3-6374-33CF86703D7D}"/>
+              </a:ext>
+            </a:extLst>
+          </p:cNvPr>
+          <p:cNvSpPr>
+            <a:spLocks noGrp="1"/>
+          </p:cNvSpPr>
+          <p:nvPr>
+            <p:ph idx="1"/>
+          </p:nvPr>
+        </p:nvSpPr>
+        <p:spPr>
+          <a:xfrm>
+            <a:off x="777240" y="674914"/>
+            <a:ext cx="10659110" cy="5502049"/>
+          </a:xfrm>
+        </p:spPr>
+        <p:txBody>
+          <a:bodyPr/>
+          <a:lstStyle/>
+          <a:p>
+            <a:pPr marL="0" indent="0">
+              <a:buNone/>
+            </a:pPr>
+            <a:endParaRPr lang="en-IN" dirty="0"/>
+          </a:p>
+        </p:txBody>
+      </p:sp>
+    </p:spTree>
+    <p:extLst>
+      <p:ext uri="{BB962C8B-B14F-4D97-AF65-F5344CB8AC3E}">
+        <p14:creationId xmlns:p14="http://schemas.microsoft.com/office/powerpoint/2010/main" val="1739931258"/>
       </p:ext>
     </p:extLst>
   </p:cSld>
@@ -8703,10 +10100,10 @@
               <a:buNone/>
             </a:pPr>
             <a:r>
-              <a:rPr lang="en-US" b="1" dirty="0"/>
+              <a:rPr lang="en-US" sz="2400" b="1" dirty="0"/>
               <a:t>7. Symbol:</a:t>
             </a:r>
-            <a:endParaRPr lang="en-US" dirty="0"/>
+            <a:endParaRPr lang="en-US" sz="2400" dirty="0"/>
           </a:p>
           <a:p>
             <a:pPr>

--- a/Theory CLass Notes/Unit-2.pptx
+++ b/Theory CLass Notes/Unit-2.pptx
@@ -30,12 +30,12 @@
     <p:sldId id="302" r:id="rId21"/>
     <p:sldId id="303" r:id="rId22"/>
     <p:sldId id="304" r:id="rId23"/>
-    <p:sldId id="301" r:id="rId24"/>
+    <p:sldId id="308" r:id="rId24"/>
     <p:sldId id="305" r:id="rId25"/>
-    <p:sldId id="306" r:id="rId26"/>
-    <p:sldId id="307" r:id="rId27"/>
-    <p:sldId id="308" r:id="rId28"/>
-    <p:sldId id="309" r:id="rId29"/>
+    <p:sldId id="307" r:id="rId26"/>
+    <p:sldId id="306" r:id="rId27"/>
+    <p:sldId id="309" r:id="rId28"/>
+    <p:sldId id="301" r:id="rId29"/>
     <p:sldId id="310" r:id="rId30"/>
   </p:sldIdLst>
   <p:sldSz cx="12192000" cy="6858000"/>
@@ -225,7 +225,7 @@
           <a:p>
             <a:fld id="{61532AF1-4615-4667-912A-829B12F8C4D2}" type="datetimeFigureOut">
               <a:rPr lang="en-IN" smtClean="0"/>
-              <a:t>30-12-2024</a:t>
+              <a:t>03-01-2025</a:t>
             </a:fld>
             <a:endParaRPr lang="en-IN"/>
           </a:p>
@@ -642,7 +642,7 @@
           <a:p>
             <a:fld id="{C43A76A3-ADC8-4477-8FC1-B9DD55D84908}" type="datetime1">
               <a:rPr lang="en-US" smtClean="0"/>
-              <a:t>12/30/2024</a:t>
+              <a:t>1/3/2025</a:t>
             </a:fld>
             <a:endParaRPr lang="en-US" dirty="0"/>
           </a:p>
@@ -840,7 +840,7 @@
           <a:p>
             <a:fld id="{D6762538-DC4D-4667-96E5-B3278DDF8B12}" type="datetime1">
               <a:rPr lang="en-US" smtClean="0"/>
-              <a:t>12/30/2024</a:t>
+              <a:t>1/3/2025</a:t>
             </a:fld>
             <a:endParaRPr lang="en-US"/>
           </a:p>
@@ -1048,7 +1048,7 @@
           <a:p>
             <a:fld id="{05880548-5C08-4BE3-B63E-F2BB63B0B00C}" type="datetime1">
               <a:rPr lang="en-US" smtClean="0"/>
-              <a:t>12/30/2024</a:t>
+              <a:t>1/3/2025</a:t>
             </a:fld>
             <a:endParaRPr lang="en-US"/>
           </a:p>
@@ -1246,7 +1246,7 @@
           <a:p>
             <a:fld id="{DE7F49BE-398D-479A-8A7E-5DDBCA61EDCB}" type="datetime1">
               <a:rPr lang="en-US" smtClean="0"/>
-              <a:t>12/30/2024</a:t>
+              <a:t>1/3/2025</a:t>
             </a:fld>
             <a:endParaRPr lang="en-US" dirty="0"/>
           </a:p>
@@ -1522,7 +1522,7 @@
           <a:p>
             <a:fld id="{CCD0C193-4974-4A1F-9C63-07D595E30D66}" type="datetime1">
               <a:rPr lang="en-US" smtClean="0"/>
-              <a:t>12/30/2024</a:t>
+              <a:t>1/3/2025</a:t>
             </a:fld>
             <a:endParaRPr lang="en-US"/>
           </a:p>
@@ -1789,7 +1789,7 @@
           <a:p>
             <a:fld id="{701AA87F-28D4-4BF0-B81F-877A89DFD5AC}" type="datetime1">
               <a:rPr lang="en-US" smtClean="0"/>
-              <a:t>12/30/2024</a:t>
+              <a:t>1/3/2025</a:t>
             </a:fld>
             <a:endParaRPr lang="en-US"/>
           </a:p>
@@ -2203,7 +2203,7 @@
           <a:p>
             <a:fld id="{A8A9F1F3-208B-49A3-B337-9C8ACEB3E0E1}" type="datetime1">
               <a:rPr lang="en-US" smtClean="0"/>
-              <a:t>12/30/2024</a:t>
+              <a:t>1/3/2025</a:t>
             </a:fld>
             <a:endParaRPr lang="en-US"/>
           </a:p>
@@ -2350,7 +2350,7 @@
           <a:p>
             <a:fld id="{27AF6CA6-7293-4AA2-A0E0-A3BF4416E786}" type="datetime1">
               <a:rPr lang="en-US" smtClean="0"/>
-              <a:t>12/30/2024</a:t>
+              <a:t>1/3/2025</a:t>
             </a:fld>
             <a:endParaRPr lang="en-US"/>
           </a:p>
@@ -2463,7 +2463,7 @@
           <a:p>
             <a:fld id="{98D87016-7BCD-46FB-8EE3-AB6C369108B4}" type="datetime1">
               <a:rPr lang="en-US" smtClean="0"/>
-              <a:t>12/30/2024</a:t>
+              <a:t>1/3/2025</a:t>
             </a:fld>
             <a:endParaRPr lang="en-US"/>
           </a:p>
@@ -2782,7 +2782,7 @@
           <a:p>
             <a:fld id="{A1547011-1FFC-4EF8-9A2E-53B4AD2ADBD4}" type="datetime1">
               <a:rPr lang="en-US" smtClean="0"/>
-              <a:t>12/30/2024</a:t>
+              <a:t>1/3/2025</a:t>
             </a:fld>
             <a:endParaRPr lang="en-US"/>
           </a:p>
@@ -3077,7 +3077,7 @@
           <a:p>
             <a:fld id="{9562EB47-45B4-4EF5-A743-B4885DD2F060}" type="datetime1">
               <a:rPr lang="en-US" smtClean="0"/>
-              <a:t>12/30/2024</a:t>
+              <a:t>1/3/2025</a:t>
             </a:fld>
             <a:endParaRPr lang="en-US"/>
           </a:p>
@@ -4462,7 +4462,7 @@
           <a:p>
             <a:fld id="{4A8D24A4-5FEC-4062-8995-EB21925B3B40}" type="datetime1">
               <a:rPr lang="en-US" smtClean="0"/>
-              <a:t>12/30/2024</a:t>
+              <a:t>1/3/2025</a:t>
             </a:fld>
             <a:endParaRPr lang="en-US" sz="1000" dirty="0"/>
           </a:p>
@@ -8156,7 +8156,7 @@
         <p:cNvPr id="1" name="">
           <a:extLst>
             <a:ext uri="{FF2B5EF4-FFF2-40B4-BE49-F238E27FC236}">
-              <a16:creationId xmlns:a16="http://schemas.microsoft.com/office/drawing/2014/main" id="{2DB2F3A6-D7FC-2AE3-DE01-A82EA2371310}"/>
+              <a16:creationId xmlns:a16="http://schemas.microsoft.com/office/drawing/2014/main" id="{411A23EA-5BE3-4325-FB45-407037B6636A}"/>
             </a:ext>
           </a:extLst>
         </p:cNvPr>
@@ -8176,7 +8176,7 @@
           <p:cNvPr id="3" name="Content Placeholder 2">
             <a:extLst>
               <a:ext uri="{FF2B5EF4-FFF2-40B4-BE49-F238E27FC236}">
-                <a16:creationId xmlns:a16="http://schemas.microsoft.com/office/drawing/2014/main" id="{2AAD4EDA-98AC-2D1E-A2B9-32BBDDDB6008}"/>
+                <a16:creationId xmlns:a16="http://schemas.microsoft.com/office/drawing/2014/main" id="{3930EFCE-A9DF-CA23-1C35-577CE8BC4303}"/>
               </a:ext>
             </a:extLst>
           </p:cNvPr>
@@ -8189,117 +8189,29 @@
         </p:nvSpPr>
         <p:spPr>
           <a:xfrm>
-            <a:off x="702853" y="719137"/>
-            <a:ext cx="10900568" cy="5313801"/>
+            <a:off x="777240" y="674914"/>
+            <a:ext cx="10659110" cy="5502049"/>
           </a:xfrm>
         </p:spPr>
         <p:txBody>
-          <a:bodyPr>
-            <a:normAutofit/>
-          </a:bodyPr>
+          <a:bodyPr/>
           <a:lstStyle/>
           <a:p>
             <a:pPr marL="0" indent="0">
               <a:buNone/>
             </a:pPr>
             <a:r>
-              <a:rPr lang="en-US" sz="3200" b="1" dirty="0">
-                <a:solidFill>
-                  <a:srgbClr val="C00000"/>
-                </a:solidFill>
-              </a:rPr>
-              <a:t>UNIT-II</a:t>
-            </a:r>
-            <a:r>
-              <a:rPr lang="en-IN" sz="3200" b="1" dirty="0">
-                <a:solidFill>
-                  <a:srgbClr val="C00000"/>
-                </a:solidFill>
-              </a:rPr>
-              <a:t>:</a:t>
-            </a:r>
-          </a:p>
-          <a:p>
-            <a:pPr marL="0" indent="0">
-              <a:buNone/>
-            </a:pPr>
-            <a:r>
-              <a:rPr lang="en-IN" sz="3200" b="1" dirty="0"/>
-              <a:t>Node.JS Basics:</a:t>
-            </a:r>
-            <a:r>
-              <a:rPr lang="en-IN" sz="3200" dirty="0"/>
-              <a:t> </a:t>
-            </a:r>
-            <a:r>
-              <a:rPr lang="en-IN" sz="3200" b="1" dirty="0"/>
-              <a:t>Primitive Types</a:t>
-            </a:r>
-            <a:r>
-              <a:rPr lang="en-IN" sz="3200" dirty="0"/>
-              <a:t>, </a:t>
-            </a:r>
-            <a:r>
-              <a:rPr lang="en-IN" sz="3200" b="1" dirty="0"/>
-              <a:t>Object Literal, Functions</a:t>
-            </a:r>
-            <a:r>
-              <a:rPr lang="en-IN" sz="3200" dirty="0"/>
-              <a:t>, </a:t>
-            </a:r>
-            <a:r>
-              <a:rPr lang="en-IN" sz="3200" b="1" dirty="0"/>
-              <a:t>Buffer</a:t>
-            </a:r>
-            <a:r>
-              <a:rPr lang="en-IN" sz="3200" dirty="0"/>
-              <a:t>, </a:t>
-            </a:r>
-            <a:r>
-              <a:rPr lang="en-IN" sz="3200" b="1" dirty="0"/>
-              <a:t>Access Global Scope. </a:t>
-            </a:r>
-          </a:p>
-          <a:p>
-            <a:pPr marL="0" indent="0">
-              <a:buNone/>
-            </a:pPr>
-            <a:r>
-              <a:rPr lang="en-IN" sz="3200" b="1" dirty="0"/>
-              <a:t>Node.JS Modules: </a:t>
-            </a:r>
-            <a:r>
-              <a:rPr lang="en-IN" sz="3200" dirty="0"/>
-              <a:t>Module, Module Types: Core Modules, Local Modules, Third Party Modules, Module Exports. Using Modules in a Node.js File, Using the Built in HTTP, URL, Query String Module, Creating a Custom Module.</a:t>
-            </a:r>
-          </a:p>
-          <a:p>
-            <a:pPr marL="0" indent="0">
-              <a:buNone/>
-            </a:pPr>
-            <a:r>
-              <a:rPr lang="en-IN" sz="3200" b="1" dirty="0"/>
-              <a:t>Node Package Manager:</a:t>
-            </a:r>
-            <a:r>
-              <a:rPr lang="en-IN" sz="3200" dirty="0"/>
-              <a:t> NPM, Installing Packages Locally, Adding dependency in </a:t>
-            </a:r>
-            <a:r>
-              <a:rPr lang="en-IN" sz="3200" dirty="0" err="1"/>
-              <a:t>package.json</a:t>
-            </a:r>
-            <a:r>
-              <a:rPr lang="en-IN" sz="3200" dirty="0"/>
-              <a:t>, Installing packages globally, Updating packages. </a:t>
-            </a:r>
+              <a:rPr lang="en-IN" sz="2000" b="1" dirty="0"/>
+              <a:t>Node.JS Modules</a:t>
+            </a:r>
+            <a:endParaRPr lang="en-IN" dirty="0"/>
           </a:p>
         </p:txBody>
       </p:sp>
     </p:spTree>
     <p:extLst>
       <p:ext uri="{BB962C8B-B14F-4D97-AF65-F5344CB8AC3E}">
-        <p14:creationId xmlns:p14="http://schemas.microsoft.com/office/powerpoint/2010/main" val="160778972"/>
+        <p14:creationId xmlns:p14="http://schemas.microsoft.com/office/powerpoint/2010/main" val="2788973060"/>
       </p:ext>
     </p:extLst>
   </p:cSld>
@@ -8355,13 +8267,230 @@
           </a:xfrm>
         </p:spPr>
         <p:txBody>
-          <a:bodyPr/>
+          <a:bodyPr>
+            <a:normAutofit/>
+          </a:bodyPr>
           <a:lstStyle/>
           <a:p>
             <a:pPr marL="0" indent="0">
               <a:buNone/>
             </a:pPr>
-            <a:endParaRPr lang="en-IN" dirty="0"/>
+            <a:r>
+              <a:rPr lang="en-IN" sz="2800" b="1" dirty="0"/>
+              <a:t>Module:</a:t>
+            </a:r>
+          </a:p>
+          <a:p>
+            <a:pPr marL="0" indent="0">
+              <a:buNone/>
+            </a:pPr>
+            <a:r>
+              <a:rPr lang="en-US" sz="2400" dirty="0"/>
+              <a:t>In </a:t>
+            </a:r>
+            <a:r>
+              <a:rPr lang="en-US" sz="2400" b="1" dirty="0"/>
+              <a:t>Node.js</a:t>
+            </a:r>
+            <a:r>
+              <a:rPr lang="en-US" sz="2400" dirty="0"/>
+              <a:t>, a </a:t>
+            </a:r>
+            <a:r>
+              <a:rPr lang="en-US" sz="2400" b="1" dirty="0"/>
+              <a:t>module</a:t>
+            </a:r>
+            <a:r>
+              <a:rPr lang="en-US" sz="2400" dirty="0"/>
+              <a:t> is a </a:t>
+            </a:r>
+            <a:r>
+              <a:rPr lang="en-US" sz="2400" b="1" dirty="0">
+                <a:solidFill>
+                  <a:srgbClr val="C00000"/>
+                </a:solidFill>
+              </a:rPr>
+              <a:t>reusable piece of code </a:t>
+            </a:r>
+            <a:r>
+              <a:rPr lang="en-US" sz="2400" dirty="0"/>
+              <a:t>that can be </a:t>
+            </a:r>
+            <a:r>
+              <a:rPr lang="en-US" sz="2400" b="1" dirty="0"/>
+              <a:t>exported</a:t>
+            </a:r>
+            <a:r>
+              <a:rPr lang="en-US" sz="2400" dirty="0"/>
+              <a:t> from one file and </a:t>
+            </a:r>
+            <a:r>
+              <a:rPr lang="en-US" sz="2400" b="1" dirty="0"/>
+              <a:t>imported</a:t>
+            </a:r>
+            <a:r>
+              <a:rPr lang="en-US" sz="2400" dirty="0"/>
+              <a:t> into another file. Modules are a fundamental aspect of Node.js that allow developers to </a:t>
+            </a:r>
+            <a:r>
+              <a:rPr lang="en-US" sz="2400" b="1" dirty="0"/>
+              <a:t>organize code </a:t>
+            </a:r>
+            <a:r>
+              <a:rPr lang="en-US" sz="2400" dirty="0"/>
+              <a:t>into </a:t>
+            </a:r>
+            <a:r>
+              <a:rPr lang="en-US" sz="2400" b="1" dirty="0">
+                <a:solidFill>
+                  <a:srgbClr val="C00000"/>
+                </a:solidFill>
+              </a:rPr>
+              <a:t>smaller</a:t>
+            </a:r>
+            <a:r>
+              <a:rPr lang="en-US" sz="2400" dirty="0"/>
+              <a:t>, </a:t>
+            </a:r>
+            <a:r>
+              <a:rPr lang="en-US" sz="2400" b="1" dirty="0">
+                <a:solidFill>
+                  <a:srgbClr val="C00000"/>
+                </a:solidFill>
+              </a:rPr>
+              <a:t>maintainable</a:t>
+            </a:r>
+            <a:r>
+              <a:rPr lang="en-US" sz="2400" dirty="0"/>
+              <a:t>, and </a:t>
+            </a:r>
+            <a:r>
+              <a:rPr lang="en-US" sz="2400" b="1" dirty="0">
+                <a:solidFill>
+                  <a:srgbClr val="C00000"/>
+                </a:solidFill>
+              </a:rPr>
+              <a:t>reusable</a:t>
+            </a:r>
+            <a:r>
+              <a:rPr lang="en-US" sz="2400" dirty="0"/>
+              <a:t> </a:t>
+            </a:r>
+            <a:r>
+              <a:rPr lang="en-US" sz="2400" b="1" dirty="0">
+                <a:solidFill>
+                  <a:srgbClr val="C00000"/>
+                </a:solidFill>
+              </a:rPr>
+              <a:t>chunks</a:t>
+            </a:r>
+            <a:r>
+              <a:rPr lang="en-US" sz="2400" dirty="0"/>
+              <a:t>.</a:t>
+            </a:r>
+          </a:p>
+          <a:p>
+            <a:r>
+              <a:rPr lang="en-US" sz="2400" dirty="0"/>
+              <a:t>A module in Node.js is a reusable block of code that encapsulates </a:t>
+            </a:r>
+            <a:r>
+              <a:rPr lang="en-US" sz="2400" b="1" dirty="0">
+                <a:solidFill>
+                  <a:srgbClr val="002060"/>
+                </a:solidFill>
+              </a:rPr>
+              <a:t>related functionality</a:t>
+            </a:r>
+            <a:r>
+              <a:rPr lang="en-US" sz="2400" dirty="0"/>
+              <a:t>.</a:t>
+            </a:r>
+          </a:p>
+          <a:p>
+            <a:r>
+              <a:rPr lang="en-US" sz="2400" dirty="0"/>
+              <a:t>Each module in Node.js has its own scope, so the variables and functions defined in a module are private to that module by default.</a:t>
+            </a:r>
+          </a:p>
+          <a:p>
+            <a:r>
+              <a:rPr lang="en-US" sz="2400" dirty="0"/>
+              <a:t>A module is a </a:t>
+            </a:r>
+            <a:r>
+              <a:rPr lang="en-US" sz="2400" b="1" dirty="0">
+                <a:solidFill>
+                  <a:srgbClr val="00B050"/>
+                </a:solidFill>
+              </a:rPr>
+              <a:t>single JavaScript file </a:t>
+            </a:r>
+            <a:r>
+              <a:rPr lang="en-US" sz="2400" dirty="0"/>
+              <a:t>or a </a:t>
+            </a:r>
+            <a:r>
+              <a:rPr lang="en-US" sz="2400" b="1" dirty="0">
+                <a:solidFill>
+                  <a:srgbClr val="00B050"/>
+                </a:solidFill>
+              </a:rPr>
+              <a:t>collection of related files </a:t>
+            </a:r>
+            <a:r>
+              <a:rPr lang="en-US" sz="2400" dirty="0"/>
+              <a:t>that expose specific functionality through </a:t>
+            </a:r>
+            <a:r>
+              <a:rPr lang="en-US" sz="2400" b="1" dirty="0">
+                <a:solidFill>
+                  <a:srgbClr val="C00000"/>
+                </a:solidFill>
+              </a:rPr>
+              <a:t>exports</a:t>
+            </a:r>
+            <a:r>
+              <a:rPr lang="en-US" sz="2400" dirty="0"/>
+              <a:t> or </a:t>
+            </a:r>
+            <a:r>
+              <a:rPr lang="en-US" sz="2400" b="1" dirty="0" err="1">
+                <a:solidFill>
+                  <a:srgbClr val="C00000"/>
+                </a:solidFill>
+              </a:rPr>
+              <a:t>module.exports</a:t>
+            </a:r>
+            <a:r>
+              <a:rPr lang="en-US" sz="2400" dirty="0"/>
+              <a:t>.</a:t>
+            </a:r>
+          </a:p>
+          <a:p>
+            <a:r>
+              <a:rPr lang="en-US" sz="2400" dirty="0"/>
+              <a:t>In Node.js, </a:t>
+            </a:r>
+            <a:r>
+              <a:rPr lang="en-US" sz="2400" b="1" dirty="0"/>
+              <a:t>every JavaScript file is treated as a module</a:t>
+            </a:r>
+            <a:r>
+              <a:rPr lang="en-US" sz="2400" dirty="0"/>
+              <a:t>.</a:t>
+            </a:r>
+          </a:p>
+          <a:p>
+            <a:r>
+              <a:rPr lang="en-US" sz="2400" b="1" dirty="0"/>
+              <a:t>Example: </a:t>
+            </a:r>
+            <a:r>
+              <a:rPr lang="en-US" sz="2400" dirty="0"/>
+              <a:t>A file containing utility functions (math.js) or configurations.</a:t>
+            </a:r>
+            <a:endParaRPr lang="en-IN" sz="2400" dirty="0"/>
           </a:p>
         </p:txBody>
       </p:sp>
@@ -8379,6 +8508,140 @@
 </file>
 
 <file path=ppt/slides/slide25.xml><?xml version="1.0" encoding="utf-8"?>
+<p:sld xmlns:a="http://schemas.openxmlformats.org/drawingml/2006/main" xmlns:r="http://schemas.openxmlformats.org/officeDocument/2006/relationships" xmlns:p="http://schemas.openxmlformats.org/presentationml/2006/main">
+  <p:cSld>
+    <p:spTree>
+      <p:nvGrpSpPr>
+        <p:cNvPr id="1" name="">
+          <a:extLst>
+            <a:ext uri="{FF2B5EF4-FFF2-40B4-BE49-F238E27FC236}">
+              <a16:creationId xmlns:a16="http://schemas.microsoft.com/office/drawing/2014/main" id="{4F6237EC-61EF-F94D-9383-8E039C654DDA}"/>
+            </a:ext>
+          </a:extLst>
+        </p:cNvPr>
+        <p:cNvGrpSpPr/>
+        <p:nvPr/>
+      </p:nvGrpSpPr>
+      <p:grpSpPr>
+        <a:xfrm>
+          <a:off x="0" y="0"/>
+          <a:ext cx="0" cy="0"/>
+          <a:chOff x="0" y="0"/>
+          <a:chExt cx="0" cy="0"/>
+        </a:xfrm>
+      </p:grpSpPr>
+      <p:grpSp>
+        <p:nvGrpSpPr>
+          <p:cNvPr id="5" name="Group 4">
+            <a:extLst>
+              <a:ext uri="{FF2B5EF4-FFF2-40B4-BE49-F238E27FC236}">
+                <a16:creationId xmlns:a16="http://schemas.microsoft.com/office/drawing/2014/main" id="{4362A4D9-9A40-F5F8-8C0C-9FB5696131E2}"/>
+              </a:ext>
+            </a:extLst>
+          </p:cNvPr>
+          <p:cNvGrpSpPr/>
+          <p:nvPr/>
+        </p:nvGrpSpPr>
+        <p:grpSpPr>
+          <a:xfrm>
+            <a:off x="0" y="1148574"/>
+            <a:ext cx="12135910" cy="4103649"/>
+            <a:chOff x="0" y="1148574"/>
+            <a:chExt cx="12135910" cy="4103649"/>
+          </a:xfrm>
+        </p:grpSpPr>
+        <p:pic>
+          <p:nvPicPr>
+            <p:cNvPr id="2050" name="Picture 2" descr="Node.JS Modules - Parameters, Types, and Creating - Intellipaat">
+              <a:extLst>
+                <a:ext uri="{FF2B5EF4-FFF2-40B4-BE49-F238E27FC236}">
+                  <a16:creationId xmlns:a16="http://schemas.microsoft.com/office/drawing/2014/main" id="{90C00D3E-F5D2-8F82-BA82-322A7EC64A62}"/>
+                </a:ext>
+              </a:extLst>
+            </p:cNvPr>
+            <p:cNvPicPr>
+              <a:picLocks noChangeAspect="1" noChangeArrowheads="1"/>
+            </p:cNvPicPr>
+            <p:nvPr/>
+          </p:nvPicPr>
+          <p:blipFill>
+            <a:blip r:embed="rId2">
+              <a:extLst>
+                <a:ext uri="{28A0092B-C50C-407E-A947-70E740481C1C}">
+                  <a14:useLocalDpi xmlns:a14="http://schemas.microsoft.com/office/drawing/2010/main" val="0"/>
+                </a:ext>
+              </a:extLst>
+            </a:blip>
+            <a:srcRect/>
+            <a:stretch>
+              <a:fillRect/>
+            </a:stretch>
+          </p:blipFill>
+          <p:spPr bwMode="auto">
+            <a:xfrm>
+              <a:off x="0" y="1148574"/>
+              <a:ext cx="12135910" cy="4103649"/>
+            </a:xfrm>
+            <a:prstGeom prst="rect">
+              <a:avLst/>
+            </a:prstGeom>
+            <a:noFill/>
+            <a:extLst>
+              <a:ext uri="{909E8E84-426E-40DD-AFC4-6F175D3DCCD1}">
+                <a14:hiddenFill xmlns:a14="http://schemas.microsoft.com/office/drawing/2010/main">
+                  <a:solidFill>
+                    <a:srgbClr val="FFFFFF"/>
+                  </a:solidFill>
+                </a14:hiddenFill>
+              </a:ext>
+            </a:extLst>
+          </p:spPr>
+        </p:pic>
+        <p:pic>
+          <p:nvPicPr>
+            <p:cNvPr id="4" name="Picture 3">
+              <a:extLst>
+                <a:ext uri="{FF2B5EF4-FFF2-40B4-BE49-F238E27FC236}">
+                  <a16:creationId xmlns:a16="http://schemas.microsoft.com/office/drawing/2014/main" id="{AE6BC161-F270-7D39-9580-F903F1936896}"/>
+                </a:ext>
+              </a:extLst>
+            </p:cNvPr>
+            <p:cNvPicPr>
+              <a:picLocks noChangeAspect="1"/>
+            </p:cNvPicPr>
+            <p:nvPr/>
+          </p:nvPicPr>
+          <p:blipFill>
+            <a:blip r:embed="rId3"/>
+            <a:stretch>
+              <a:fillRect/>
+            </a:stretch>
+          </p:blipFill>
+          <p:spPr>
+            <a:xfrm>
+              <a:off x="10055762" y="1154150"/>
+              <a:ext cx="2009524" cy="752381"/>
+            </a:xfrm>
+            <a:prstGeom prst="rect">
+              <a:avLst/>
+            </a:prstGeom>
+          </p:spPr>
+        </p:pic>
+      </p:grpSp>
+    </p:spTree>
+    <p:extLst>
+      <p:ext uri="{BB962C8B-B14F-4D97-AF65-F5344CB8AC3E}">
+        <p14:creationId xmlns:p14="http://schemas.microsoft.com/office/powerpoint/2010/main" val="73976908"/>
+      </p:ext>
+    </p:extLst>
+  </p:cSld>
+  <p:clrMapOvr>
+    <a:masterClrMapping/>
+  </p:clrMapOvr>
+</p:sld>
+</file>
+
+<file path=ppt/slides/slide26.xml><?xml version="1.0" encoding="utf-8"?>
 <p:sld xmlns:a="http://schemas.openxmlformats.org/drawingml/2006/main" xmlns:r="http://schemas.openxmlformats.org/officeDocument/2006/relationships" xmlns:p="http://schemas.openxmlformats.org/presentationml/2006/main">
   <p:cSld>
     <p:spTree>
@@ -8420,17 +8683,86 @@
         <p:spPr>
           <a:xfrm>
             <a:off x="777240" y="674914"/>
-            <a:ext cx="10659110" cy="5502049"/>
+            <a:ext cx="11120846" cy="5502049"/>
           </a:xfrm>
         </p:spPr>
         <p:txBody>
-          <a:bodyPr/>
+          <a:bodyPr>
+            <a:normAutofit/>
+          </a:bodyPr>
           <a:lstStyle/>
           <a:p>
             <a:pPr marL="0" indent="0">
               <a:buNone/>
             </a:pPr>
-            <a:endParaRPr lang="en-IN" dirty="0"/>
+            <a:r>
+              <a:rPr lang="en-US" sz="2800" b="1" dirty="0"/>
+              <a:t>Types of Modules in Node.js:</a:t>
+            </a:r>
+          </a:p>
+          <a:p>
+            <a:pPr marL="0" indent="0">
+              <a:buNone/>
+            </a:pPr>
+            <a:r>
+              <a:rPr lang="en-US" sz="2400" b="1" dirty="0"/>
+              <a:t>1. Core Modules: </a:t>
+            </a:r>
+            <a:r>
+              <a:rPr lang="en-US" sz="2400" dirty="0"/>
+              <a:t>These are modules that are included with Node.js and provide basic functionality. Examples include fs (file system), http (HTTP server), </a:t>
+            </a:r>
+            <a:r>
+              <a:rPr lang="en-US" sz="2400" dirty="0" err="1"/>
+              <a:t>os</a:t>
+            </a:r>
+            <a:r>
+              <a:rPr lang="en-US" sz="2400" dirty="0"/>
+              <a:t> (operating system), etc. </a:t>
+            </a:r>
+          </a:p>
+          <a:p>
+            <a:pPr marL="0" indent="0">
+              <a:buNone/>
+            </a:pPr>
+            <a:r>
+              <a:rPr lang="en-US" sz="2400" b="1" dirty="0"/>
+              <a:t>2. Local Modules: </a:t>
+            </a:r>
+            <a:r>
+              <a:rPr lang="en-US" sz="2400" dirty="0"/>
+              <a:t>These are modules that you create in your Node.js application. You can create a local module by defining a JavaScript file and using </a:t>
+            </a:r>
+            <a:r>
+              <a:rPr lang="en-US" sz="2400" dirty="0" err="1"/>
+              <a:t>module.exports</a:t>
+            </a:r>
+            <a:r>
+              <a:rPr lang="en-US" sz="2400" dirty="0"/>
+              <a:t> to export functions or objects from that file. </a:t>
+            </a:r>
+          </a:p>
+          <a:p>
+            <a:pPr marL="0" indent="0">
+              <a:buNone/>
+            </a:pPr>
+            <a:r>
+              <a:rPr lang="en-US" sz="2400" b="1" dirty="0"/>
+              <a:t>3. Third-party Modules: </a:t>
+            </a:r>
+            <a:r>
+              <a:rPr lang="en-US" sz="2400" dirty="0"/>
+              <a:t>These are modules created by third-party developers and are not included with Node.js. You can install third-party modules using </a:t>
+            </a:r>
+            <a:r>
+              <a:rPr lang="en-US" sz="2400" dirty="0" err="1"/>
+              <a:t>npm</a:t>
+            </a:r>
+            <a:r>
+              <a:rPr lang="en-US" sz="2400" dirty="0"/>
+              <a:t> (Node Package Manager) and then use require() to include them in your application.</a:t>
+            </a:r>
+            <a:endParaRPr lang="en-IN" sz="2400" dirty="0"/>
           </a:p>
         </p:txBody>
       </p:sp>
@@ -8447,145 +8779,7 @@
 </p:sld>
 </file>
 
-<file path=ppt/slides/slide26.xml><?xml version="1.0" encoding="utf-8"?>
-<p:sld xmlns:a="http://schemas.openxmlformats.org/drawingml/2006/main" xmlns:r="http://schemas.openxmlformats.org/officeDocument/2006/relationships" xmlns:p="http://schemas.openxmlformats.org/presentationml/2006/main">
-  <p:cSld>
-    <p:spTree>
-      <p:nvGrpSpPr>
-        <p:cNvPr id="1" name="">
-          <a:extLst>
-            <a:ext uri="{FF2B5EF4-FFF2-40B4-BE49-F238E27FC236}">
-              <a16:creationId xmlns:a16="http://schemas.microsoft.com/office/drawing/2014/main" id="{4F6237EC-61EF-F94D-9383-8E039C654DDA}"/>
-            </a:ext>
-          </a:extLst>
-        </p:cNvPr>
-        <p:cNvGrpSpPr/>
-        <p:nvPr/>
-      </p:nvGrpSpPr>
-      <p:grpSpPr>
-        <a:xfrm>
-          <a:off x="0" y="0"/>
-          <a:ext cx="0" cy="0"/>
-          <a:chOff x="0" y="0"/>
-          <a:chExt cx="0" cy="0"/>
-        </a:xfrm>
-      </p:grpSpPr>
-      <p:sp>
-        <p:nvSpPr>
-          <p:cNvPr id="3" name="Content Placeholder 2">
-            <a:extLst>
-              <a:ext uri="{FF2B5EF4-FFF2-40B4-BE49-F238E27FC236}">
-                <a16:creationId xmlns:a16="http://schemas.microsoft.com/office/drawing/2014/main" id="{350139E5-BA94-CDD4-738A-D9DFC30BB39E}"/>
-              </a:ext>
-            </a:extLst>
-          </p:cNvPr>
-          <p:cNvSpPr>
-            <a:spLocks noGrp="1"/>
-          </p:cNvSpPr>
-          <p:nvPr>
-            <p:ph idx="1"/>
-          </p:nvPr>
-        </p:nvSpPr>
-        <p:spPr>
-          <a:xfrm>
-            <a:off x="777240" y="674914"/>
-            <a:ext cx="10659110" cy="5502049"/>
-          </a:xfrm>
-        </p:spPr>
-        <p:txBody>
-          <a:bodyPr/>
-          <a:lstStyle/>
-          <a:p>
-            <a:pPr marL="0" indent="0">
-              <a:buNone/>
-            </a:pPr>
-            <a:endParaRPr lang="en-IN" dirty="0"/>
-          </a:p>
-        </p:txBody>
-      </p:sp>
-    </p:spTree>
-    <p:extLst>
-      <p:ext uri="{BB962C8B-B14F-4D97-AF65-F5344CB8AC3E}">
-        <p14:creationId xmlns:p14="http://schemas.microsoft.com/office/powerpoint/2010/main" val="73976908"/>
-      </p:ext>
-    </p:extLst>
-  </p:cSld>
-  <p:clrMapOvr>
-    <a:masterClrMapping/>
-  </p:clrMapOvr>
-</p:sld>
-</file>
-
 <file path=ppt/slides/slide27.xml><?xml version="1.0" encoding="utf-8"?>
-<p:sld xmlns:a="http://schemas.openxmlformats.org/drawingml/2006/main" xmlns:r="http://schemas.openxmlformats.org/officeDocument/2006/relationships" xmlns:p="http://schemas.openxmlformats.org/presentationml/2006/main">
-  <p:cSld>
-    <p:spTree>
-      <p:nvGrpSpPr>
-        <p:cNvPr id="1" name="">
-          <a:extLst>
-            <a:ext uri="{FF2B5EF4-FFF2-40B4-BE49-F238E27FC236}">
-              <a16:creationId xmlns:a16="http://schemas.microsoft.com/office/drawing/2014/main" id="{411A23EA-5BE3-4325-FB45-407037B6636A}"/>
-            </a:ext>
-          </a:extLst>
-        </p:cNvPr>
-        <p:cNvGrpSpPr/>
-        <p:nvPr/>
-      </p:nvGrpSpPr>
-      <p:grpSpPr>
-        <a:xfrm>
-          <a:off x="0" y="0"/>
-          <a:ext cx="0" cy="0"/>
-          <a:chOff x="0" y="0"/>
-          <a:chExt cx="0" cy="0"/>
-        </a:xfrm>
-      </p:grpSpPr>
-      <p:sp>
-        <p:nvSpPr>
-          <p:cNvPr id="3" name="Content Placeholder 2">
-            <a:extLst>
-              <a:ext uri="{FF2B5EF4-FFF2-40B4-BE49-F238E27FC236}">
-                <a16:creationId xmlns:a16="http://schemas.microsoft.com/office/drawing/2014/main" id="{3930EFCE-A9DF-CA23-1C35-577CE8BC4303}"/>
-              </a:ext>
-            </a:extLst>
-          </p:cNvPr>
-          <p:cNvSpPr>
-            <a:spLocks noGrp="1"/>
-          </p:cNvSpPr>
-          <p:nvPr>
-            <p:ph idx="1"/>
-          </p:nvPr>
-        </p:nvSpPr>
-        <p:spPr>
-          <a:xfrm>
-            <a:off x="777240" y="674914"/>
-            <a:ext cx="10659110" cy="5502049"/>
-          </a:xfrm>
-        </p:spPr>
-        <p:txBody>
-          <a:bodyPr/>
-          <a:lstStyle/>
-          <a:p>
-            <a:pPr marL="0" indent="0">
-              <a:buNone/>
-            </a:pPr>
-            <a:endParaRPr lang="en-IN" dirty="0"/>
-          </a:p>
-        </p:txBody>
-      </p:sp>
-    </p:spTree>
-    <p:extLst>
-      <p:ext uri="{BB962C8B-B14F-4D97-AF65-F5344CB8AC3E}">
-        <p14:creationId xmlns:p14="http://schemas.microsoft.com/office/powerpoint/2010/main" val="2788973060"/>
-      </p:ext>
-    </p:extLst>
-  </p:cSld>
-  <p:clrMapOvr>
-    <a:masterClrMapping/>
-  </p:clrMapOvr>
-</p:sld>
-</file>
-
-<file path=ppt/slides/slide28.xml><?xml version="1.0" encoding="utf-8"?>
 <p:sld xmlns:a="http://schemas.openxmlformats.org/drawingml/2006/main" xmlns:r="http://schemas.openxmlformats.org/officeDocument/2006/relationships" xmlns:p="http://schemas.openxmlformats.org/presentationml/2006/main">
   <p:cSld>
     <p:spTree>
@@ -8645,6 +8839,167 @@
     <p:extLst>
       <p:ext uri="{BB962C8B-B14F-4D97-AF65-F5344CB8AC3E}">
         <p14:creationId xmlns:p14="http://schemas.microsoft.com/office/powerpoint/2010/main" val="2300769400"/>
+      </p:ext>
+    </p:extLst>
+  </p:cSld>
+  <p:clrMapOvr>
+    <a:masterClrMapping/>
+  </p:clrMapOvr>
+</p:sld>
+</file>
+
+<file path=ppt/slides/slide28.xml><?xml version="1.0" encoding="utf-8"?>
+<p:sld xmlns:a="http://schemas.openxmlformats.org/drawingml/2006/main" xmlns:r="http://schemas.openxmlformats.org/officeDocument/2006/relationships" xmlns:p="http://schemas.openxmlformats.org/presentationml/2006/main">
+  <p:cSld>
+    <p:spTree>
+      <p:nvGrpSpPr>
+        <p:cNvPr id="1" name="">
+          <a:extLst>
+            <a:ext uri="{FF2B5EF4-FFF2-40B4-BE49-F238E27FC236}">
+              <a16:creationId xmlns:a16="http://schemas.microsoft.com/office/drawing/2014/main" id="{2DB2F3A6-D7FC-2AE3-DE01-A82EA2371310}"/>
+            </a:ext>
+          </a:extLst>
+        </p:cNvPr>
+        <p:cNvGrpSpPr/>
+        <p:nvPr/>
+      </p:nvGrpSpPr>
+      <p:grpSpPr>
+        <a:xfrm>
+          <a:off x="0" y="0"/>
+          <a:ext cx="0" cy="0"/>
+          <a:chOff x="0" y="0"/>
+          <a:chExt cx="0" cy="0"/>
+        </a:xfrm>
+      </p:grpSpPr>
+      <p:sp>
+        <p:nvSpPr>
+          <p:cNvPr id="3" name="Content Placeholder 2">
+            <a:extLst>
+              <a:ext uri="{FF2B5EF4-FFF2-40B4-BE49-F238E27FC236}">
+                <a16:creationId xmlns:a16="http://schemas.microsoft.com/office/drawing/2014/main" id="{2AAD4EDA-98AC-2D1E-A2B9-32BBDDDB6008}"/>
+              </a:ext>
+            </a:extLst>
+          </p:cNvPr>
+          <p:cNvSpPr>
+            <a:spLocks noGrp="1"/>
+          </p:cNvSpPr>
+          <p:nvPr>
+            <p:ph idx="1"/>
+          </p:nvPr>
+        </p:nvSpPr>
+        <p:spPr>
+          <a:xfrm>
+            <a:off x="702853" y="719137"/>
+            <a:ext cx="10900568" cy="5313801"/>
+          </a:xfrm>
+        </p:spPr>
+        <p:txBody>
+          <a:bodyPr>
+            <a:normAutofit/>
+          </a:bodyPr>
+          <a:lstStyle/>
+          <a:p>
+            <a:pPr marL="0" indent="0">
+              <a:buNone/>
+            </a:pPr>
+            <a:r>
+              <a:rPr lang="en-US" sz="3200" b="1" dirty="0">
+                <a:solidFill>
+                  <a:srgbClr val="C00000"/>
+                </a:solidFill>
+              </a:rPr>
+              <a:t>UNIT-II</a:t>
+            </a:r>
+            <a:r>
+              <a:rPr lang="en-IN" sz="3200" b="1" dirty="0">
+                <a:solidFill>
+                  <a:srgbClr val="C00000"/>
+                </a:solidFill>
+              </a:rPr>
+              <a:t>:</a:t>
+            </a:r>
+          </a:p>
+          <a:p>
+            <a:pPr marL="0" indent="0">
+              <a:buNone/>
+            </a:pPr>
+            <a:r>
+              <a:rPr lang="en-IN" sz="3200" b="1" dirty="0"/>
+              <a:t>Node.JS Basics:</a:t>
+            </a:r>
+            <a:r>
+              <a:rPr lang="en-IN" sz="3200" dirty="0"/>
+              <a:t> </a:t>
+            </a:r>
+            <a:r>
+              <a:rPr lang="en-IN" sz="3200" b="1" dirty="0"/>
+              <a:t>Primitive Types</a:t>
+            </a:r>
+            <a:r>
+              <a:rPr lang="en-IN" sz="3200" dirty="0"/>
+              <a:t>, </a:t>
+            </a:r>
+            <a:r>
+              <a:rPr lang="en-IN" sz="3200" b="1" dirty="0"/>
+              <a:t>Object Literal, Functions</a:t>
+            </a:r>
+            <a:r>
+              <a:rPr lang="en-IN" sz="3200" dirty="0"/>
+              <a:t>, </a:t>
+            </a:r>
+            <a:r>
+              <a:rPr lang="en-IN" sz="3200" b="1" dirty="0"/>
+              <a:t>Buffer</a:t>
+            </a:r>
+            <a:r>
+              <a:rPr lang="en-IN" sz="3200" dirty="0"/>
+              <a:t>, </a:t>
+            </a:r>
+            <a:r>
+              <a:rPr lang="en-IN" sz="3200" b="1" dirty="0"/>
+              <a:t>Access Global Scope. </a:t>
+            </a:r>
+          </a:p>
+          <a:p>
+            <a:pPr marL="0" indent="0">
+              <a:buNone/>
+            </a:pPr>
+            <a:r>
+              <a:rPr lang="en-IN" sz="3200" b="1" dirty="0"/>
+              <a:t>Node.JS Modules: </a:t>
+            </a:r>
+            <a:r>
+              <a:rPr lang="en-IN" sz="3200" dirty="0"/>
+              <a:t>Module, Module Types: Core Modules, Local Modules, Third Party Modules, Module Exports. Using Modules in a Node.js File, Using the Built in HTTP, URL, Query String Module, Creating a Custom Module.</a:t>
+            </a:r>
+          </a:p>
+          <a:p>
+            <a:pPr marL="0" indent="0">
+              <a:buNone/>
+            </a:pPr>
+            <a:r>
+              <a:rPr lang="en-IN" sz="3200" b="1" dirty="0"/>
+              <a:t>Node Package Manager:</a:t>
+            </a:r>
+            <a:r>
+              <a:rPr lang="en-IN" sz="3200" dirty="0"/>
+              <a:t> NPM, Installing Packages Locally, Adding dependency in </a:t>
+            </a:r>
+            <a:r>
+              <a:rPr lang="en-IN" sz="3200" dirty="0" err="1"/>
+              <a:t>package.json</a:t>
+            </a:r>
+            <a:r>
+              <a:rPr lang="en-IN" sz="3200" dirty="0"/>
+              <a:t>, Installing packages globally, Updating packages. </a:t>
+            </a:r>
+          </a:p>
+        </p:txBody>
+      </p:sp>
+    </p:spTree>
+    <p:extLst>
+      <p:ext uri="{BB962C8B-B14F-4D97-AF65-F5344CB8AC3E}">
+        <p14:creationId xmlns:p14="http://schemas.microsoft.com/office/powerpoint/2010/main" val="160778972"/>
       </p:ext>
     </p:extLst>
   </p:cSld>

--- a/Theory CLass Notes/Unit-2.pptx
+++ b/Theory CLass Notes/Unit-2.pptx
@@ -5,7 +5,7 @@
     <p:sldMasterId id="2147483710" r:id="rId1"/>
   </p:sldMasterIdLst>
   <p:notesMasterIdLst>
-    <p:notesMasterId r:id="rId31"/>
+    <p:notesMasterId r:id="rId44"/>
   </p:notesMasterIdLst>
   <p:sldIdLst>
     <p:sldId id="282" r:id="rId2"/>
@@ -35,8 +35,21 @@
     <p:sldId id="307" r:id="rId26"/>
     <p:sldId id="306" r:id="rId27"/>
     <p:sldId id="309" r:id="rId28"/>
-    <p:sldId id="301" r:id="rId29"/>
-    <p:sldId id="310" r:id="rId30"/>
+    <p:sldId id="310" r:id="rId29"/>
+    <p:sldId id="311" r:id="rId30"/>
+    <p:sldId id="312" r:id="rId31"/>
+    <p:sldId id="313" r:id="rId32"/>
+    <p:sldId id="314" r:id="rId33"/>
+    <p:sldId id="315" r:id="rId34"/>
+    <p:sldId id="320" r:id="rId35"/>
+    <p:sldId id="316" r:id="rId36"/>
+    <p:sldId id="317" r:id="rId37"/>
+    <p:sldId id="318" r:id="rId38"/>
+    <p:sldId id="319" r:id="rId39"/>
+    <p:sldId id="301" r:id="rId40"/>
+    <p:sldId id="321" r:id="rId41"/>
+    <p:sldId id="322" r:id="rId42"/>
+    <p:sldId id="323" r:id="rId43"/>
   </p:sldIdLst>
   <p:sldSz cx="12192000" cy="6858000"/>
   <p:notesSz cx="6858000" cy="9144000"/>
@@ -8189,22 +8202,32 @@
         </p:nvSpPr>
         <p:spPr>
           <a:xfrm>
-            <a:off x="777240" y="674914"/>
-            <a:ext cx="10659110" cy="5502049"/>
+            <a:off x="2288797" y="1962598"/>
+            <a:ext cx="7614405" cy="1466402"/>
           </a:xfrm>
         </p:spPr>
         <p:txBody>
-          <a:bodyPr/>
+          <a:bodyPr>
+            <a:normAutofit/>
+          </a:bodyPr>
           <a:lstStyle/>
           <a:p>
             <a:pPr marL="0" indent="0">
               <a:buNone/>
             </a:pPr>
             <a:r>
-              <a:rPr lang="en-IN" sz="2000" b="1" dirty="0"/>
-              <a:t>Node.JS Modules</a:t>
-            </a:r>
-            <a:endParaRPr lang="en-IN" dirty="0"/>
+              <a:rPr lang="en-IN" sz="8000" b="1" dirty="0">
+                <a:solidFill>
+                  <a:srgbClr val="002060"/>
+                </a:solidFill>
+              </a:rPr>
+              <a:t>Node.js Modules</a:t>
+            </a:r>
+            <a:endParaRPr lang="en-IN" sz="8000" dirty="0">
+              <a:solidFill>
+                <a:srgbClr val="002060"/>
+              </a:solidFill>
+            </a:endParaRPr>
           </a:p>
         </p:txBody>
       </p:sp>
@@ -8682,8 +8705,8 @@
         </p:nvSpPr>
         <p:spPr>
           <a:xfrm>
-            <a:off x="777240" y="674914"/>
-            <a:ext cx="11120846" cy="5502049"/>
+            <a:off x="777240" y="968828"/>
+            <a:ext cx="11120846" cy="4147457"/>
           </a:xfrm>
         </p:spPr>
         <p:txBody>
@@ -8710,7 +8733,19 @@
             </a:r>
             <a:r>
               <a:rPr lang="en-US" sz="2400" dirty="0"/>
-              <a:t>These are modules that are included with Node.js and provide basic functionality. Examples include fs (file system), http (HTTP server), </a:t>
+              <a:t>These are modules that are </a:t>
+            </a:r>
+            <a:r>
+              <a:rPr lang="en-US" sz="2400" b="1" dirty="0">
+                <a:solidFill>
+                  <a:srgbClr val="C00000"/>
+                </a:solidFill>
+              </a:rPr>
+              <a:t>included with Node.js </a:t>
+            </a:r>
+            <a:r>
+              <a:rPr lang="en-US" sz="2400" dirty="0"/>
+              <a:t>and provide basic functionality. Examples include fs (file system), http (HTTP server), </a:t>
             </a:r>
             <a:r>
               <a:rPr lang="en-US" sz="2400" dirty="0" err="1"/>
@@ -8731,7 +8766,19 @@
             </a:r>
             <a:r>
               <a:rPr lang="en-US" sz="2400" dirty="0"/>
-              <a:t>These are modules that you create in your Node.js application. You can create a local module by defining a JavaScript file and using </a:t>
+              <a:t>These are modules that </a:t>
+            </a:r>
+            <a:r>
+              <a:rPr lang="en-US" sz="2400" b="1" dirty="0">
+                <a:solidFill>
+                  <a:srgbClr val="C00000"/>
+                </a:solidFill>
+              </a:rPr>
+              <a:t>you create </a:t>
+            </a:r>
+            <a:r>
+              <a:rPr lang="en-US" sz="2400" dirty="0"/>
+              <a:t>in your Node.js application. You can create a local module by defining a JavaScript file and using </a:t>
             </a:r>
             <a:r>
               <a:rPr lang="en-US" sz="2400" dirty="0" err="1"/>
@@ -8752,7 +8799,31 @@
             </a:r>
             <a:r>
               <a:rPr lang="en-US" sz="2400" dirty="0"/>
-              <a:t>These are modules created by third-party developers and are not included with Node.js. You can install third-party modules using </a:t>
+              <a:t>These are modules created by </a:t>
+            </a:r>
+            <a:r>
+              <a:rPr lang="en-US" sz="2400" b="1" dirty="0">
+                <a:solidFill>
+                  <a:srgbClr val="C00000"/>
+                </a:solidFill>
+              </a:rPr>
+              <a:t>third-party developers </a:t>
+            </a:r>
+            <a:r>
+              <a:rPr lang="en-US" sz="2400" dirty="0"/>
+              <a:t>and are </a:t>
+            </a:r>
+            <a:r>
+              <a:rPr lang="en-US" sz="2400" b="1" dirty="0">
+                <a:solidFill>
+                  <a:srgbClr val="C00000"/>
+                </a:solidFill>
+              </a:rPr>
+              <a:t>not included with Node.js</a:t>
+            </a:r>
+            <a:r>
+              <a:rPr lang="en-US" sz="2400" dirty="0"/>
+              <a:t>. You can install third-party modules using </a:t>
             </a:r>
             <a:r>
               <a:rPr lang="en-US" sz="2400" dirty="0" err="1"/>
@@ -8821,17 +8892,186 @@
         <p:spPr>
           <a:xfrm>
             <a:off x="777240" y="674914"/>
-            <a:ext cx="10659110" cy="5502049"/>
+            <a:ext cx="10659110" cy="5627915"/>
           </a:xfrm>
         </p:spPr>
         <p:txBody>
-          <a:bodyPr/>
+          <a:bodyPr>
+            <a:normAutofit/>
+          </a:bodyPr>
           <a:lstStyle/>
           <a:p>
             <a:pPr marL="0" indent="0">
               <a:buNone/>
             </a:pPr>
-            <a:endParaRPr lang="en-IN" dirty="0"/>
+            <a:r>
+              <a:rPr lang="en-US" sz="2800" b="1" dirty="0"/>
+              <a:t>Core Modules</a:t>
+            </a:r>
+            <a:r>
+              <a:rPr lang="en-US" sz="2800" dirty="0"/>
+              <a:t> :</a:t>
+            </a:r>
+          </a:p>
+          <a:p>
+            <a:pPr marL="0" indent="0">
+              <a:buNone/>
+            </a:pPr>
+            <a:r>
+              <a:rPr lang="en-US" sz="2400" dirty="0"/>
+              <a:t>In Node.js, </a:t>
+            </a:r>
+            <a:r>
+              <a:rPr lang="en-US" sz="2400" b="1" dirty="0"/>
+              <a:t>Core Modules</a:t>
+            </a:r>
+            <a:r>
+              <a:rPr lang="en-US" sz="2400" dirty="0"/>
+              <a:t> are the </a:t>
+            </a:r>
+            <a:r>
+              <a:rPr lang="en-US" sz="2400" b="1" dirty="0">
+                <a:solidFill>
+                  <a:srgbClr val="C00000"/>
+                </a:solidFill>
+              </a:rPr>
+              <a:t>built-in modules </a:t>
+            </a:r>
+            <a:r>
+              <a:rPr lang="en-US" sz="2400" dirty="0"/>
+              <a:t>that come </a:t>
+            </a:r>
+            <a:r>
+              <a:rPr lang="en-US" sz="2400" b="1" dirty="0">
+                <a:solidFill>
+                  <a:srgbClr val="C00000"/>
+                </a:solidFill>
+              </a:rPr>
+              <a:t>pre-installed with Node.js</a:t>
+            </a:r>
+            <a:r>
+              <a:rPr lang="en-US" sz="2400" dirty="0"/>
+              <a:t>. These modules provide </a:t>
+            </a:r>
+            <a:r>
+              <a:rPr lang="en-US" sz="2400" b="1" dirty="0"/>
+              <a:t>essential functionalities </a:t>
+            </a:r>
+            <a:r>
+              <a:rPr lang="en-US" sz="2400" dirty="0"/>
+              <a:t>for building applications and eliminate the need for additional installation. They are designed to perform various tasks such as file handling, HTTP operations, cryptography, stream handling, and more.</a:t>
+            </a:r>
+          </a:p>
+          <a:p>
+            <a:pPr marL="0" indent="0">
+              <a:buNone/>
+            </a:pPr>
+            <a:r>
+              <a:rPr lang="en-US" sz="2400" b="1" dirty="0"/>
+              <a:t>Key Features of Core Modules</a:t>
+            </a:r>
+          </a:p>
+          <a:p>
+            <a:pPr>
+              <a:buFont typeface="+mj-lt"/>
+              <a:buAutoNum type="arabicPeriod"/>
+            </a:pPr>
+            <a:r>
+              <a:rPr lang="en-US" sz="2400" b="1" dirty="0"/>
+              <a:t>No Installation Needed</a:t>
+            </a:r>
+            <a:r>
+              <a:rPr lang="en-US" sz="2400" dirty="0"/>
+              <a:t>: Core modules are </a:t>
+            </a:r>
+            <a:r>
+              <a:rPr lang="en-US" sz="2400" b="1" dirty="0">
+                <a:solidFill>
+                  <a:srgbClr val="002060"/>
+                </a:solidFill>
+              </a:rPr>
+              <a:t>part of the Node.js runtime </a:t>
+            </a:r>
+            <a:r>
+              <a:rPr lang="en-US" sz="2400" dirty="0"/>
+              <a:t>and can be used directly without installing any additional packages.</a:t>
+            </a:r>
+          </a:p>
+          <a:p>
+            <a:pPr>
+              <a:buFont typeface="+mj-lt"/>
+              <a:buAutoNum type="arabicPeriod"/>
+            </a:pPr>
+            <a:r>
+              <a:rPr lang="en-US" sz="2400" b="1" dirty="0"/>
+              <a:t>High Performance</a:t>
+            </a:r>
+            <a:r>
+              <a:rPr lang="en-US" sz="2400" dirty="0"/>
+              <a:t>: These modules are written in </a:t>
+            </a:r>
+            <a:r>
+              <a:rPr lang="en-US" sz="2400" b="1" dirty="0">
+                <a:solidFill>
+                  <a:srgbClr val="002060"/>
+                </a:solidFill>
+              </a:rPr>
+              <a:t>C++ </a:t>
+            </a:r>
+            <a:r>
+              <a:rPr lang="en-US" sz="2400" dirty="0"/>
+              <a:t>for better performance and are optimized for Node.js.</a:t>
+            </a:r>
+          </a:p>
+          <a:p>
+            <a:pPr>
+              <a:buFont typeface="+mj-lt"/>
+              <a:buAutoNum type="arabicPeriod"/>
+            </a:pPr>
+            <a:r>
+              <a:rPr lang="en-US" sz="2400" b="1" dirty="0"/>
+              <a:t>Global Availability</a:t>
+            </a:r>
+            <a:r>
+              <a:rPr lang="en-US" sz="2400" dirty="0"/>
+              <a:t>: Core modules can be imported and used in any Node.js application.</a:t>
+            </a:r>
+          </a:p>
+          <a:p>
+            <a:pPr>
+              <a:buFont typeface="+mj-lt"/>
+              <a:buAutoNum type="arabicPeriod"/>
+            </a:pPr>
+            <a:r>
+              <a:rPr lang="en-US" sz="2400" b="1" dirty="0"/>
+              <a:t>Common Core Modules: </a:t>
+            </a:r>
+            <a:r>
+              <a:rPr lang="en-US" sz="2400" dirty="0"/>
+              <a:t>fs(File System), http, </a:t>
+            </a:r>
+            <a:r>
+              <a:rPr lang="en-US" sz="2400" dirty="0" err="1"/>
+              <a:t>url</a:t>
+            </a:r>
+            <a:r>
+              <a:rPr lang="en-US" sz="2400" dirty="0"/>
+              <a:t>, path, </a:t>
+            </a:r>
+            <a:r>
+              <a:rPr lang="en-US" sz="2400" dirty="0" err="1"/>
+              <a:t>os</a:t>
+            </a:r>
+            <a:r>
+              <a:rPr lang="en-US" sz="2400" dirty="0"/>
+              <a:t> </a:t>
+            </a:r>
+          </a:p>
+          <a:p>
+            <a:pPr marL="0" indent="0">
+              <a:buNone/>
+            </a:pPr>
+            <a:endParaRPr lang="en-IN" sz="2400" dirty="0"/>
           </a:p>
         </p:txBody>
       </p:sp>
@@ -8849,167 +9089,6 @@
 </file>
 
 <file path=ppt/slides/slide28.xml><?xml version="1.0" encoding="utf-8"?>
-<p:sld xmlns:a="http://schemas.openxmlformats.org/drawingml/2006/main" xmlns:r="http://schemas.openxmlformats.org/officeDocument/2006/relationships" xmlns:p="http://schemas.openxmlformats.org/presentationml/2006/main">
-  <p:cSld>
-    <p:spTree>
-      <p:nvGrpSpPr>
-        <p:cNvPr id="1" name="">
-          <a:extLst>
-            <a:ext uri="{FF2B5EF4-FFF2-40B4-BE49-F238E27FC236}">
-              <a16:creationId xmlns:a16="http://schemas.microsoft.com/office/drawing/2014/main" id="{2DB2F3A6-D7FC-2AE3-DE01-A82EA2371310}"/>
-            </a:ext>
-          </a:extLst>
-        </p:cNvPr>
-        <p:cNvGrpSpPr/>
-        <p:nvPr/>
-      </p:nvGrpSpPr>
-      <p:grpSpPr>
-        <a:xfrm>
-          <a:off x="0" y="0"/>
-          <a:ext cx="0" cy="0"/>
-          <a:chOff x="0" y="0"/>
-          <a:chExt cx="0" cy="0"/>
-        </a:xfrm>
-      </p:grpSpPr>
-      <p:sp>
-        <p:nvSpPr>
-          <p:cNvPr id="3" name="Content Placeholder 2">
-            <a:extLst>
-              <a:ext uri="{FF2B5EF4-FFF2-40B4-BE49-F238E27FC236}">
-                <a16:creationId xmlns:a16="http://schemas.microsoft.com/office/drawing/2014/main" id="{2AAD4EDA-98AC-2D1E-A2B9-32BBDDDB6008}"/>
-              </a:ext>
-            </a:extLst>
-          </p:cNvPr>
-          <p:cNvSpPr>
-            <a:spLocks noGrp="1"/>
-          </p:cNvSpPr>
-          <p:nvPr>
-            <p:ph idx="1"/>
-          </p:nvPr>
-        </p:nvSpPr>
-        <p:spPr>
-          <a:xfrm>
-            <a:off x="702853" y="719137"/>
-            <a:ext cx="10900568" cy="5313801"/>
-          </a:xfrm>
-        </p:spPr>
-        <p:txBody>
-          <a:bodyPr>
-            <a:normAutofit/>
-          </a:bodyPr>
-          <a:lstStyle/>
-          <a:p>
-            <a:pPr marL="0" indent="0">
-              <a:buNone/>
-            </a:pPr>
-            <a:r>
-              <a:rPr lang="en-US" sz="3200" b="1" dirty="0">
-                <a:solidFill>
-                  <a:srgbClr val="C00000"/>
-                </a:solidFill>
-              </a:rPr>
-              <a:t>UNIT-II</a:t>
-            </a:r>
-            <a:r>
-              <a:rPr lang="en-IN" sz="3200" b="1" dirty="0">
-                <a:solidFill>
-                  <a:srgbClr val="C00000"/>
-                </a:solidFill>
-              </a:rPr>
-              <a:t>:</a:t>
-            </a:r>
-          </a:p>
-          <a:p>
-            <a:pPr marL="0" indent="0">
-              <a:buNone/>
-            </a:pPr>
-            <a:r>
-              <a:rPr lang="en-IN" sz="3200" b="1" dirty="0"/>
-              <a:t>Node.JS Basics:</a:t>
-            </a:r>
-            <a:r>
-              <a:rPr lang="en-IN" sz="3200" dirty="0"/>
-              <a:t> </a:t>
-            </a:r>
-            <a:r>
-              <a:rPr lang="en-IN" sz="3200" b="1" dirty="0"/>
-              <a:t>Primitive Types</a:t>
-            </a:r>
-            <a:r>
-              <a:rPr lang="en-IN" sz="3200" dirty="0"/>
-              <a:t>, </a:t>
-            </a:r>
-            <a:r>
-              <a:rPr lang="en-IN" sz="3200" b="1" dirty="0"/>
-              <a:t>Object Literal, Functions</a:t>
-            </a:r>
-            <a:r>
-              <a:rPr lang="en-IN" sz="3200" dirty="0"/>
-              <a:t>, </a:t>
-            </a:r>
-            <a:r>
-              <a:rPr lang="en-IN" sz="3200" b="1" dirty="0"/>
-              <a:t>Buffer</a:t>
-            </a:r>
-            <a:r>
-              <a:rPr lang="en-IN" sz="3200" dirty="0"/>
-              <a:t>, </a:t>
-            </a:r>
-            <a:r>
-              <a:rPr lang="en-IN" sz="3200" b="1" dirty="0"/>
-              <a:t>Access Global Scope. </a:t>
-            </a:r>
-          </a:p>
-          <a:p>
-            <a:pPr marL="0" indent="0">
-              <a:buNone/>
-            </a:pPr>
-            <a:r>
-              <a:rPr lang="en-IN" sz="3200" b="1" dirty="0"/>
-              <a:t>Node.JS Modules: </a:t>
-            </a:r>
-            <a:r>
-              <a:rPr lang="en-IN" sz="3200" dirty="0"/>
-              <a:t>Module, Module Types: Core Modules, Local Modules, Third Party Modules, Module Exports. Using Modules in a Node.js File, Using the Built in HTTP, URL, Query String Module, Creating a Custom Module.</a:t>
-            </a:r>
-          </a:p>
-          <a:p>
-            <a:pPr marL="0" indent="0">
-              <a:buNone/>
-            </a:pPr>
-            <a:r>
-              <a:rPr lang="en-IN" sz="3200" b="1" dirty="0"/>
-              <a:t>Node Package Manager:</a:t>
-            </a:r>
-            <a:r>
-              <a:rPr lang="en-IN" sz="3200" dirty="0"/>
-              <a:t> NPM, Installing Packages Locally, Adding dependency in </a:t>
-            </a:r>
-            <a:r>
-              <a:rPr lang="en-IN" sz="3200" dirty="0" err="1"/>
-              <a:t>package.json</a:t>
-            </a:r>
-            <a:r>
-              <a:rPr lang="en-IN" sz="3200" dirty="0"/>
-              <a:t>, Installing packages globally, Updating packages. </a:t>
-            </a:r>
-          </a:p>
-        </p:txBody>
-      </p:sp>
-    </p:spTree>
-    <p:extLst>
-      <p:ext uri="{BB962C8B-B14F-4D97-AF65-F5344CB8AC3E}">
-        <p14:creationId xmlns:p14="http://schemas.microsoft.com/office/powerpoint/2010/main" val="160778972"/>
-      </p:ext>
-    </p:extLst>
-  </p:cSld>
-  <p:clrMapOvr>
-    <a:masterClrMapping/>
-  </p:clrMapOvr>
-</p:sld>
-</file>
-
-<file path=ppt/slides/slide29.xml><?xml version="1.0" encoding="utf-8"?>
 <p:sld xmlns:a="http://schemas.openxmlformats.org/drawingml/2006/main" xmlns:r="http://schemas.openxmlformats.org/officeDocument/2006/relationships" xmlns:p="http://schemas.openxmlformats.org/presentationml/2006/main">
   <p:cSld>
     <p:spTree>
@@ -9055,20 +9134,347 @@
           </a:xfrm>
         </p:spPr>
         <p:txBody>
-          <a:bodyPr/>
+          <a:bodyPr>
+            <a:normAutofit/>
+          </a:bodyPr>
           <a:lstStyle/>
           <a:p>
             <a:pPr marL="0" indent="0">
               <a:buNone/>
             </a:pPr>
-            <a:endParaRPr lang="en-IN" dirty="0"/>
+            <a:r>
+              <a:rPr lang="en-US" sz="2400" b="1" dirty="0"/>
+              <a:t>Using Core Modules:</a:t>
+            </a:r>
+          </a:p>
+          <a:p>
+            <a:pPr marL="0" indent="0">
+              <a:buNone/>
+            </a:pPr>
+            <a:r>
+              <a:rPr lang="en-US" sz="2400" dirty="0"/>
+              <a:t>To use a core module in Node.js, you import it using the </a:t>
+            </a:r>
+            <a:r>
+              <a:rPr lang="en-US" sz="2400" b="1" dirty="0">
+                <a:solidFill>
+                  <a:srgbClr val="C00000"/>
+                </a:solidFill>
+              </a:rPr>
+              <a:t>require</a:t>
+            </a:r>
+            <a:r>
+              <a:rPr lang="en-US" sz="2400" b="1" dirty="0"/>
+              <a:t>() function</a:t>
+            </a:r>
+            <a:r>
+              <a:rPr lang="en-US" sz="2400" dirty="0"/>
+              <a:t>:</a:t>
+            </a:r>
+          </a:p>
+          <a:p>
+            <a:pPr marL="0" indent="0">
+              <a:buNone/>
+            </a:pPr>
+            <a:endParaRPr lang="en-IN" sz="2400" dirty="0"/>
           </a:p>
         </p:txBody>
       </p:sp>
+      <p:pic>
+        <p:nvPicPr>
+          <p:cNvPr id="4" name="Picture 3">
+            <a:extLst>
+              <a:ext uri="{FF2B5EF4-FFF2-40B4-BE49-F238E27FC236}">
+                <a16:creationId xmlns:a16="http://schemas.microsoft.com/office/drawing/2014/main" id="{63C4618B-96C6-E471-F325-AACDAE3E2924}"/>
+              </a:ext>
+            </a:extLst>
+          </p:cNvPr>
+          <p:cNvPicPr>
+            <a:picLocks noChangeAspect="1"/>
+          </p:cNvPicPr>
+          <p:nvPr/>
+        </p:nvPicPr>
+        <p:blipFill>
+          <a:blip r:embed="rId2"/>
+          <a:stretch>
+            <a:fillRect/>
+          </a:stretch>
+        </p:blipFill>
+        <p:spPr>
+          <a:xfrm>
+            <a:off x="1356457" y="2332314"/>
+            <a:ext cx="8003705" cy="791886"/>
+          </a:xfrm>
+          <a:prstGeom prst="rect">
+            <a:avLst/>
+          </a:prstGeom>
+        </p:spPr>
+      </p:pic>
     </p:spTree>
     <p:extLst>
       <p:ext uri="{BB962C8B-B14F-4D97-AF65-F5344CB8AC3E}">
         <p14:creationId xmlns:p14="http://schemas.microsoft.com/office/powerpoint/2010/main" val="1739931258"/>
+      </p:ext>
+    </p:extLst>
+  </p:cSld>
+  <p:clrMapOvr>
+    <a:masterClrMapping/>
+  </p:clrMapOvr>
+</p:sld>
+</file>
+
+<file path=ppt/slides/slide29.xml><?xml version="1.0" encoding="utf-8"?>
+<p:sld xmlns:a="http://schemas.openxmlformats.org/drawingml/2006/main" xmlns:r="http://schemas.openxmlformats.org/officeDocument/2006/relationships" xmlns:p="http://schemas.openxmlformats.org/presentationml/2006/main">
+  <p:cSld>
+    <p:spTree>
+      <p:nvGrpSpPr>
+        <p:cNvPr id="1" name="">
+          <a:extLst>
+            <a:ext uri="{FF2B5EF4-FFF2-40B4-BE49-F238E27FC236}">
+              <a16:creationId xmlns:a16="http://schemas.microsoft.com/office/drawing/2014/main" id="{408FEB69-7BD6-3807-0B17-EA2C71F4B1AD}"/>
+            </a:ext>
+          </a:extLst>
+        </p:cNvPr>
+        <p:cNvGrpSpPr/>
+        <p:nvPr/>
+      </p:nvGrpSpPr>
+      <p:grpSpPr>
+        <a:xfrm>
+          <a:off x="0" y="0"/>
+          <a:ext cx="0" cy="0"/>
+          <a:chOff x="0" y="0"/>
+          <a:chExt cx="0" cy="0"/>
+        </a:xfrm>
+      </p:grpSpPr>
+      <p:sp>
+        <p:nvSpPr>
+          <p:cNvPr id="3" name="Content Placeholder 2">
+            <a:extLst>
+              <a:ext uri="{FF2B5EF4-FFF2-40B4-BE49-F238E27FC236}">
+                <a16:creationId xmlns:a16="http://schemas.microsoft.com/office/drawing/2014/main" id="{1CFD73A1-C48A-9126-F091-849EB7A68A87}"/>
+              </a:ext>
+            </a:extLst>
+          </p:cNvPr>
+          <p:cNvSpPr>
+            <a:spLocks noGrp="1"/>
+          </p:cNvSpPr>
+          <p:nvPr>
+            <p:ph idx="1"/>
+          </p:nvPr>
+        </p:nvSpPr>
+        <p:spPr>
+          <a:xfrm>
+            <a:off x="766445" y="469521"/>
+            <a:ext cx="10659110" cy="5502049"/>
+          </a:xfrm>
+        </p:spPr>
+        <p:txBody>
+          <a:bodyPr/>
+          <a:lstStyle/>
+          <a:p>
+            <a:pPr marL="0" indent="0">
+              <a:buNone/>
+            </a:pPr>
+            <a:r>
+              <a:rPr lang="en-US" b="1" dirty="0"/>
+              <a:t>Example:</a:t>
+            </a:r>
+          </a:p>
+          <a:p>
+            <a:pPr marL="0" indent="0">
+              <a:buNone/>
+            </a:pPr>
+            <a:r>
+              <a:rPr lang="en-US" b="1" dirty="0"/>
+              <a:t>1. fs (File System)</a:t>
+            </a:r>
+            <a:r>
+              <a:rPr lang="en-US" dirty="0"/>
+              <a:t>: Used for </a:t>
+            </a:r>
+            <a:r>
+              <a:rPr lang="en-US" b="1" dirty="0">
+                <a:solidFill>
+                  <a:srgbClr val="C00000"/>
+                </a:solidFill>
+              </a:rPr>
+              <a:t>handling file operations </a:t>
+            </a:r>
+            <a:r>
+              <a:rPr lang="en-US" dirty="0"/>
+              <a:t>such as reading, writing, and deleting files.</a:t>
+            </a:r>
+          </a:p>
+          <a:p>
+            <a:pPr marL="0" indent="0">
+              <a:buNone/>
+            </a:pPr>
+            <a:endParaRPr lang="en-IN" dirty="0"/>
+          </a:p>
+          <a:p>
+            <a:pPr marL="0" indent="0">
+              <a:buNone/>
+            </a:pPr>
+            <a:endParaRPr lang="en-IN" dirty="0"/>
+          </a:p>
+          <a:p>
+            <a:pPr marL="0" indent="0">
+              <a:buNone/>
+            </a:pPr>
+            <a:endParaRPr lang="en-IN" dirty="0"/>
+          </a:p>
+          <a:p>
+            <a:pPr marL="0" indent="0">
+              <a:buNone/>
+            </a:pPr>
+            <a:endParaRPr lang="en-IN" dirty="0"/>
+          </a:p>
+          <a:p>
+            <a:pPr marL="0" indent="0">
+              <a:buNone/>
+            </a:pPr>
+            <a:endParaRPr lang="en-IN" dirty="0"/>
+          </a:p>
+          <a:p>
+            <a:pPr marL="0" indent="0">
+              <a:buNone/>
+            </a:pPr>
+            <a:r>
+              <a:rPr lang="en-IN" b="1" dirty="0"/>
+              <a:t>2. </a:t>
+            </a:r>
+            <a:r>
+              <a:rPr lang="en-US" b="1" dirty="0"/>
+              <a:t>http: </a:t>
+            </a:r>
+            <a:r>
+              <a:rPr lang="en-US" dirty="0"/>
+              <a:t>Used to create and manage </a:t>
+            </a:r>
+            <a:r>
+              <a:rPr lang="en-US" b="1" dirty="0"/>
+              <a:t>HTTP servers </a:t>
+            </a:r>
+            <a:r>
+              <a:rPr lang="en-US" dirty="0"/>
+              <a:t>and handle </a:t>
+            </a:r>
+            <a:r>
+              <a:rPr lang="en-US" b="1" dirty="0">
+                <a:solidFill>
+                  <a:srgbClr val="C00000"/>
+                </a:solidFill>
+              </a:rPr>
+              <a:t>HTTP</a:t>
+            </a:r>
+            <a:r>
+              <a:rPr lang="en-US" dirty="0">
+                <a:solidFill>
+                  <a:srgbClr val="C00000"/>
+                </a:solidFill>
+              </a:rPr>
+              <a:t> </a:t>
+            </a:r>
+            <a:r>
+              <a:rPr lang="en-US" b="1" dirty="0">
+                <a:solidFill>
+                  <a:srgbClr val="C00000"/>
+                </a:solidFill>
+              </a:rPr>
+              <a:t>requests</a:t>
+            </a:r>
+            <a:r>
+              <a:rPr lang="en-US" dirty="0">
+                <a:solidFill>
+                  <a:srgbClr val="C00000"/>
+                </a:solidFill>
+              </a:rPr>
+              <a:t> </a:t>
+            </a:r>
+            <a:r>
+              <a:rPr lang="en-US" dirty="0"/>
+              <a:t>and </a:t>
+            </a:r>
+            <a:r>
+              <a:rPr lang="en-US" b="1" dirty="0">
+                <a:solidFill>
+                  <a:srgbClr val="C00000"/>
+                </a:solidFill>
+              </a:rPr>
+              <a:t>responses</a:t>
+            </a:r>
+            <a:r>
+              <a:rPr lang="en-US" dirty="0"/>
+              <a:t>.</a:t>
+            </a:r>
+            <a:endParaRPr lang="en-IN" dirty="0"/>
+          </a:p>
+        </p:txBody>
+      </p:sp>
+      <p:pic>
+        <p:nvPicPr>
+          <p:cNvPr id="4" name="Picture 3">
+            <a:extLst>
+              <a:ext uri="{FF2B5EF4-FFF2-40B4-BE49-F238E27FC236}">
+                <a16:creationId xmlns:a16="http://schemas.microsoft.com/office/drawing/2014/main" id="{1712B974-52AC-4033-ED22-533B95D6C07D}"/>
+              </a:ext>
+            </a:extLst>
+          </p:cNvPr>
+          <p:cNvPicPr>
+            <a:picLocks noChangeAspect="1"/>
+          </p:cNvPicPr>
+          <p:nvPr/>
+        </p:nvPicPr>
+        <p:blipFill>
+          <a:blip r:embed="rId2"/>
+          <a:stretch>
+            <a:fillRect/>
+          </a:stretch>
+        </p:blipFill>
+        <p:spPr>
+          <a:xfrm>
+            <a:off x="1548296" y="1310562"/>
+            <a:ext cx="6191448" cy="1740629"/>
+          </a:xfrm>
+          <a:prstGeom prst="rect">
+            <a:avLst/>
+          </a:prstGeom>
+        </p:spPr>
+      </p:pic>
+      <p:pic>
+        <p:nvPicPr>
+          <p:cNvPr id="6" name="Picture 5">
+            <a:extLst>
+              <a:ext uri="{FF2B5EF4-FFF2-40B4-BE49-F238E27FC236}">
+                <a16:creationId xmlns:a16="http://schemas.microsoft.com/office/drawing/2014/main" id="{BF83B230-A72C-21EE-5F27-1FABF8BA38D9}"/>
+              </a:ext>
+            </a:extLst>
+          </p:cNvPr>
+          <p:cNvPicPr>
+            <a:picLocks noChangeAspect="1"/>
+          </p:cNvPicPr>
+          <p:nvPr/>
+        </p:nvPicPr>
+        <p:blipFill>
+          <a:blip r:embed="rId3"/>
+          <a:stretch>
+            <a:fillRect/>
+          </a:stretch>
+        </p:blipFill>
+        <p:spPr>
+          <a:xfrm>
+            <a:off x="1548296" y="3745764"/>
+            <a:ext cx="8815457" cy="2457330"/>
+          </a:xfrm>
+          <a:prstGeom prst="rect">
+            <a:avLst/>
+          </a:prstGeom>
+        </p:spPr>
+      </p:pic>
+    </p:spTree>
+    <p:extLst>
+      <p:ext uri="{BB962C8B-B14F-4D97-AF65-F5344CB8AC3E}">
+        <p14:creationId xmlns:p14="http://schemas.microsoft.com/office/powerpoint/2010/main" val="2838800158"/>
       </p:ext>
     </p:extLst>
   </p:cSld>
@@ -9439,6 +9845,1958 @@
 </p:sld>
 </file>
 
+<file path=ppt/slides/slide30.xml><?xml version="1.0" encoding="utf-8"?>
+<p:sld xmlns:a="http://schemas.openxmlformats.org/drawingml/2006/main" xmlns:r="http://schemas.openxmlformats.org/officeDocument/2006/relationships" xmlns:p="http://schemas.openxmlformats.org/presentationml/2006/main">
+  <p:cSld>
+    <p:spTree>
+      <p:nvGrpSpPr>
+        <p:cNvPr id="1" name="">
+          <a:extLst>
+            <a:ext uri="{FF2B5EF4-FFF2-40B4-BE49-F238E27FC236}">
+              <a16:creationId xmlns:a16="http://schemas.microsoft.com/office/drawing/2014/main" id="{63875F5F-2FC0-2CA4-C69F-AA5455F30B52}"/>
+            </a:ext>
+          </a:extLst>
+        </p:cNvPr>
+        <p:cNvGrpSpPr/>
+        <p:nvPr/>
+      </p:nvGrpSpPr>
+      <p:grpSpPr>
+        <a:xfrm>
+          <a:off x="0" y="0"/>
+          <a:ext cx="0" cy="0"/>
+          <a:chOff x="0" y="0"/>
+          <a:chExt cx="0" cy="0"/>
+        </a:xfrm>
+      </p:grpSpPr>
+      <p:sp>
+        <p:nvSpPr>
+          <p:cNvPr id="3" name="Content Placeholder 2">
+            <a:extLst>
+              <a:ext uri="{FF2B5EF4-FFF2-40B4-BE49-F238E27FC236}">
+                <a16:creationId xmlns:a16="http://schemas.microsoft.com/office/drawing/2014/main" id="{411785FC-CF7A-2BDA-F499-ADEA8A423685}"/>
+              </a:ext>
+            </a:extLst>
+          </p:cNvPr>
+          <p:cNvSpPr>
+            <a:spLocks noGrp="1"/>
+          </p:cNvSpPr>
+          <p:nvPr>
+            <p:ph idx="1"/>
+          </p:nvPr>
+        </p:nvSpPr>
+        <p:spPr>
+          <a:xfrm>
+            <a:off x="766445" y="1001485"/>
+            <a:ext cx="10659110" cy="4855029"/>
+          </a:xfrm>
+        </p:spPr>
+        <p:txBody>
+          <a:bodyPr>
+            <a:normAutofit/>
+          </a:bodyPr>
+          <a:lstStyle/>
+          <a:p>
+            <a:pPr marL="0" indent="0">
+              <a:buNone/>
+            </a:pPr>
+            <a:r>
+              <a:rPr lang="en-US" sz="2400" b="1" dirty="0"/>
+              <a:t>2. Local Modules:</a:t>
+            </a:r>
+          </a:p>
+          <a:p>
+            <a:pPr marL="0" indent="0">
+              <a:buNone/>
+            </a:pPr>
+            <a:r>
+              <a:rPr lang="en-US" sz="2400" dirty="0"/>
+              <a:t>Local Modules in Node.js are </a:t>
+            </a:r>
+            <a:r>
+              <a:rPr lang="en-US" sz="2400" b="1" dirty="0">
+                <a:solidFill>
+                  <a:srgbClr val="C00000"/>
+                </a:solidFill>
+              </a:rPr>
+              <a:t>custom modules </a:t>
+            </a:r>
+            <a:r>
+              <a:rPr lang="en-US" sz="2400" b="1" dirty="0"/>
+              <a:t>created by developers </a:t>
+            </a:r>
+            <a:r>
+              <a:rPr lang="en-US" sz="2400" dirty="0"/>
+              <a:t>to </a:t>
+            </a:r>
+            <a:r>
+              <a:rPr lang="en-US" sz="2400" b="1" dirty="0">
+                <a:solidFill>
+                  <a:srgbClr val="C00000"/>
+                </a:solidFill>
+              </a:rPr>
+              <a:t>encapsulate</a:t>
+            </a:r>
+            <a:r>
+              <a:rPr lang="en-US" sz="2400" dirty="0"/>
+              <a:t> specific functionality within their applications. Unlike core modules (built into Node.js) or third-party modules (installed via </a:t>
+            </a:r>
+            <a:r>
+              <a:rPr lang="en-US" sz="2400" dirty="0" err="1"/>
+              <a:t>npm</a:t>
+            </a:r>
+            <a:r>
+              <a:rPr lang="en-US" sz="2400" dirty="0"/>
+              <a:t>), </a:t>
+            </a:r>
+            <a:r>
+              <a:rPr lang="en-US" sz="2400" b="1" dirty="0"/>
+              <a:t>local modules are </a:t>
+            </a:r>
+            <a:r>
+              <a:rPr lang="en-US" sz="2400" b="1" dirty="0">
+                <a:solidFill>
+                  <a:srgbClr val="002060"/>
+                </a:solidFill>
+              </a:rPr>
+              <a:t>part of your project</a:t>
+            </a:r>
+            <a:r>
+              <a:rPr lang="en-US" sz="2400" dirty="0"/>
+              <a:t>, often created to organize and reuse code.</a:t>
+            </a:r>
+          </a:p>
+          <a:p>
+            <a:pPr marL="0" indent="0">
+              <a:buNone/>
+            </a:pPr>
+            <a:endParaRPr lang="en-US" sz="2400" dirty="0"/>
+          </a:p>
+          <a:p>
+            <a:pPr marL="0" indent="0">
+              <a:buNone/>
+            </a:pPr>
+            <a:r>
+              <a:rPr lang="en-US" sz="2400" b="1" dirty="0"/>
+              <a:t>Characteristics of Local Modules:</a:t>
+            </a:r>
+          </a:p>
+          <a:p>
+            <a:r>
+              <a:rPr lang="en-US" sz="2400" b="1" dirty="0"/>
+              <a:t>Custom-built: </a:t>
+            </a:r>
+            <a:r>
+              <a:rPr lang="en-US" sz="2400" dirty="0"/>
+              <a:t>Designed to address specific requirements of the application.</a:t>
+            </a:r>
+          </a:p>
+          <a:p>
+            <a:r>
+              <a:rPr lang="en-US" sz="2400" b="1" dirty="0"/>
+              <a:t>Reusable: </a:t>
+            </a:r>
+            <a:r>
+              <a:rPr lang="en-US" sz="2400" dirty="0"/>
+              <a:t>Can be </a:t>
+            </a:r>
+            <a:r>
+              <a:rPr lang="en-US" sz="2400" b="1" dirty="0"/>
+              <a:t>imported</a:t>
+            </a:r>
+            <a:r>
+              <a:rPr lang="en-US" sz="2400" dirty="0"/>
+              <a:t> and </a:t>
+            </a:r>
+            <a:r>
+              <a:rPr lang="en-US" sz="2400" b="1" dirty="0"/>
+              <a:t>used</a:t>
+            </a:r>
+            <a:r>
+              <a:rPr lang="en-US" sz="2400" dirty="0"/>
+              <a:t> across different parts of the project.</a:t>
+            </a:r>
+          </a:p>
+          <a:p>
+            <a:r>
+              <a:rPr lang="en-US" sz="2400" b="1" dirty="0"/>
+              <a:t>File-based: </a:t>
+            </a:r>
+            <a:r>
+              <a:rPr lang="en-US" sz="2400" dirty="0"/>
+              <a:t>Each local module </a:t>
+            </a:r>
+            <a:r>
+              <a:rPr lang="en-US" sz="2400" b="1" dirty="0"/>
+              <a:t>corresponds to a JavaScript file </a:t>
+            </a:r>
+            <a:r>
+              <a:rPr lang="en-US" sz="2400" dirty="0"/>
+              <a:t>or a set of files in your project</a:t>
+            </a:r>
+            <a:endParaRPr lang="en-IN" sz="2400" dirty="0"/>
+          </a:p>
+        </p:txBody>
+      </p:sp>
+    </p:spTree>
+    <p:extLst>
+      <p:ext uri="{BB962C8B-B14F-4D97-AF65-F5344CB8AC3E}">
+        <p14:creationId xmlns:p14="http://schemas.microsoft.com/office/powerpoint/2010/main" val="3279370306"/>
+      </p:ext>
+    </p:extLst>
+  </p:cSld>
+  <p:clrMapOvr>
+    <a:masterClrMapping/>
+  </p:clrMapOvr>
+</p:sld>
+</file>
+
+<file path=ppt/slides/slide31.xml><?xml version="1.0" encoding="utf-8"?>
+<p:sld xmlns:a="http://schemas.openxmlformats.org/drawingml/2006/main" xmlns:r="http://schemas.openxmlformats.org/officeDocument/2006/relationships" xmlns:p="http://schemas.openxmlformats.org/presentationml/2006/main">
+  <p:cSld>
+    <p:spTree>
+      <p:nvGrpSpPr>
+        <p:cNvPr id="1" name="">
+          <a:extLst>
+            <a:ext uri="{FF2B5EF4-FFF2-40B4-BE49-F238E27FC236}">
+              <a16:creationId xmlns:a16="http://schemas.microsoft.com/office/drawing/2014/main" id="{9D583944-3AAC-2EB5-16F5-07ED77E1EC21}"/>
+            </a:ext>
+          </a:extLst>
+        </p:cNvPr>
+        <p:cNvGrpSpPr/>
+        <p:nvPr/>
+      </p:nvGrpSpPr>
+      <p:grpSpPr>
+        <a:xfrm>
+          <a:off x="0" y="0"/>
+          <a:ext cx="0" cy="0"/>
+          <a:chOff x="0" y="0"/>
+          <a:chExt cx="0" cy="0"/>
+        </a:xfrm>
+      </p:grpSpPr>
+      <p:sp>
+        <p:nvSpPr>
+          <p:cNvPr id="3" name="Content Placeholder 2">
+            <a:extLst>
+              <a:ext uri="{FF2B5EF4-FFF2-40B4-BE49-F238E27FC236}">
+                <a16:creationId xmlns:a16="http://schemas.microsoft.com/office/drawing/2014/main" id="{5A8A250C-3D0F-0849-B09B-2A4A159E4F65}"/>
+              </a:ext>
+            </a:extLst>
+          </p:cNvPr>
+          <p:cNvSpPr>
+            <a:spLocks noGrp="1"/>
+          </p:cNvSpPr>
+          <p:nvPr>
+            <p:ph idx="1"/>
+          </p:nvPr>
+        </p:nvSpPr>
+        <p:spPr>
+          <a:xfrm>
+            <a:off x="766445" y="468085"/>
+            <a:ext cx="10659110" cy="5502049"/>
+          </a:xfrm>
+        </p:spPr>
+        <p:txBody>
+          <a:bodyPr>
+            <a:normAutofit/>
+          </a:bodyPr>
+          <a:lstStyle/>
+          <a:p>
+            <a:pPr marL="0" indent="0">
+              <a:buNone/>
+            </a:pPr>
+            <a:r>
+              <a:rPr lang="en-US" sz="2400" b="1" dirty="0"/>
+              <a:t>Creating a Local Module:</a:t>
+            </a:r>
+          </a:p>
+          <a:p>
+            <a:pPr marL="0" indent="0">
+              <a:buNone/>
+            </a:pPr>
+            <a:r>
+              <a:rPr lang="en-US" sz="2400" dirty="0"/>
+              <a:t>A local module is </a:t>
+            </a:r>
+            <a:r>
+              <a:rPr lang="en-US" sz="2400" b="1" dirty="0">
+                <a:solidFill>
+                  <a:srgbClr val="C00000"/>
+                </a:solidFill>
+              </a:rPr>
+              <a:t>just a JavaScript file </a:t>
+            </a:r>
+            <a:r>
+              <a:rPr lang="en-US" sz="2400" dirty="0"/>
+              <a:t>where you define your functionality and </a:t>
+            </a:r>
+            <a:r>
+              <a:rPr lang="en-US" sz="2400" b="1" dirty="0">
+                <a:solidFill>
+                  <a:srgbClr val="C00000"/>
+                </a:solidFill>
+              </a:rPr>
+              <a:t>export</a:t>
+            </a:r>
+            <a:r>
+              <a:rPr lang="en-US" sz="2400" dirty="0"/>
+              <a:t> it using </a:t>
+            </a:r>
+            <a:r>
+              <a:rPr lang="en-US" sz="2400" b="1" dirty="0" err="1">
+                <a:solidFill>
+                  <a:srgbClr val="C00000"/>
+                </a:solidFill>
+              </a:rPr>
+              <a:t>module.exports</a:t>
+            </a:r>
+            <a:r>
+              <a:rPr lang="en-US" sz="2400" dirty="0"/>
+              <a:t> or </a:t>
+            </a:r>
+            <a:r>
+              <a:rPr lang="en-US" sz="2400" b="1" dirty="0">
+                <a:solidFill>
+                  <a:srgbClr val="C00000"/>
+                </a:solidFill>
+              </a:rPr>
+              <a:t>exports</a:t>
+            </a:r>
+            <a:r>
+              <a:rPr lang="en-US" sz="2400" dirty="0"/>
+              <a:t>.</a:t>
+            </a:r>
+          </a:p>
+          <a:p>
+            <a:pPr marL="0" indent="0">
+              <a:buNone/>
+            </a:pPr>
+            <a:r>
+              <a:rPr lang="en-US" sz="2400" b="1" dirty="0"/>
+              <a:t>Example: Creating and Using a Local Module</a:t>
+            </a:r>
+          </a:p>
+          <a:p>
+            <a:pPr marL="0" indent="0">
+              <a:buNone/>
+            </a:pPr>
+            <a:r>
+              <a:rPr lang="en-US" sz="2400" b="1" dirty="0">
+                <a:solidFill>
+                  <a:srgbClr val="002060"/>
+                </a:solidFill>
+              </a:rPr>
+              <a:t>1. Create a File </a:t>
+            </a:r>
+            <a:r>
+              <a:rPr lang="en-US" sz="2400" dirty="0"/>
+              <a:t>for the Module Let's create a module named </a:t>
+            </a:r>
+            <a:r>
+              <a:rPr lang="en-US" sz="2400" b="1" dirty="0">
+                <a:solidFill>
+                  <a:srgbClr val="0070C0"/>
+                </a:solidFill>
+              </a:rPr>
+              <a:t>mathOperations.js</a:t>
+            </a:r>
+            <a:r>
+              <a:rPr lang="en-US" sz="2400" dirty="0"/>
+              <a:t>:</a:t>
+            </a:r>
+          </a:p>
+          <a:p>
+            <a:pPr marL="0" indent="0">
+              <a:buNone/>
+            </a:pPr>
+            <a:endParaRPr lang="en-US" sz="2400" dirty="0"/>
+          </a:p>
+          <a:p>
+            <a:pPr marL="0" indent="0">
+              <a:buNone/>
+            </a:pPr>
+            <a:endParaRPr lang="en-IN" sz="2400" dirty="0"/>
+          </a:p>
+        </p:txBody>
+      </p:sp>
+      <p:pic>
+        <p:nvPicPr>
+          <p:cNvPr id="5" name="Picture 4">
+            <a:extLst>
+              <a:ext uri="{FF2B5EF4-FFF2-40B4-BE49-F238E27FC236}">
+                <a16:creationId xmlns:a16="http://schemas.microsoft.com/office/drawing/2014/main" id="{07051958-C6E9-7D1A-FEAE-D6C900BD7C97}"/>
+              </a:ext>
+            </a:extLst>
+          </p:cNvPr>
+          <p:cNvPicPr>
+            <a:picLocks noChangeAspect="1"/>
+          </p:cNvPicPr>
+          <p:nvPr/>
+        </p:nvPicPr>
+        <p:blipFill>
+          <a:blip r:embed="rId2"/>
+          <a:stretch>
+            <a:fillRect/>
+          </a:stretch>
+        </p:blipFill>
+        <p:spPr>
+          <a:xfrm>
+            <a:off x="3124977" y="2617933"/>
+            <a:ext cx="5942046" cy="3848182"/>
+          </a:xfrm>
+          <a:prstGeom prst="rect">
+            <a:avLst/>
+          </a:prstGeom>
+        </p:spPr>
+      </p:pic>
+    </p:spTree>
+    <p:extLst>
+      <p:ext uri="{BB962C8B-B14F-4D97-AF65-F5344CB8AC3E}">
+        <p14:creationId xmlns:p14="http://schemas.microsoft.com/office/powerpoint/2010/main" val="1417320102"/>
+      </p:ext>
+    </p:extLst>
+  </p:cSld>
+  <p:clrMapOvr>
+    <a:masterClrMapping/>
+  </p:clrMapOvr>
+</p:sld>
+</file>
+
+<file path=ppt/slides/slide32.xml><?xml version="1.0" encoding="utf-8"?>
+<p:sld xmlns:a="http://schemas.openxmlformats.org/drawingml/2006/main" xmlns:r="http://schemas.openxmlformats.org/officeDocument/2006/relationships" xmlns:p="http://schemas.openxmlformats.org/presentationml/2006/main">
+  <p:cSld>
+    <p:spTree>
+      <p:nvGrpSpPr>
+        <p:cNvPr id="1" name="">
+          <a:extLst>
+            <a:ext uri="{FF2B5EF4-FFF2-40B4-BE49-F238E27FC236}">
+              <a16:creationId xmlns:a16="http://schemas.microsoft.com/office/drawing/2014/main" id="{97ECE50E-6AC7-E4AD-07AC-927A70D2A898}"/>
+            </a:ext>
+          </a:extLst>
+        </p:cNvPr>
+        <p:cNvGrpSpPr/>
+        <p:nvPr/>
+      </p:nvGrpSpPr>
+      <p:grpSpPr>
+        <a:xfrm>
+          <a:off x="0" y="0"/>
+          <a:ext cx="0" cy="0"/>
+          <a:chOff x="0" y="0"/>
+          <a:chExt cx="0" cy="0"/>
+        </a:xfrm>
+      </p:grpSpPr>
+      <p:sp>
+        <p:nvSpPr>
+          <p:cNvPr id="3" name="Content Placeholder 2">
+            <a:extLst>
+              <a:ext uri="{FF2B5EF4-FFF2-40B4-BE49-F238E27FC236}">
+                <a16:creationId xmlns:a16="http://schemas.microsoft.com/office/drawing/2014/main" id="{34B2F09B-BF8C-E7A1-F92A-B9BA6E8F6B80}"/>
+              </a:ext>
+            </a:extLst>
+          </p:cNvPr>
+          <p:cNvSpPr>
+            <a:spLocks noGrp="1"/>
+          </p:cNvSpPr>
+          <p:nvPr>
+            <p:ph idx="1"/>
+          </p:nvPr>
+        </p:nvSpPr>
+        <p:spPr>
+          <a:xfrm>
+            <a:off x="777240" y="674914"/>
+            <a:ext cx="10659110" cy="5502049"/>
+          </a:xfrm>
+        </p:spPr>
+        <p:txBody>
+          <a:bodyPr>
+            <a:normAutofit/>
+          </a:bodyPr>
+          <a:lstStyle/>
+          <a:p>
+            <a:pPr marL="0" indent="0">
+              <a:buNone/>
+            </a:pPr>
+            <a:r>
+              <a:rPr lang="en-US" sz="2400" dirty="0"/>
+              <a:t>2. </a:t>
+            </a:r>
+            <a:r>
+              <a:rPr lang="en-US" sz="2400" b="1" dirty="0">
+                <a:solidFill>
+                  <a:srgbClr val="002060"/>
+                </a:solidFill>
+              </a:rPr>
+              <a:t>Import</a:t>
+            </a:r>
+            <a:r>
+              <a:rPr lang="en-US" sz="2400" dirty="0"/>
+              <a:t> and </a:t>
+            </a:r>
+            <a:r>
+              <a:rPr lang="en-US" sz="2400" b="1" dirty="0">
+                <a:solidFill>
+                  <a:srgbClr val="002060"/>
+                </a:solidFill>
+              </a:rPr>
+              <a:t>Use</a:t>
+            </a:r>
+            <a:r>
+              <a:rPr lang="en-US" sz="2400" dirty="0"/>
+              <a:t> the Module Import the module into another file using </a:t>
+            </a:r>
+            <a:r>
+              <a:rPr lang="en-US" sz="2400" b="1" dirty="0">
+                <a:solidFill>
+                  <a:srgbClr val="C00000"/>
+                </a:solidFill>
+              </a:rPr>
+              <a:t>require():</a:t>
+            </a:r>
+            <a:endParaRPr lang="en-IN" sz="2400" b="1" dirty="0">
+              <a:solidFill>
+                <a:srgbClr val="C00000"/>
+              </a:solidFill>
+            </a:endParaRPr>
+          </a:p>
+        </p:txBody>
+      </p:sp>
+      <p:pic>
+        <p:nvPicPr>
+          <p:cNvPr id="5" name="Picture 4">
+            <a:extLst>
+              <a:ext uri="{FF2B5EF4-FFF2-40B4-BE49-F238E27FC236}">
+                <a16:creationId xmlns:a16="http://schemas.microsoft.com/office/drawing/2014/main" id="{D91CC124-A133-74B6-1422-136D0FFCE6A6}"/>
+              </a:ext>
+            </a:extLst>
+          </p:cNvPr>
+          <p:cNvPicPr>
+            <a:picLocks noChangeAspect="1"/>
+          </p:cNvPicPr>
+          <p:nvPr/>
+        </p:nvPicPr>
+        <p:blipFill>
+          <a:blip r:embed="rId2"/>
+          <a:stretch>
+            <a:fillRect/>
+          </a:stretch>
+        </p:blipFill>
+        <p:spPr>
+          <a:xfrm>
+            <a:off x="1610238" y="1447314"/>
+            <a:ext cx="7784133" cy="2952914"/>
+          </a:xfrm>
+          <a:prstGeom prst="rect">
+            <a:avLst/>
+          </a:prstGeom>
+        </p:spPr>
+      </p:pic>
+    </p:spTree>
+    <p:extLst>
+      <p:ext uri="{BB962C8B-B14F-4D97-AF65-F5344CB8AC3E}">
+        <p14:creationId xmlns:p14="http://schemas.microsoft.com/office/powerpoint/2010/main" val="4187949477"/>
+      </p:ext>
+    </p:extLst>
+  </p:cSld>
+  <p:clrMapOvr>
+    <a:masterClrMapping/>
+  </p:clrMapOvr>
+</p:sld>
+</file>
+
+<file path=ppt/slides/slide33.xml><?xml version="1.0" encoding="utf-8"?>
+<p:sld xmlns:a="http://schemas.openxmlformats.org/drawingml/2006/main" xmlns:r="http://schemas.openxmlformats.org/officeDocument/2006/relationships" xmlns:p="http://schemas.openxmlformats.org/presentationml/2006/main">
+  <p:cSld>
+    <p:spTree>
+      <p:nvGrpSpPr>
+        <p:cNvPr id="1" name="">
+          <a:extLst>
+            <a:ext uri="{FF2B5EF4-FFF2-40B4-BE49-F238E27FC236}">
+              <a16:creationId xmlns:a16="http://schemas.microsoft.com/office/drawing/2014/main" id="{156A9EB4-9840-8BB0-AD8F-F0D3648FA5AC}"/>
+            </a:ext>
+          </a:extLst>
+        </p:cNvPr>
+        <p:cNvGrpSpPr/>
+        <p:nvPr/>
+      </p:nvGrpSpPr>
+      <p:grpSpPr>
+        <a:xfrm>
+          <a:off x="0" y="0"/>
+          <a:ext cx="0" cy="0"/>
+          <a:chOff x="0" y="0"/>
+          <a:chExt cx="0" cy="0"/>
+        </a:xfrm>
+      </p:grpSpPr>
+      <p:sp>
+        <p:nvSpPr>
+          <p:cNvPr id="3" name="Content Placeholder 2">
+            <a:extLst>
+              <a:ext uri="{FF2B5EF4-FFF2-40B4-BE49-F238E27FC236}">
+                <a16:creationId xmlns:a16="http://schemas.microsoft.com/office/drawing/2014/main" id="{B7F95E68-7228-F472-D99B-68B070A9BCA7}"/>
+              </a:ext>
+            </a:extLst>
+          </p:cNvPr>
+          <p:cNvSpPr>
+            <a:spLocks noGrp="1"/>
+          </p:cNvSpPr>
+          <p:nvPr>
+            <p:ph idx="1"/>
+          </p:nvPr>
+        </p:nvSpPr>
+        <p:spPr>
+          <a:xfrm>
+            <a:off x="777240" y="674914"/>
+            <a:ext cx="10659110" cy="5502049"/>
+          </a:xfrm>
+        </p:spPr>
+        <p:txBody>
+          <a:bodyPr>
+            <a:normAutofit/>
+          </a:bodyPr>
+          <a:lstStyle/>
+          <a:p>
+            <a:pPr marL="0" indent="0">
+              <a:buNone/>
+            </a:pPr>
+            <a:r>
+              <a:rPr lang="en-US" sz="2800" b="1" dirty="0"/>
+              <a:t>3. Third-party Modules:</a:t>
+            </a:r>
+          </a:p>
+          <a:p>
+            <a:pPr marL="0" indent="0">
+              <a:buNone/>
+            </a:pPr>
+            <a:r>
+              <a:rPr lang="en-US" sz="2400" b="1" dirty="0"/>
+              <a:t>Third-party modules</a:t>
+            </a:r>
+            <a:r>
+              <a:rPr lang="en-US" sz="2400" dirty="0"/>
+              <a:t> in Node.js are external packages </a:t>
+            </a:r>
+            <a:r>
+              <a:rPr lang="en-US" sz="2400" b="1" dirty="0"/>
+              <a:t>created by the </a:t>
+            </a:r>
+            <a:r>
+              <a:rPr lang="en-US" sz="2400" b="1" dirty="0">
+                <a:solidFill>
+                  <a:srgbClr val="C00000"/>
+                </a:solidFill>
+              </a:rPr>
+              <a:t>developer community </a:t>
+            </a:r>
+            <a:r>
+              <a:rPr lang="en-US" sz="2400" dirty="0"/>
+              <a:t>and published to the </a:t>
+            </a:r>
+            <a:r>
+              <a:rPr lang="en-US" sz="2400" b="1" dirty="0" err="1">
+                <a:solidFill>
+                  <a:srgbClr val="C00000"/>
+                </a:solidFill>
+              </a:rPr>
+              <a:t>npm</a:t>
+            </a:r>
+            <a:r>
+              <a:rPr lang="en-US" sz="2400" b="1" dirty="0"/>
+              <a:t> (Node Package Manager)</a:t>
+            </a:r>
+            <a:r>
+              <a:rPr lang="en-US" sz="2400" dirty="0"/>
+              <a:t> </a:t>
+            </a:r>
+            <a:r>
+              <a:rPr lang="en-US" sz="2400" b="1" dirty="0"/>
+              <a:t>repository</a:t>
+            </a:r>
+            <a:r>
+              <a:rPr lang="en-US" sz="2400" dirty="0"/>
+              <a:t>. These modules extend the functionality of Node.js, allowing developers to use pre-built solutions </a:t>
+            </a:r>
+            <a:r>
+              <a:rPr lang="en-US" sz="2400" b="1" dirty="0">
+                <a:solidFill>
+                  <a:srgbClr val="002060"/>
+                </a:solidFill>
+              </a:rPr>
+              <a:t>instead of writing everything from scratch</a:t>
+            </a:r>
+            <a:r>
+              <a:rPr lang="en-US" sz="2400" dirty="0"/>
+              <a:t>.</a:t>
+            </a:r>
+          </a:p>
+          <a:p>
+            <a:pPr marL="0" indent="0">
+              <a:buNone/>
+            </a:pPr>
+            <a:r>
+              <a:rPr lang="en-US" sz="2400" b="1" dirty="0"/>
+              <a:t>Characteristics of Third-party Modules</a:t>
+            </a:r>
+          </a:p>
+          <a:p>
+            <a:pPr>
+              <a:buFont typeface="+mj-lt"/>
+              <a:buAutoNum type="arabicPeriod"/>
+            </a:pPr>
+            <a:r>
+              <a:rPr lang="en-US" sz="2400" b="1" dirty="0"/>
+              <a:t>Community-driven</a:t>
+            </a:r>
+            <a:r>
+              <a:rPr lang="en-US" sz="2400" dirty="0"/>
+              <a:t>: Developed and maintained by the </a:t>
+            </a:r>
+            <a:r>
+              <a:rPr lang="en-US" sz="2400" b="1" dirty="0">
+                <a:solidFill>
+                  <a:srgbClr val="002060"/>
+                </a:solidFill>
+              </a:rPr>
+              <a:t>Node.js community</a:t>
+            </a:r>
+            <a:r>
+              <a:rPr lang="en-US" sz="2400" b="1" dirty="0"/>
+              <a:t> </a:t>
+            </a:r>
+            <a:r>
+              <a:rPr lang="en-US" sz="2400" dirty="0"/>
+              <a:t>or </a:t>
+            </a:r>
+            <a:r>
+              <a:rPr lang="en-US" sz="2400" b="1" dirty="0">
+                <a:solidFill>
+                  <a:srgbClr val="002060"/>
+                </a:solidFill>
+              </a:rPr>
+              <a:t>organizations</a:t>
+            </a:r>
+            <a:r>
+              <a:rPr lang="en-US" sz="2400" dirty="0"/>
+              <a:t>.</a:t>
+            </a:r>
+          </a:p>
+          <a:p>
+            <a:pPr>
+              <a:buFont typeface="+mj-lt"/>
+              <a:buAutoNum type="arabicPeriod"/>
+            </a:pPr>
+            <a:r>
+              <a:rPr lang="en-US" sz="2400" b="1" dirty="0"/>
+              <a:t>Installable via </a:t>
+            </a:r>
+            <a:r>
+              <a:rPr lang="en-US" sz="2400" b="1" dirty="0" err="1"/>
+              <a:t>npm</a:t>
+            </a:r>
+            <a:r>
+              <a:rPr lang="en-US" sz="2400" dirty="0"/>
+              <a:t>: Available in the </a:t>
+            </a:r>
+            <a:r>
+              <a:rPr lang="en-US" sz="2400" b="1" dirty="0" err="1"/>
+              <a:t>npm</a:t>
+            </a:r>
+            <a:r>
+              <a:rPr lang="en-US" sz="2400" dirty="0"/>
+              <a:t> </a:t>
+            </a:r>
+            <a:r>
+              <a:rPr lang="en-US" sz="2400" b="1" dirty="0">
+                <a:solidFill>
+                  <a:srgbClr val="002060"/>
+                </a:solidFill>
+              </a:rPr>
+              <a:t>registry</a:t>
+            </a:r>
+            <a:r>
+              <a:rPr lang="en-US" sz="2400" dirty="0"/>
+              <a:t> and installed using the </a:t>
+            </a:r>
+            <a:r>
+              <a:rPr lang="en-US" sz="2400" dirty="0" err="1"/>
+              <a:t>npm</a:t>
+            </a:r>
+            <a:r>
+              <a:rPr lang="en-US" sz="2400" dirty="0"/>
+              <a:t> command-line tool.</a:t>
+            </a:r>
+          </a:p>
+          <a:p>
+            <a:pPr>
+              <a:buFont typeface="+mj-lt"/>
+              <a:buAutoNum type="arabicPeriod"/>
+            </a:pPr>
+            <a:r>
+              <a:rPr lang="en-US" sz="2400" b="1" dirty="0"/>
+              <a:t>Reusable</a:t>
+            </a:r>
+            <a:r>
+              <a:rPr lang="en-US" sz="2400" dirty="0"/>
+              <a:t>: Can be used across multiple projects.</a:t>
+            </a:r>
+          </a:p>
+          <a:p>
+            <a:pPr>
+              <a:buFont typeface="+mj-lt"/>
+              <a:buAutoNum type="arabicPeriod"/>
+            </a:pPr>
+            <a:r>
+              <a:rPr lang="en-US" sz="2400" b="1" dirty="0"/>
+              <a:t>Versioned</a:t>
+            </a:r>
+            <a:r>
+              <a:rPr lang="en-US" sz="2400" dirty="0"/>
+              <a:t>: Versions are maintained to ensure stability and compatibility.</a:t>
+            </a:r>
+          </a:p>
+          <a:p>
+            <a:pPr>
+              <a:buFont typeface="+mj-lt"/>
+              <a:buAutoNum type="arabicPeriod"/>
+            </a:pPr>
+            <a:r>
+              <a:rPr lang="en-US" sz="2400" b="1" dirty="0"/>
+              <a:t>Examples</a:t>
+            </a:r>
+            <a:r>
+              <a:rPr lang="en-US" sz="2400" dirty="0"/>
+              <a:t> </a:t>
+            </a:r>
+            <a:r>
+              <a:rPr lang="en-US" sz="2400" b="1" dirty="0"/>
+              <a:t>of Popular Third-party Modules: </a:t>
+            </a:r>
+            <a:r>
+              <a:rPr lang="en-US" sz="2400" b="1" dirty="0">
+                <a:solidFill>
+                  <a:srgbClr val="002060"/>
+                </a:solidFill>
+              </a:rPr>
+              <a:t>Express, </a:t>
+            </a:r>
+            <a:r>
+              <a:rPr lang="en-IN" sz="2400" b="1" dirty="0">
+                <a:solidFill>
+                  <a:srgbClr val="002060"/>
+                </a:solidFill>
+              </a:rPr>
+              <a:t>Mongoose, Axios, </a:t>
+            </a:r>
+            <a:endParaRPr lang="en-US" sz="2400" b="1" dirty="0">
+              <a:solidFill>
+                <a:srgbClr val="002060"/>
+              </a:solidFill>
+            </a:endParaRPr>
+          </a:p>
+          <a:p>
+            <a:pPr marL="0" indent="0">
+              <a:buNone/>
+            </a:pPr>
+            <a:endParaRPr lang="en-IN" sz="2400" dirty="0"/>
+          </a:p>
+        </p:txBody>
+      </p:sp>
+    </p:spTree>
+    <p:extLst>
+      <p:ext uri="{BB962C8B-B14F-4D97-AF65-F5344CB8AC3E}">
+        <p14:creationId xmlns:p14="http://schemas.microsoft.com/office/powerpoint/2010/main" val="250238104"/>
+      </p:ext>
+    </p:extLst>
+  </p:cSld>
+  <p:clrMapOvr>
+    <a:masterClrMapping/>
+  </p:clrMapOvr>
+</p:sld>
+</file>
+
+<file path=ppt/slides/slide34.xml><?xml version="1.0" encoding="utf-8"?>
+<p:sld xmlns:a="http://schemas.openxmlformats.org/drawingml/2006/main" xmlns:r="http://schemas.openxmlformats.org/officeDocument/2006/relationships" xmlns:p="http://schemas.openxmlformats.org/presentationml/2006/main">
+  <p:cSld>
+    <p:spTree>
+      <p:nvGrpSpPr>
+        <p:cNvPr id="1" name="">
+          <a:extLst>
+            <a:ext uri="{FF2B5EF4-FFF2-40B4-BE49-F238E27FC236}">
+              <a16:creationId xmlns:a16="http://schemas.microsoft.com/office/drawing/2014/main" id="{74F25D90-DD57-7635-6681-64BF7D4F2252}"/>
+            </a:ext>
+          </a:extLst>
+        </p:cNvPr>
+        <p:cNvGrpSpPr/>
+        <p:nvPr/>
+      </p:nvGrpSpPr>
+      <p:grpSpPr>
+        <a:xfrm>
+          <a:off x="0" y="0"/>
+          <a:ext cx="0" cy="0"/>
+          <a:chOff x="0" y="0"/>
+          <a:chExt cx="0" cy="0"/>
+        </a:xfrm>
+      </p:grpSpPr>
+      <p:sp>
+        <p:nvSpPr>
+          <p:cNvPr id="3" name="Content Placeholder 2">
+            <a:extLst>
+              <a:ext uri="{FF2B5EF4-FFF2-40B4-BE49-F238E27FC236}">
+                <a16:creationId xmlns:a16="http://schemas.microsoft.com/office/drawing/2014/main" id="{85CFF317-E40F-0D99-8488-5F3F39D3064B}"/>
+              </a:ext>
+            </a:extLst>
+          </p:cNvPr>
+          <p:cNvSpPr>
+            <a:spLocks noGrp="1"/>
+          </p:cNvSpPr>
+          <p:nvPr>
+            <p:ph idx="1"/>
+          </p:nvPr>
+        </p:nvSpPr>
+        <p:spPr>
+          <a:xfrm>
+            <a:off x="777240" y="674914"/>
+            <a:ext cx="10659110" cy="5502049"/>
+          </a:xfrm>
+        </p:spPr>
+        <p:txBody>
+          <a:bodyPr>
+            <a:normAutofit/>
+          </a:bodyPr>
+          <a:lstStyle/>
+          <a:p>
+            <a:pPr marL="0" indent="0">
+              <a:buNone/>
+            </a:pPr>
+            <a:r>
+              <a:rPr lang="en-US" sz="2400" b="1" dirty="0"/>
+              <a:t>How to Use Third-party Modules:</a:t>
+            </a:r>
+          </a:p>
+          <a:p>
+            <a:pPr marL="0" indent="0">
+              <a:buNone/>
+            </a:pPr>
+            <a:r>
+              <a:rPr lang="en-US" sz="2400" b="1" dirty="0"/>
+              <a:t>1. Install the Module: </a:t>
+            </a:r>
+            <a:r>
+              <a:rPr lang="en-US" sz="2400" dirty="0"/>
+              <a:t>Use </a:t>
+            </a:r>
+            <a:r>
+              <a:rPr lang="en-US" sz="2400" b="1" dirty="0" err="1"/>
+              <a:t>npm</a:t>
+            </a:r>
+            <a:r>
+              <a:rPr lang="en-US" sz="2400" b="1" dirty="0"/>
+              <a:t> install </a:t>
+            </a:r>
+            <a:r>
+              <a:rPr lang="en-US" sz="2400" dirty="0"/>
+              <a:t>to add the module to your project:</a:t>
+            </a:r>
+          </a:p>
+          <a:p>
+            <a:endParaRPr lang="en-US" sz="2400" dirty="0"/>
+          </a:p>
+          <a:p>
+            <a:endParaRPr lang="en-US" sz="2400" dirty="0"/>
+          </a:p>
+          <a:p>
+            <a:endParaRPr lang="en-US" sz="2400" dirty="0"/>
+          </a:p>
+          <a:p>
+            <a:pPr marL="0" indent="0">
+              <a:buNone/>
+            </a:pPr>
+            <a:r>
+              <a:rPr lang="en-US" sz="2400" b="1" dirty="0"/>
+              <a:t>2. Require the Module: </a:t>
+            </a:r>
+            <a:r>
+              <a:rPr lang="en-US" sz="2400" b="1" dirty="0">
+                <a:solidFill>
+                  <a:srgbClr val="002060"/>
+                </a:solidFill>
+              </a:rPr>
+              <a:t>Import</a:t>
+            </a:r>
+            <a:r>
+              <a:rPr lang="en-US" sz="2400" dirty="0"/>
+              <a:t> </a:t>
+            </a:r>
+            <a:r>
+              <a:rPr lang="en-US" sz="2400" b="1" dirty="0"/>
+              <a:t>the module </a:t>
+            </a:r>
+            <a:r>
+              <a:rPr lang="en-US" sz="2400" dirty="0"/>
+              <a:t>in your JavaScript file using </a:t>
+            </a:r>
+            <a:r>
+              <a:rPr lang="en-US" sz="2400" b="1" dirty="0">
+                <a:solidFill>
+                  <a:srgbClr val="002060"/>
+                </a:solidFill>
+              </a:rPr>
+              <a:t>require():</a:t>
+            </a:r>
+          </a:p>
+          <a:p>
+            <a:pPr marL="0" indent="0">
+              <a:buNone/>
+            </a:pPr>
+            <a:endParaRPr lang="en-US" sz="2400" b="1" dirty="0">
+              <a:solidFill>
+                <a:srgbClr val="002060"/>
+              </a:solidFill>
+            </a:endParaRPr>
+          </a:p>
+          <a:p>
+            <a:pPr marL="0" indent="0">
+              <a:buNone/>
+            </a:pPr>
+            <a:endParaRPr lang="en-US" sz="2400" b="1" dirty="0">
+              <a:solidFill>
+                <a:srgbClr val="002060"/>
+              </a:solidFill>
+            </a:endParaRPr>
+          </a:p>
+          <a:p>
+            <a:pPr marL="0" indent="0">
+              <a:buNone/>
+            </a:pPr>
+            <a:endParaRPr lang="en-IN" sz="2400" b="1" dirty="0">
+              <a:solidFill>
+                <a:srgbClr val="002060"/>
+              </a:solidFill>
+            </a:endParaRPr>
+          </a:p>
+          <a:p>
+            <a:pPr marL="0" indent="0">
+              <a:buNone/>
+            </a:pPr>
+            <a:r>
+              <a:rPr lang="en-US" sz="2400" b="1" dirty="0">
+                <a:solidFill>
+                  <a:schemeClr val="tx1"/>
+                </a:solidFill>
+              </a:rPr>
+              <a:t>3. Use the Module: </a:t>
+            </a:r>
+            <a:r>
+              <a:rPr lang="en-US" sz="2400" b="1" dirty="0">
+                <a:solidFill>
+                  <a:srgbClr val="002060"/>
+                </a:solidFill>
+              </a:rPr>
+              <a:t>Call</a:t>
+            </a:r>
+            <a:r>
+              <a:rPr lang="en-US" sz="2400" dirty="0">
+                <a:solidFill>
+                  <a:schemeClr val="tx1"/>
+                </a:solidFill>
+              </a:rPr>
+              <a:t> the </a:t>
+            </a:r>
+            <a:r>
+              <a:rPr lang="en-US" sz="2400" b="1" dirty="0">
+                <a:solidFill>
+                  <a:schemeClr val="tx1"/>
+                </a:solidFill>
+              </a:rPr>
+              <a:t>functions</a:t>
+            </a:r>
+            <a:r>
+              <a:rPr lang="en-US" sz="2400" dirty="0">
+                <a:solidFill>
+                  <a:schemeClr val="tx1"/>
+                </a:solidFill>
+              </a:rPr>
+              <a:t> or use the classes provided by the module in your application.</a:t>
+            </a:r>
+            <a:endParaRPr lang="en-IN" sz="2400" dirty="0">
+              <a:solidFill>
+                <a:schemeClr val="tx1"/>
+              </a:solidFill>
+            </a:endParaRPr>
+          </a:p>
+        </p:txBody>
+      </p:sp>
+      <p:pic>
+        <p:nvPicPr>
+          <p:cNvPr id="5" name="Picture 4">
+            <a:extLst>
+              <a:ext uri="{FF2B5EF4-FFF2-40B4-BE49-F238E27FC236}">
+                <a16:creationId xmlns:a16="http://schemas.microsoft.com/office/drawing/2014/main" id="{C20EF240-FB1E-E3D6-2930-4F5CD2729100}"/>
+              </a:ext>
+            </a:extLst>
+          </p:cNvPr>
+          <p:cNvPicPr>
+            <a:picLocks noChangeAspect="1"/>
+          </p:cNvPicPr>
+          <p:nvPr/>
+        </p:nvPicPr>
+        <p:blipFill>
+          <a:blip r:embed="rId2"/>
+          <a:stretch>
+            <a:fillRect/>
+          </a:stretch>
+        </p:blipFill>
+        <p:spPr>
+          <a:xfrm>
+            <a:off x="1820895" y="1808433"/>
+            <a:ext cx="4152381" cy="628571"/>
+          </a:xfrm>
+          <a:prstGeom prst="rect">
+            <a:avLst/>
+          </a:prstGeom>
+        </p:spPr>
+      </p:pic>
+      <p:pic>
+        <p:nvPicPr>
+          <p:cNvPr id="7" name="Picture 6">
+            <a:extLst>
+              <a:ext uri="{FF2B5EF4-FFF2-40B4-BE49-F238E27FC236}">
+                <a16:creationId xmlns:a16="http://schemas.microsoft.com/office/drawing/2014/main" id="{0CAAC9EC-236D-4B1E-3CB0-468DFD346A1A}"/>
+              </a:ext>
+            </a:extLst>
+          </p:cNvPr>
+          <p:cNvPicPr>
+            <a:picLocks noChangeAspect="1"/>
+          </p:cNvPicPr>
+          <p:nvPr/>
+        </p:nvPicPr>
+        <p:blipFill>
+          <a:blip r:embed="rId3"/>
+          <a:stretch>
+            <a:fillRect/>
+          </a:stretch>
+        </p:blipFill>
+        <p:spPr>
+          <a:xfrm>
+            <a:off x="1820894" y="3611000"/>
+            <a:ext cx="6484753" cy="628571"/>
+          </a:xfrm>
+          <a:prstGeom prst="rect">
+            <a:avLst/>
+          </a:prstGeom>
+        </p:spPr>
+      </p:pic>
+    </p:spTree>
+    <p:extLst>
+      <p:ext uri="{BB962C8B-B14F-4D97-AF65-F5344CB8AC3E}">
+        <p14:creationId xmlns:p14="http://schemas.microsoft.com/office/powerpoint/2010/main" val="3306552090"/>
+      </p:ext>
+    </p:extLst>
+  </p:cSld>
+  <p:clrMapOvr>
+    <a:masterClrMapping/>
+  </p:clrMapOvr>
+</p:sld>
+</file>
+
+<file path=ppt/slides/slide35.xml><?xml version="1.0" encoding="utf-8"?>
+<p:sld xmlns:a="http://schemas.openxmlformats.org/drawingml/2006/main" xmlns:r="http://schemas.openxmlformats.org/officeDocument/2006/relationships" xmlns:p="http://schemas.openxmlformats.org/presentationml/2006/main">
+  <p:cSld>
+    <p:spTree>
+      <p:nvGrpSpPr>
+        <p:cNvPr id="1" name="">
+          <a:extLst>
+            <a:ext uri="{FF2B5EF4-FFF2-40B4-BE49-F238E27FC236}">
+              <a16:creationId xmlns:a16="http://schemas.microsoft.com/office/drawing/2014/main" id="{8F2A9152-7451-45DB-1F5E-A181022E7484}"/>
+            </a:ext>
+          </a:extLst>
+        </p:cNvPr>
+        <p:cNvGrpSpPr/>
+        <p:nvPr/>
+      </p:nvGrpSpPr>
+      <p:grpSpPr>
+        <a:xfrm>
+          <a:off x="0" y="0"/>
+          <a:ext cx="0" cy="0"/>
+          <a:chOff x="0" y="0"/>
+          <a:chExt cx="0" cy="0"/>
+        </a:xfrm>
+      </p:grpSpPr>
+      <p:sp>
+        <p:nvSpPr>
+          <p:cNvPr id="3" name="Content Placeholder 2">
+            <a:extLst>
+              <a:ext uri="{FF2B5EF4-FFF2-40B4-BE49-F238E27FC236}">
+                <a16:creationId xmlns:a16="http://schemas.microsoft.com/office/drawing/2014/main" id="{370ADE57-4869-D6EF-9469-3EB73F4345D6}"/>
+              </a:ext>
+            </a:extLst>
+          </p:cNvPr>
+          <p:cNvSpPr>
+            <a:spLocks noGrp="1"/>
+          </p:cNvSpPr>
+          <p:nvPr>
+            <p:ph idx="1"/>
+          </p:nvPr>
+        </p:nvSpPr>
+        <p:spPr>
+          <a:xfrm>
+            <a:off x="766445" y="304800"/>
+            <a:ext cx="10659110" cy="5502049"/>
+          </a:xfrm>
+        </p:spPr>
+        <p:txBody>
+          <a:bodyPr/>
+          <a:lstStyle/>
+          <a:p>
+            <a:pPr marL="0" indent="0">
+              <a:buNone/>
+            </a:pPr>
+            <a:r>
+              <a:rPr lang="en-US" sz="2400" b="1" dirty="0"/>
+              <a:t>Diff ways of Importing and Exporting Node.js Modules:</a:t>
+            </a:r>
+          </a:p>
+          <a:p>
+            <a:pPr marL="0" indent="0">
+              <a:buNone/>
+            </a:pPr>
+            <a:r>
+              <a:rPr lang="en-US" b="1" dirty="0"/>
+              <a:t>1. Standard Way (</a:t>
+            </a:r>
+            <a:r>
+              <a:rPr lang="en-US" b="1" dirty="0" err="1"/>
+              <a:t>CommonJS</a:t>
+            </a:r>
+            <a:r>
+              <a:rPr lang="en-US" b="1" dirty="0"/>
+              <a:t> Syntax): </a:t>
+            </a:r>
+            <a:r>
+              <a:rPr lang="en-US" dirty="0"/>
+              <a:t>This is the </a:t>
+            </a:r>
+            <a:r>
+              <a:rPr lang="en-US" b="1" dirty="0">
+                <a:solidFill>
+                  <a:srgbClr val="C00000"/>
+                </a:solidFill>
+              </a:rPr>
+              <a:t>default</a:t>
+            </a:r>
+            <a:r>
+              <a:rPr lang="en-US" dirty="0"/>
+              <a:t> module system in Node.js before ES modules were supported.</a:t>
+            </a:r>
+          </a:p>
+          <a:p>
+            <a:r>
+              <a:rPr lang="en-IN" b="1" dirty="0"/>
+              <a:t>Single Export:</a:t>
+            </a:r>
+          </a:p>
+          <a:p>
+            <a:endParaRPr lang="en-IN" b="1" dirty="0"/>
+          </a:p>
+          <a:p>
+            <a:endParaRPr lang="en-IN" b="1" dirty="0"/>
+          </a:p>
+          <a:p>
+            <a:endParaRPr lang="en-IN" b="1" dirty="0"/>
+          </a:p>
+          <a:p>
+            <a:endParaRPr lang="en-IN" b="1" dirty="0"/>
+          </a:p>
+          <a:p>
+            <a:r>
+              <a:rPr lang="en-IN" b="1" dirty="0"/>
+              <a:t>Multiple Exports:</a:t>
+            </a:r>
+          </a:p>
+          <a:p>
+            <a:endParaRPr lang="en-IN" b="1" dirty="0"/>
+          </a:p>
+          <a:p>
+            <a:endParaRPr lang="en-IN" b="1" dirty="0"/>
+          </a:p>
+          <a:p>
+            <a:endParaRPr lang="en-IN" dirty="0"/>
+          </a:p>
+        </p:txBody>
+      </p:sp>
+      <p:pic>
+        <p:nvPicPr>
+          <p:cNvPr id="4" name="Picture 3">
+            <a:extLst>
+              <a:ext uri="{FF2B5EF4-FFF2-40B4-BE49-F238E27FC236}">
+                <a16:creationId xmlns:a16="http://schemas.microsoft.com/office/drawing/2014/main" id="{2A3BEF99-34EC-2AEB-4404-7A00841E6772}"/>
+              </a:ext>
+            </a:extLst>
+          </p:cNvPr>
+          <p:cNvPicPr>
+            <a:picLocks noChangeAspect="1"/>
+          </p:cNvPicPr>
+          <p:nvPr/>
+        </p:nvPicPr>
+        <p:blipFill>
+          <a:blip r:embed="rId2"/>
+          <a:stretch>
+            <a:fillRect/>
+          </a:stretch>
+        </p:blipFill>
+        <p:spPr>
+          <a:xfrm>
+            <a:off x="2838073" y="1509363"/>
+            <a:ext cx="5165601" cy="1625723"/>
+          </a:xfrm>
+          <a:prstGeom prst="rect">
+            <a:avLst/>
+          </a:prstGeom>
+        </p:spPr>
+      </p:pic>
+      <p:pic>
+        <p:nvPicPr>
+          <p:cNvPr id="6" name="Picture 5">
+            <a:extLst>
+              <a:ext uri="{FF2B5EF4-FFF2-40B4-BE49-F238E27FC236}">
+                <a16:creationId xmlns:a16="http://schemas.microsoft.com/office/drawing/2014/main" id="{02C0529C-0429-2CE4-84FB-97D32A9B4814}"/>
+              </a:ext>
+            </a:extLst>
+          </p:cNvPr>
+          <p:cNvPicPr>
+            <a:picLocks noChangeAspect="1"/>
+          </p:cNvPicPr>
+          <p:nvPr/>
+        </p:nvPicPr>
+        <p:blipFill>
+          <a:blip r:embed="rId3"/>
+          <a:stretch>
+            <a:fillRect/>
+          </a:stretch>
+        </p:blipFill>
+        <p:spPr>
+          <a:xfrm>
+            <a:off x="3129312" y="3465408"/>
+            <a:ext cx="4534231" cy="2800754"/>
+          </a:xfrm>
+          <a:prstGeom prst="rect">
+            <a:avLst/>
+          </a:prstGeom>
+        </p:spPr>
+      </p:pic>
+    </p:spTree>
+    <p:extLst>
+      <p:ext uri="{BB962C8B-B14F-4D97-AF65-F5344CB8AC3E}">
+        <p14:creationId xmlns:p14="http://schemas.microsoft.com/office/powerpoint/2010/main" val="171001743"/>
+      </p:ext>
+    </p:extLst>
+  </p:cSld>
+  <p:clrMapOvr>
+    <a:masterClrMapping/>
+  </p:clrMapOvr>
+</p:sld>
+</file>
+
+<file path=ppt/slides/slide36.xml><?xml version="1.0" encoding="utf-8"?>
+<p:sld xmlns:a="http://schemas.openxmlformats.org/drawingml/2006/main" xmlns:r="http://schemas.openxmlformats.org/officeDocument/2006/relationships" xmlns:p="http://schemas.openxmlformats.org/presentationml/2006/main">
+  <p:cSld>
+    <p:spTree>
+      <p:nvGrpSpPr>
+        <p:cNvPr id="1" name="">
+          <a:extLst>
+            <a:ext uri="{FF2B5EF4-FFF2-40B4-BE49-F238E27FC236}">
+              <a16:creationId xmlns:a16="http://schemas.microsoft.com/office/drawing/2014/main" id="{8A7DB5F8-3799-91A5-0DFA-0AB019EC7E4D}"/>
+            </a:ext>
+          </a:extLst>
+        </p:cNvPr>
+        <p:cNvGrpSpPr/>
+        <p:nvPr/>
+      </p:nvGrpSpPr>
+      <p:grpSpPr>
+        <a:xfrm>
+          <a:off x="0" y="0"/>
+          <a:ext cx="0" cy="0"/>
+          <a:chOff x="0" y="0"/>
+          <a:chExt cx="0" cy="0"/>
+        </a:xfrm>
+      </p:grpSpPr>
+      <p:sp>
+        <p:nvSpPr>
+          <p:cNvPr id="3" name="Content Placeholder 2">
+            <a:extLst>
+              <a:ext uri="{FF2B5EF4-FFF2-40B4-BE49-F238E27FC236}">
+                <a16:creationId xmlns:a16="http://schemas.microsoft.com/office/drawing/2014/main" id="{54749051-0756-21B6-617D-A46D413E19F0}"/>
+              </a:ext>
+            </a:extLst>
+          </p:cNvPr>
+          <p:cNvSpPr>
+            <a:spLocks noGrp="1"/>
+          </p:cNvSpPr>
+          <p:nvPr>
+            <p:ph idx="1"/>
+          </p:nvPr>
+        </p:nvSpPr>
+        <p:spPr>
+          <a:xfrm>
+            <a:off x="777240" y="674914"/>
+            <a:ext cx="10659110" cy="5502049"/>
+          </a:xfrm>
+        </p:spPr>
+        <p:txBody>
+          <a:bodyPr/>
+          <a:lstStyle/>
+          <a:p>
+            <a:r>
+              <a:rPr lang="en-US" b="1" dirty="0"/>
+              <a:t>Importing:</a:t>
+            </a:r>
+          </a:p>
+          <a:p>
+            <a:pPr marL="0" indent="0">
+              <a:buNone/>
+            </a:pPr>
+            <a:endParaRPr lang="en-IN" dirty="0"/>
+          </a:p>
+        </p:txBody>
+      </p:sp>
+      <p:pic>
+        <p:nvPicPr>
+          <p:cNvPr id="4" name="Picture 3">
+            <a:extLst>
+              <a:ext uri="{FF2B5EF4-FFF2-40B4-BE49-F238E27FC236}">
+                <a16:creationId xmlns:a16="http://schemas.microsoft.com/office/drawing/2014/main" id="{02CD9D60-B949-8448-A6CE-740CE5561133}"/>
+              </a:ext>
+            </a:extLst>
+          </p:cNvPr>
+          <p:cNvPicPr>
+            <a:picLocks noChangeAspect="1"/>
+          </p:cNvPicPr>
+          <p:nvPr/>
+        </p:nvPicPr>
+        <p:blipFill>
+          <a:blip r:embed="rId2"/>
+          <a:stretch>
+            <a:fillRect/>
+          </a:stretch>
+        </p:blipFill>
+        <p:spPr>
+          <a:xfrm>
+            <a:off x="2099295" y="1353343"/>
+            <a:ext cx="6295238" cy="1800000"/>
+          </a:xfrm>
+          <a:prstGeom prst="rect">
+            <a:avLst/>
+          </a:prstGeom>
+        </p:spPr>
+      </p:pic>
+    </p:spTree>
+    <p:extLst>
+      <p:ext uri="{BB962C8B-B14F-4D97-AF65-F5344CB8AC3E}">
+        <p14:creationId xmlns:p14="http://schemas.microsoft.com/office/powerpoint/2010/main" val="246652789"/>
+      </p:ext>
+    </p:extLst>
+  </p:cSld>
+  <p:clrMapOvr>
+    <a:masterClrMapping/>
+  </p:clrMapOvr>
+</p:sld>
+</file>
+
+<file path=ppt/slides/slide37.xml><?xml version="1.0" encoding="utf-8"?>
+<p:sld xmlns:a="http://schemas.openxmlformats.org/drawingml/2006/main" xmlns:r="http://schemas.openxmlformats.org/officeDocument/2006/relationships" xmlns:p="http://schemas.openxmlformats.org/presentationml/2006/main">
+  <p:cSld>
+    <p:spTree>
+      <p:nvGrpSpPr>
+        <p:cNvPr id="1" name="">
+          <a:extLst>
+            <a:ext uri="{FF2B5EF4-FFF2-40B4-BE49-F238E27FC236}">
+              <a16:creationId xmlns:a16="http://schemas.microsoft.com/office/drawing/2014/main" id="{10CFE166-34A7-8206-1810-868FF36BC477}"/>
+            </a:ext>
+          </a:extLst>
+        </p:cNvPr>
+        <p:cNvGrpSpPr/>
+        <p:nvPr/>
+      </p:nvGrpSpPr>
+      <p:grpSpPr>
+        <a:xfrm>
+          <a:off x="0" y="0"/>
+          <a:ext cx="0" cy="0"/>
+          <a:chOff x="0" y="0"/>
+          <a:chExt cx="0" cy="0"/>
+        </a:xfrm>
+      </p:grpSpPr>
+      <p:sp>
+        <p:nvSpPr>
+          <p:cNvPr id="3" name="Content Placeholder 2">
+            <a:extLst>
+              <a:ext uri="{FF2B5EF4-FFF2-40B4-BE49-F238E27FC236}">
+                <a16:creationId xmlns:a16="http://schemas.microsoft.com/office/drawing/2014/main" id="{05D2788C-B2A7-7618-916A-8A70745C4CB6}"/>
+              </a:ext>
+            </a:extLst>
+          </p:cNvPr>
+          <p:cNvSpPr>
+            <a:spLocks noGrp="1"/>
+          </p:cNvSpPr>
+          <p:nvPr>
+            <p:ph idx="1"/>
+          </p:nvPr>
+        </p:nvSpPr>
+        <p:spPr>
+          <a:xfrm>
+            <a:off x="777240" y="674914"/>
+            <a:ext cx="10659110" cy="5502049"/>
+          </a:xfrm>
+        </p:spPr>
+        <p:txBody>
+          <a:bodyPr/>
+          <a:lstStyle/>
+          <a:p>
+            <a:pPr marL="0" indent="0">
+              <a:buNone/>
+            </a:pPr>
+            <a:r>
+              <a:rPr lang="en-US" b="1" dirty="0"/>
+              <a:t>2. </a:t>
+            </a:r>
+            <a:r>
+              <a:rPr lang="en-IN" b="1" dirty="0"/>
+              <a:t>ESM Syntax</a:t>
+            </a:r>
+            <a:r>
+              <a:rPr lang="en-IN" dirty="0"/>
+              <a:t>: </a:t>
+            </a:r>
+            <a:r>
+              <a:rPr lang="en-US" dirty="0"/>
+              <a:t>ECMA stands for </a:t>
+            </a:r>
+            <a:r>
+              <a:rPr lang="en-US" b="1" dirty="0">
+                <a:solidFill>
+                  <a:srgbClr val="C00000"/>
+                </a:solidFill>
+              </a:rPr>
+              <a:t>European Computer Manufacturers Association </a:t>
+            </a:r>
+            <a:r>
+              <a:rPr lang="en-US" dirty="0"/>
+              <a:t>(now officially called </a:t>
+            </a:r>
+            <a:r>
+              <a:rPr lang="en-US" dirty="0" err="1"/>
+              <a:t>Ecma</a:t>
+            </a:r>
+            <a:r>
+              <a:rPr lang="en-US" dirty="0"/>
+              <a:t> International). JavaScript is standardized under ECMA.</a:t>
+            </a:r>
+            <a:endParaRPr lang="en-IN" dirty="0"/>
+          </a:p>
+          <a:p>
+            <a:r>
+              <a:rPr lang="en-IN" b="1" dirty="0"/>
+              <a:t>Single Export:</a:t>
+            </a:r>
+          </a:p>
+          <a:p>
+            <a:pPr marL="0" indent="0">
+              <a:buNone/>
+            </a:pPr>
+            <a:endParaRPr lang="en-IN" dirty="0"/>
+          </a:p>
+          <a:p>
+            <a:pPr marL="0" indent="0">
+              <a:buNone/>
+            </a:pPr>
+            <a:endParaRPr lang="en-IN" dirty="0"/>
+          </a:p>
+          <a:p>
+            <a:pPr marL="0" indent="0">
+              <a:buNone/>
+            </a:pPr>
+            <a:endParaRPr lang="en-IN" dirty="0"/>
+          </a:p>
+          <a:p>
+            <a:pPr marL="0" indent="0">
+              <a:buNone/>
+            </a:pPr>
+            <a:endParaRPr lang="en-IN" dirty="0"/>
+          </a:p>
+          <a:p>
+            <a:pPr marL="0" indent="0">
+              <a:buNone/>
+            </a:pPr>
+            <a:endParaRPr lang="en-IN" dirty="0"/>
+          </a:p>
+          <a:p>
+            <a:r>
+              <a:rPr lang="en-IN" b="1" dirty="0"/>
+              <a:t>Multiple Exports:</a:t>
+            </a:r>
+          </a:p>
+          <a:p>
+            <a:pPr marL="0" indent="0">
+              <a:buNone/>
+            </a:pPr>
+            <a:endParaRPr lang="en-IN" dirty="0"/>
+          </a:p>
+        </p:txBody>
+      </p:sp>
+      <p:pic>
+        <p:nvPicPr>
+          <p:cNvPr id="4" name="Picture 3">
+            <a:extLst>
+              <a:ext uri="{FF2B5EF4-FFF2-40B4-BE49-F238E27FC236}">
+                <a16:creationId xmlns:a16="http://schemas.microsoft.com/office/drawing/2014/main" id="{9D169272-E126-5F4D-D8A4-77321D503428}"/>
+              </a:ext>
+            </a:extLst>
+          </p:cNvPr>
+          <p:cNvPicPr>
+            <a:picLocks noChangeAspect="1"/>
+          </p:cNvPicPr>
+          <p:nvPr/>
+        </p:nvPicPr>
+        <p:blipFill>
+          <a:blip r:embed="rId2"/>
+          <a:stretch>
+            <a:fillRect/>
+          </a:stretch>
+        </p:blipFill>
+        <p:spPr>
+          <a:xfrm>
+            <a:off x="2829071" y="1306056"/>
+            <a:ext cx="6555448" cy="1902398"/>
+          </a:xfrm>
+          <a:prstGeom prst="rect">
+            <a:avLst/>
+          </a:prstGeom>
+        </p:spPr>
+      </p:pic>
+      <p:pic>
+        <p:nvPicPr>
+          <p:cNvPr id="6" name="Picture 5">
+            <a:extLst>
+              <a:ext uri="{FF2B5EF4-FFF2-40B4-BE49-F238E27FC236}">
+                <a16:creationId xmlns:a16="http://schemas.microsoft.com/office/drawing/2014/main" id="{F086E58A-519B-A5F4-7D4E-8068F7124030}"/>
+              </a:ext>
+            </a:extLst>
+          </p:cNvPr>
+          <p:cNvPicPr>
+            <a:picLocks noChangeAspect="1"/>
+          </p:cNvPicPr>
+          <p:nvPr/>
+        </p:nvPicPr>
+        <p:blipFill>
+          <a:blip r:embed="rId3"/>
+          <a:stretch>
+            <a:fillRect/>
+          </a:stretch>
+        </p:blipFill>
+        <p:spPr>
+          <a:xfrm>
+            <a:off x="3437636" y="3649547"/>
+            <a:ext cx="4791964" cy="3066286"/>
+          </a:xfrm>
+          <a:prstGeom prst="rect">
+            <a:avLst/>
+          </a:prstGeom>
+        </p:spPr>
+      </p:pic>
+    </p:spTree>
+    <p:extLst>
+      <p:ext uri="{BB962C8B-B14F-4D97-AF65-F5344CB8AC3E}">
+        <p14:creationId xmlns:p14="http://schemas.microsoft.com/office/powerpoint/2010/main" val="2446682609"/>
+      </p:ext>
+    </p:extLst>
+  </p:cSld>
+  <p:clrMapOvr>
+    <a:masterClrMapping/>
+  </p:clrMapOvr>
+</p:sld>
+</file>
+
+<file path=ppt/slides/slide38.xml><?xml version="1.0" encoding="utf-8"?>
+<p:sld xmlns:a="http://schemas.openxmlformats.org/drawingml/2006/main" xmlns:r="http://schemas.openxmlformats.org/officeDocument/2006/relationships" xmlns:p="http://schemas.openxmlformats.org/presentationml/2006/main">
+  <p:cSld>
+    <p:spTree>
+      <p:nvGrpSpPr>
+        <p:cNvPr id="1" name="">
+          <a:extLst>
+            <a:ext uri="{FF2B5EF4-FFF2-40B4-BE49-F238E27FC236}">
+              <a16:creationId xmlns:a16="http://schemas.microsoft.com/office/drawing/2014/main" id="{73C0991A-010E-E25C-DAF6-60AE14753DAD}"/>
+            </a:ext>
+          </a:extLst>
+        </p:cNvPr>
+        <p:cNvGrpSpPr/>
+        <p:nvPr/>
+      </p:nvGrpSpPr>
+      <p:grpSpPr>
+        <a:xfrm>
+          <a:off x="0" y="0"/>
+          <a:ext cx="0" cy="0"/>
+          <a:chOff x="0" y="0"/>
+          <a:chExt cx="0" cy="0"/>
+        </a:xfrm>
+      </p:grpSpPr>
+      <p:sp>
+        <p:nvSpPr>
+          <p:cNvPr id="3" name="Content Placeholder 2">
+            <a:extLst>
+              <a:ext uri="{FF2B5EF4-FFF2-40B4-BE49-F238E27FC236}">
+                <a16:creationId xmlns:a16="http://schemas.microsoft.com/office/drawing/2014/main" id="{D9654563-D57C-3CAE-BFD6-1AF62041E993}"/>
+              </a:ext>
+            </a:extLst>
+          </p:cNvPr>
+          <p:cNvSpPr>
+            <a:spLocks noGrp="1"/>
+          </p:cNvSpPr>
+          <p:nvPr>
+            <p:ph idx="1"/>
+          </p:nvPr>
+        </p:nvSpPr>
+        <p:spPr>
+          <a:xfrm>
+            <a:off x="777240" y="674914"/>
+            <a:ext cx="10659110" cy="5502049"/>
+          </a:xfrm>
+        </p:spPr>
+        <p:txBody>
+          <a:bodyPr/>
+          <a:lstStyle/>
+          <a:p>
+            <a:r>
+              <a:rPr lang="en-US" b="1" dirty="0"/>
+              <a:t>Importing:</a:t>
+            </a:r>
+            <a:endParaRPr lang="en-IN" b="1" dirty="0"/>
+          </a:p>
+        </p:txBody>
+      </p:sp>
+      <p:pic>
+        <p:nvPicPr>
+          <p:cNvPr id="4" name="Picture 3">
+            <a:extLst>
+              <a:ext uri="{FF2B5EF4-FFF2-40B4-BE49-F238E27FC236}">
+                <a16:creationId xmlns:a16="http://schemas.microsoft.com/office/drawing/2014/main" id="{5B018850-31A5-AFCC-6920-924548F96795}"/>
+              </a:ext>
+            </a:extLst>
+          </p:cNvPr>
+          <p:cNvPicPr>
+            <a:picLocks noChangeAspect="1"/>
+          </p:cNvPicPr>
+          <p:nvPr/>
+        </p:nvPicPr>
+        <p:blipFill>
+          <a:blip r:embed="rId2"/>
+          <a:stretch>
+            <a:fillRect/>
+          </a:stretch>
+        </p:blipFill>
+        <p:spPr>
+          <a:xfrm>
+            <a:off x="1407514" y="1382629"/>
+            <a:ext cx="8571428" cy="2285714"/>
+          </a:xfrm>
+          <a:prstGeom prst="rect">
+            <a:avLst/>
+          </a:prstGeom>
+        </p:spPr>
+      </p:pic>
+    </p:spTree>
+    <p:extLst>
+      <p:ext uri="{BB962C8B-B14F-4D97-AF65-F5344CB8AC3E}">
+        <p14:creationId xmlns:p14="http://schemas.microsoft.com/office/powerpoint/2010/main" val="4040775561"/>
+      </p:ext>
+    </p:extLst>
+  </p:cSld>
+  <p:clrMapOvr>
+    <a:masterClrMapping/>
+  </p:clrMapOvr>
+</p:sld>
+</file>
+
+<file path=ppt/slides/slide39.xml><?xml version="1.0" encoding="utf-8"?>
+<p:sld xmlns:a="http://schemas.openxmlformats.org/drawingml/2006/main" xmlns:r="http://schemas.openxmlformats.org/officeDocument/2006/relationships" xmlns:p="http://schemas.openxmlformats.org/presentationml/2006/main">
+  <p:cSld>
+    <p:spTree>
+      <p:nvGrpSpPr>
+        <p:cNvPr id="1" name="">
+          <a:extLst>
+            <a:ext uri="{FF2B5EF4-FFF2-40B4-BE49-F238E27FC236}">
+              <a16:creationId xmlns:a16="http://schemas.microsoft.com/office/drawing/2014/main" id="{2DB2F3A6-D7FC-2AE3-DE01-A82EA2371310}"/>
+            </a:ext>
+          </a:extLst>
+        </p:cNvPr>
+        <p:cNvGrpSpPr/>
+        <p:nvPr/>
+      </p:nvGrpSpPr>
+      <p:grpSpPr>
+        <a:xfrm>
+          <a:off x="0" y="0"/>
+          <a:ext cx="0" cy="0"/>
+          <a:chOff x="0" y="0"/>
+          <a:chExt cx="0" cy="0"/>
+        </a:xfrm>
+      </p:grpSpPr>
+      <p:sp>
+        <p:nvSpPr>
+          <p:cNvPr id="3" name="Content Placeholder 2">
+            <a:extLst>
+              <a:ext uri="{FF2B5EF4-FFF2-40B4-BE49-F238E27FC236}">
+                <a16:creationId xmlns:a16="http://schemas.microsoft.com/office/drawing/2014/main" id="{2AAD4EDA-98AC-2D1E-A2B9-32BBDDDB6008}"/>
+              </a:ext>
+            </a:extLst>
+          </p:cNvPr>
+          <p:cNvSpPr>
+            <a:spLocks noGrp="1"/>
+          </p:cNvSpPr>
+          <p:nvPr>
+            <p:ph idx="1"/>
+          </p:nvPr>
+        </p:nvSpPr>
+        <p:spPr>
+          <a:xfrm>
+            <a:off x="702853" y="719137"/>
+            <a:ext cx="10900568" cy="5313801"/>
+          </a:xfrm>
+        </p:spPr>
+        <p:txBody>
+          <a:bodyPr>
+            <a:normAutofit/>
+          </a:bodyPr>
+          <a:lstStyle/>
+          <a:p>
+            <a:pPr marL="0" indent="0">
+              <a:buNone/>
+            </a:pPr>
+            <a:r>
+              <a:rPr lang="en-US" sz="3200" b="1" dirty="0">
+                <a:solidFill>
+                  <a:srgbClr val="C00000"/>
+                </a:solidFill>
+              </a:rPr>
+              <a:t>UNIT-II</a:t>
+            </a:r>
+            <a:r>
+              <a:rPr lang="en-IN" sz="3200" b="1" dirty="0">
+                <a:solidFill>
+                  <a:srgbClr val="C00000"/>
+                </a:solidFill>
+              </a:rPr>
+              <a:t>:</a:t>
+            </a:r>
+          </a:p>
+          <a:p>
+            <a:pPr marL="0" indent="0">
+              <a:buNone/>
+            </a:pPr>
+            <a:r>
+              <a:rPr lang="en-IN" sz="3200" b="1" dirty="0"/>
+              <a:t>Node.JS Basics:</a:t>
+            </a:r>
+            <a:r>
+              <a:rPr lang="en-IN" sz="3200" dirty="0"/>
+              <a:t> </a:t>
+            </a:r>
+            <a:r>
+              <a:rPr lang="en-IN" sz="3200" b="1" dirty="0"/>
+              <a:t>Primitive Types</a:t>
+            </a:r>
+            <a:r>
+              <a:rPr lang="en-IN" sz="3200" dirty="0"/>
+              <a:t>, </a:t>
+            </a:r>
+            <a:r>
+              <a:rPr lang="en-IN" sz="3200" b="1" dirty="0"/>
+              <a:t>Object Literal, Functions</a:t>
+            </a:r>
+            <a:r>
+              <a:rPr lang="en-IN" sz="3200" dirty="0"/>
+              <a:t>, </a:t>
+            </a:r>
+            <a:r>
+              <a:rPr lang="en-IN" sz="3200" b="1" dirty="0"/>
+              <a:t>Buffer</a:t>
+            </a:r>
+            <a:r>
+              <a:rPr lang="en-IN" sz="3200" dirty="0"/>
+              <a:t>, </a:t>
+            </a:r>
+            <a:r>
+              <a:rPr lang="en-IN" sz="3200" b="1" dirty="0"/>
+              <a:t>Access Global Scope. </a:t>
+            </a:r>
+          </a:p>
+          <a:p>
+            <a:pPr marL="0" indent="0">
+              <a:buNone/>
+            </a:pPr>
+            <a:r>
+              <a:rPr lang="en-IN" sz="3200" b="1" dirty="0"/>
+              <a:t>Node.JS Modules: Module, Module Types</a:t>
+            </a:r>
+            <a:r>
+              <a:rPr lang="en-IN" sz="3200" dirty="0"/>
+              <a:t>: </a:t>
+            </a:r>
+            <a:r>
+              <a:rPr lang="en-IN" sz="3200" b="1" dirty="0"/>
+              <a:t>Core Modules, Local Modules, Third Party Modules,</a:t>
+            </a:r>
+            <a:r>
+              <a:rPr lang="en-IN" sz="3200" dirty="0"/>
+              <a:t> </a:t>
+            </a:r>
+            <a:r>
+              <a:rPr lang="en-IN" sz="3200" b="1" dirty="0"/>
+              <a:t>Module Exports</a:t>
+            </a:r>
+            <a:r>
+              <a:rPr lang="en-IN" sz="3200" dirty="0"/>
+              <a:t>. </a:t>
+            </a:r>
+            <a:r>
+              <a:rPr lang="en-IN" sz="3200" b="1" dirty="0"/>
+              <a:t>Using Modules in a Node.js File</a:t>
+            </a:r>
+            <a:r>
+              <a:rPr lang="en-IN" sz="3200" dirty="0"/>
+              <a:t>, Using the Built in HTTP, URL, Query String Module, Creating a Custom Module.</a:t>
+            </a:r>
+          </a:p>
+          <a:p>
+            <a:pPr marL="0" indent="0">
+              <a:buNone/>
+            </a:pPr>
+            <a:r>
+              <a:rPr lang="en-IN" sz="3200" b="1" dirty="0"/>
+              <a:t>Node Package Manager:</a:t>
+            </a:r>
+            <a:r>
+              <a:rPr lang="en-IN" sz="3200" dirty="0"/>
+              <a:t> NPM, Installing Packages Locally, Adding dependency in </a:t>
+            </a:r>
+            <a:r>
+              <a:rPr lang="en-IN" sz="3200" dirty="0" err="1"/>
+              <a:t>package.json</a:t>
+            </a:r>
+            <a:r>
+              <a:rPr lang="en-IN" sz="3200" dirty="0"/>
+              <a:t>, Installing packages globally, Updating packages. </a:t>
+            </a:r>
+          </a:p>
+        </p:txBody>
+      </p:sp>
+    </p:spTree>
+    <p:extLst>
+      <p:ext uri="{BB962C8B-B14F-4D97-AF65-F5344CB8AC3E}">
+        <p14:creationId xmlns:p14="http://schemas.microsoft.com/office/powerpoint/2010/main" val="2219683711"/>
+      </p:ext>
+    </p:extLst>
+  </p:cSld>
+  <p:clrMapOvr>
+    <a:masterClrMapping/>
+  </p:clrMapOvr>
+</p:sld>
+</file>
+
 <file path=ppt/slides/slide4.xml><?xml version="1.0" encoding="utf-8"?>
 <p:sld xmlns:a="http://schemas.openxmlformats.org/drawingml/2006/main" xmlns:r="http://schemas.openxmlformats.org/officeDocument/2006/relationships" xmlns:p="http://schemas.openxmlformats.org/presentationml/2006/main">
   <p:cSld>
@@ -9621,6 +11979,213 @@
     <p:extLst>
       <p:ext uri="{BB962C8B-B14F-4D97-AF65-F5344CB8AC3E}">
         <p14:creationId xmlns:p14="http://schemas.microsoft.com/office/powerpoint/2010/main" val="1441206373"/>
+      </p:ext>
+    </p:extLst>
+  </p:cSld>
+  <p:clrMapOvr>
+    <a:masterClrMapping/>
+  </p:clrMapOvr>
+</p:sld>
+</file>
+
+<file path=ppt/slides/slide40.xml><?xml version="1.0" encoding="utf-8"?>
+<p:sld xmlns:a="http://schemas.openxmlformats.org/drawingml/2006/main" xmlns:r="http://schemas.openxmlformats.org/officeDocument/2006/relationships" xmlns:p="http://schemas.openxmlformats.org/presentationml/2006/main">
+  <p:cSld>
+    <p:spTree>
+      <p:nvGrpSpPr>
+        <p:cNvPr id="1" name="">
+          <a:extLst>
+            <a:ext uri="{FF2B5EF4-FFF2-40B4-BE49-F238E27FC236}">
+              <a16:creationId xmlns:a16="http://schemas.microsoft.com/office/drawing/2014/main" id="{A1C5C0D5-EE42-B23F-F2F9-A21A97D7FD26}"/>
+            </a:ext>
+          </a:extLst>
+        </p:cNvPr>
+        <p:cNvGrpSpPr/>
+        <p:nvPr/>
+      </p:nvGrpSpPr>
+      <p:grpSpPr>
+        <a:xfrm>
+          <a:off x="0" y="0"/>
+          <a:ext cx="0" cy="0"/>
+          <a:chOff x="0" y="0"/>
+          <a:chExt cx="0" cy="0"/>
+        </a:xfrm>
+      </p:grpSpPr>
+      <p:sp>
+        <p:nvSpPr>
+          <p:cNvPr id="3" name="Content Placeholder 2">
+            <a:extLst>
+              <a:ext uri="{FF2B5EF4-FFF2-40B4-BE49-F238E27FC236}">
+                <a16:creationId xmlns:a16="http://schemas.microsoft.com/office/drawing/2014/main" id="{B0EEF3A4-422F-D28D-D6A7-0A7EED329C80}"/>
+              </a:ext>
+            </a:extLst>
+          </p:cNvPr>
+          <p:cNvSpPr>
+            <a:spLocks noGrp="1"/>
+          </p:cNvSpPr>
+          <p:nvPr>
+            <p:ph idx="1"/>
+          </p:nvPr>
+        </p:nvSpPr>
+        <p:spPr>
+          <a:xfrm>
+            <a:off x="777240" y="674914"/>
+            <a:ext cx="10659110" cy="5502049"/>
+          </a:xfrm>
+        </p:spPr>
+        <p:txBody>
+          <a:bodyPr/>
+          <a:lstStyle/>
+          <a:p>
+            <a:pPr marL="0" indent="0">
+              <a:buNone/>
+            </a:pPr>
+            <a:endParaRPr lang="en-IN" dirty="0"/>
+          </a:p>
+        </p:txBody>
+      </p:sp>
+    </p:spTree>
+    <p:extLst>
+      <p:ext uri="{BB962C8B-B14F-4D97-AF65-F5344CB8AC3E}">
+        <p14:creationId xmlns:p14="http://schemas.microsoft.com/office/powerpoint/2010/main" val="4081946309"/>
+      </p:ext>
+    </p:extLst>
+  </p:cSld>
+  <p:clrMapOvr>
+    <a:masterClrMapping/>
+  </p:clrMapOvr>
+</p:sld>
+</file>
+
+<file path=ppt/slides/slide41.xml><?xml version="1.0" encoding="utf-8"?>
+<p:sld xmlns:a="http://schemas.openxmlformats.org/drawingml/2006/main" xmlns:r="http://schemas.openxmlformats.org/officeDocument/2006/relationships" xmlns:p="http://schemas.openxmlformats.org/presentationml/2006/main">
+  <p:cSld>
+    <p:spTree>
+      <p:nvGrpSpPr>
+        <p:cNvPr id="1" name="">
+          <a:extLst>
+            <a:ext uri="{FF2B5EF4-FFF2-40B4-BE49-F238E27FC236}">
+              <a16:creationId xmlns:a16="http://schemas.microsoft.com/office/drawing/2014/main" id="{6930798C-8904-7A42-B16A-E2B3654ECB6E}"/>
+            </a:ext>
+          </a:extLst>
+        </p:cNvPr>
+        <p:cNvGrpSpPr/>
+        <p:nvPr/>
+      </p:nvGrpSpPr>
+      <p:grpSpPr>
+        <a:xfrm>
+          <a:off x="0" y="0"/>
+          <a:ext cx="0" cy="0"/>
+          <a:chOff x="0" y="0"/>
+          <a:chExt cx="0" cy="0"/>
+        </a:xfrm>
+      </p:grpSpPr>
+      <p:sp>
+        <p:nvSpPr>
+          <p:cNvPr id="3" name="Content Placeholder 2">
+            <a:extLst>
+              <a:ext uri="{FF2B5EF4-FFF2-40B4-BE49-F238E27FC236}">
+                <a16:creationId xmlns:a16="http://schemas.microsoft.com/office/drawing/2014/main" id="{3BD10AD8-96D8-9D94-FC9B-5DB363CCB108}"/>
+              </a:ext>
+            </a:extLst>
+          </p:cNvPr>
+          <p:cNvSpPr>
+            <a:spLocks noGrp="1"/>
+          </p:cNvSpPr>
+          <p:nvPr>
+            <p:ph idx="1"/>
+          </p:nvPr>
+        </p:nvSpPr>
+        <p:spPr>
+          <a:xfrm>
+            <a:off x="777240" y="674914"/>
+            <a:ext cx="10659110" cy="5502049"/>
+          </a:xfrm>
+        </p:spPr>
+        <p:txBody>
+          <a:bodyPr/>
+          <a:lstStyle/>
+          <a:p>
+            <a:pPr marL="0" indent="0">
+              <a:buNone/>
+            </a:pPr>
+            <a:endParaRPr lang="en-IN" dirty="0"/>
+          </a:p>
+        </p:txBody>
+      </p:sp>
+    </p:spTree>
+    <p:extLst>
+      <p:ext uri="{BB962C8B-B14F-4D97-AF65-F5344CB8AC3E}">
+        <p14:creationId xmlns:p14="http://schemas.microsoft.com/office/powerpoint/2010/main" val="3792748439"/>
+      </p:ext>
+    </p:extLst>
+  </p:cSld>
+  <p:clrMapOvr>
+    <a:masterClrMapping/>
+  </p:clrMapOvr>
+</p:sld>
+</file>
+
+<file path=ppt/slides/slide42.xml><?xml version="1.0" encoding="utf-8"?>
+<p:sld xmlns:a="http://schemas.openxmlformats.org/drawingml/2006/main" xmlns:r="http://schemas.openxmlformats.org/officeDocument/2006/relationships" xmlns:p="http://schemas.openxmlformats.org/presentationml/2006/main">
+  <p:cSld>
+    <p:spTree>
+      <p:nvGrpSpPr>
+        <p:cNvPr id="1" name="">
+          <a:extLst>
+            <a:ext uri="{FF2B5EF4-FFF2-40B4-BE49-F238E27FC236}">
+              <a16:creationId xmlns:a16="http://schemas.microsoft.com/office/drawing/2014/main" id="{84E78518-2E0B-AEF2-68DA-4FFC2311756A}"/>
+            </a:ext>
+          </a:extLst>
+        </p:cNvPr>
+        <p:cNvGrpSpPr/>
+        <p:nvPr/>
+      </p:nvGrpSpPr>
+      <p:grpSpPr>
+        <a:xfrm>
+          <a:off x="0" y="0"/>
+          <a:ext cx="0" cy="0"/>
+          <a:chOff x="0" y="0"/>
+          <a:chExt cx="0" cy="0"/>
+        </a:xfrm>
+      </p:grpSpPr>
+      <p:sp>
+        <p:nvSpPr>
+          <p:cNvPr id="3" name="Content Placeholder 2">
+            <a:extLst>
+              <a:ext uri="{FF2B5EF4-FFF2-40B4-BE49-F238E27FC236}">
+                <a16:creationId xmlns:a16="http://schemas.microsoft.com/office/drawing/2014/main" id="{86D51502-27E4-21F4-A40C-6AB634970FAE}"/>
+              </a:ext>
+            </a:extLst>
+          </p:cNvPr>
+          <p:cNvSpPr>
+            <a:spLocks noGrp="1"/>
+          </p:cNvSpPr>
+          <p:nvPr>
+            <p:ph idx="1"/>
+          </p:nvPr>
+        </p:nvSpPr>
+        <p:spPr>
+          <a:xfrm>
+            <a:off x="777240" y="674914"/>
+            <a:ext cx="10659110" cy="5502049"/>
+          </a:xfrm>
+        </p:spPr>
+        <p:txBody>
+          <a:bodyPr/>
+          <a:lstStyle/>
+          <a:p>
+            <a:pPr marL="0" indent="0">
+              <a:buNone/>
+            </a:pPr>
+            <a:endParaRPr lang="en-IN" dirty="0"/>
+          </a:p>
+        </p:txBody>
+      </p:sp>
+    </p:spTree>
+    <p:extLst>
+      <p:ext uri="{BB962C8B-B14F-4D97-AF65-F5344CB8AC3E}">
+        <p14:creationId xmlns:p14="http://schemas.microsoft.com/office/powerpoint/2010/main" val="379904906"/>
       </p:ext>
     </p:extLst>
   </p:cSld>
